--- a/Doc/최종 결과 발표_09.06.25/최종발표_임광효_190625.pptx
+++ b/Doc/최종 결과 발표_09.06.25/최종발표_임광효_190625.pptx
@@ -24,11 +24,11 @@
     <p:sldId id="374" r:id="rId15"/>
     <p:sldId id="402" r:id="rId16"/>
     <p:sldId id="399" r:id="rId17"/>
-    <p:sldId id="395" r:id="rId18"/>
-    <p:sldId id="400" r:id="rId19"/>
-    <p:sldId id="375" r:id="rId20"/>
-    <p:sldId id="396" r:id="rId21"/>
-    <p:sldId id="401" r:id="rId22"/>
+    <p:sldId id="400" r:id="rId18"/>
+    <p:sldId id="375" r:id="rId19"/>
+    <p:sldId id="396" r:id="rId20"/>
+    <p:sldId id="401" r:id="rId21"/>
+    <p:sldId id="331" r:id="rId22"/>
     <p:sldId id="394" r:id="rId23"/>
   </p:sldIdLst>
   <p:sldSz cx="9144000" cy="6858000" type="screen4x3"/>
@@ -4193,7 +4193,15 @@
             </a:r>
             <a:r>
               <a:rPr lang="ko-KR" altLang="en-US" dirty="0"/>
-              <a:t>여전히 문제점은 존재했습니다</a:t>
+              <a:t>여전히 중간결과때 </a:t>
+            </a:r>
+            <a:r>
+              <a:rPr lang="ko-KR" altLang="en-US" dirty="0" err="1"/>
+              <a:t>나타났떤</a:t>
+            </a:r>
+            <a:r>
+              <a:rPr lang="ko-KR" altLang="en-US" dirty="0"/>
+              <a:t> 문제점은 사라지지 않았습니다</a:t>
             </a:r>
             <a:r>
               <a:rPr lang="en-US" altLang="ko-KR" dirty="0"/>
@@ -5286,9 +5294,28 @@
             </a:pPr>
             <a:r>
               <a:rPr lang="ko-KR" altLang="en-US" sz="1200" dirty="0"/>
-              <a:t>다른 브랜드 다른 차종으로 예측</a:t>
-            </a:r>
-            <a:endParaRPr lang="ko-KR" altLang="en-US" dirty="0"/>
+              <a:t>마지막으로 앞선 주제 선정에서 최적의 성능을 가지는 모델을 찾기 위해</a:t>
+            </a:r>
+            <a:r>
+              <a:rPr lang="en-US" altLang="ko-KR" sz="1200" dirty="0"/>
+              <a:t> </a:t>
+            </a:r>
+            <a:r>
+              <a:rPr lang="ko-KR" altLang="en-US" sz="1200" dirty="0"/>
+              <a:t>다양한 모델을 가지고 학습을 진행한다고 </a:t>
+            </a:r>
+            <a:r>
+              <a:rPr lang="ko-KR" altLang="en-US" sz="1200" dirty="0" err="1"/>
+              <a:t>한바</a:t>
+            </a:r>
+            <a:r>
+              <a:rPr lang="ko-KR" altLang="en-US" sz="1200" dirty="0"/>
+              <a:t> 있습니다</a:t>
+            </a:r>
+            <a:r>
+              <a:rPr lang="en-US" altLang="ko-KR" sz="1200" dirty="0"/>
+              <a:t>.</a:t>
+            </a:r>
           </a:p>
         </p:txBody>
       </p:sp>
@@ -5378,7 +5405,7 @@
     </p:spTree>
     <p:extLst>
       <p:ext uri="{BB962C8B-B14F-4D97-AF65-F5344CB8AC3E}">
-        <p14:creationId xmlns:p14="http://schemas.microsoft.com/office/powerpoint/2010/main" val="4202668810"/>
+        <p14:creationId xmlns:p14="http://schemas.microsoft.com/office/powerpoint/2010/main" val="3628221775"/>
       </p:ext>
     </p:extLst>
   </p:cSld>
@@ -5452,29 +5479,94 @@
               <a:defRPr/>
             </a:pPr>
             <a:r>
-              <a:rPr lang="ko-KR" altLang="en-US" sz="1200" dirty="0"/>
-              <a:t>마지막으로 앞선 주제 선정에서 최적의 성능을 가지는 모델을 찾기 위해</a:t>
-            </a:r>
-            <a:r>
-              <a:rPr lang="en-US" altLang="ko-KR" sz="1200" dirty="0"/>
-              <a:t> </a:t>
-            </a:r>
-            <a:r>
-              <a:rPr lang="ko-KR" altLang="en-US" sz="1200" dirty="0"/>
-              <a:t>다양한 모델을 가지고 학습을 진행한다고 </a:t>
-            </a:r>
-            <a:r>
-              <a:rPr lang="ko-KR" altLang="en-US" sz="1200" dirty="0" err="1"/>
-              <a:t>한바</a:t>
-            </a:r>
-            <a:r>
-              <a:rPr lang="ko-KR" altLang="en-US" sz="1200" dirty="0"/>
-              <a:t> 있습니다</a:t>
-            </a:r>
-            <a:r>
-              <a:rPr lang="en-US" altLang="ko-KR" sz="1200" dirty="0"/>
+              <a:rPr lang="ko-KR" altLang="en-US" dirty="0"/>
+              <a:t>우선 선정하여 진행했던 모델이 </a:t>
+            </a:r>
+            <a:r>
+              <a:rPr lang="en-US" altLang="ko-KR" dirty="0"/>
+              <a:t>ResNet-152 </a:t>
+            </a:r>
+            <a:r>
+              <a:rPr lang="ko-KR" altLang="en-US" dirty="0"/>
+              <a:t>모델이었는데</a:t>
+            </a:r>
+            <a:r>
+              <a:rPr lang="en-US" altLang="ko-KR" dirty="0"/>
+              <a:t>, </a:t>
+            </a:r>
+            <a:r>
+              <a:rPr lang="ko-KR" altLang="en-US" dirty="0"/>
+              <a:t>상당히 깊은 </a:t>
+            </a:r>
+            <a:r>
+              <a:rPr lang="en-US" altLang="ko-KR" dirty="0"/>
+              <a:t>layer</a:t>
+            </a:r>
+            <a:r>
+              <a:rPr lang="ko-KR" altLang="en-US" dirty="0"/>
+              <a:t>를 가지는 모델이라 다른 모델 대비 많은 파라미터를 가져</a:t>
+            </a:r>
+            <a:r>
+              <a:rPr lang="en-US" altLang="ko-KR" dirty="0"/>
+              <a:t>, </a:t>
+            </a:r>
+            <a:r>
+              <a:rPr lang="ko-KR" altLang="en-US" dirty="0"/>
+              <a:t>상대적으로 데이터에 비해</a:t>
+            </a:r>
+            <a:endParaRPr lang="en-US" altLang="ko-KR" dirty="0"/>
+          </a:p>
+          <a:p>
+            <a:pPr marL="0" marR="0" indent="0" algn="l" defTabSz="914400" rtl="0" eaLnBrk="1" fontAlgn="auto" latinLnBrk="1" hangingPunct="1">
+              <a:lnSpc>
+                <a:spcPct val="100000"/>
+              </a:lnSpc>
+              <a:spcBef>
+                <a:spcPts val="0"/>
+              </a:spcBef>
+              <a:spcAft>
+                <a:spcPts val="0"/>
+              </a:spcAft>
+              <a:buClrTx/>
+              <a:buSzTx/>
+              <a:buFontTx/>
+              <a:buNone/>
+              <a:tabLst/>
+              <a:defRPr/>
+            </a:pPr>
+            <a:r>
+              <a:rPr lang="ko-KR" altLang="en-US" dirty="0"/>
+              <a:t>많은 파라미터를 가지는게 아닐까 생각되어 다른 </a:t>
+            </a:r>
+            <a:r>
+              <a:rPr lang="en-US" altLang="ko-KR" dirty="0" err="1"/>
+              <a:t>ResNet</a:t>
+            </a:r>
+            <a:r>
+              <a:rPr lang="ko-KR" altLang="en-US" dirty="0"/>
+              <a:t> 모델을 가지고 학습을 진행해보았습니다</a:t>
+            </a:r>
+            <a:r>
+              <a:rPr lang="en-US" altLang="ko-KR" dirty="0"/>
+              <a:t>. </a:t>
+            </a:r>
+            <a:r>
+              <a:rPr lang="ko-KR" altLang="en-US" dirty="0"/>
+              <a:t>그 결과 </a:t>
+            </a:r>
+            <a:r>
+              <a:rPr lang="en-US" altLang="ko-KR" dirty="0"/>
+              <a:t>90 96 97</a:t>
+            </a:r>
+            <a:r>
+              <a:rPr lang="ko-KR" altLang="en-US" dirty="0"/>
+              <a:t>을 보였습니다</a:t>
+            </a:r>
+            <a:r>
+              <a:rPr lang="en-US" altLang="ko-KR" dirty="0"/>
               <a:t>.</a:t>
             </a:r>
+            <a:endParaRPr lang="ko-KR" altLang="en-US" dirty="0"/>
           </a:p>
         </p:txBody>
       </p:sp>
@@ -5564,7 +5656,7 @@
     </p:spTree>
     <p:extLst>
       <p:ext uri="{BB962C8B-B14F-4D97-AF65-F5344CB8AC3E}">
-        <p14:creationId xmlns:p14="http://schemas.microsoft.com/office/powerpoint/2010/main" val="3628221775"/>
+        <p14:creationId xmlns:p14="http://schemas.microsoft.com/office/powerpoint/2010/main" val="153969069"/>
       </p:ext>
     </p:extLst>
   </p:cSld>
@@ -5638,42 +5730,13 @@
               <a:defRPr/>
             </a:pPr>
             <a:r>
-              <a:rPr lang="ko-KR" altLang="en-US" dirty="0"/>
-              <a:t>우선 선정하여 진행했던 모델이 </a:t>
-            </a:r>
-            <a:r>
-              <a:rPr lang="en-US" altLang="ko-KR" dirty="0"/>
-              <a:t>ResNet-152 </a:t>
-            </a:r>
-            <a:r>
-              <a:rPr lang="ko-KR" altLang="en-US" dirty="0"/>
-              <a:t>모델이었는데</a:t>
-            </a:r>
-            <a:r>
-              <a:rPr lang="en-US" altLang="ko-KR" dirty="0"/>
-              <a:t>, </a:t>
-            </a:r>
-            <a:r>
-              <a:rPr lang="ko-KR" altLang="en-US" dirty="0"/>
-              <a:t>상당히 깊은 </a:t>
-            </a:r>
-            <a:r>
-              <a:rPr lang="en-US" altLang="ko-KR" dirty="0"/>
-              <a:t>layer</a:t>
-            </a:r>
-            <a:r>
-              <a:rPr lang="ko-KR" altLang="en-US" dirty="0"/>
-              <a:t>를 가지는 모델이라 다른 모델 대비 많은 파라미터를 가져</a:t>
-            </a:r>
-            <a:r>
-              <a:rPr lang="en-US" altLang="ko-KR" dirty="0"/>
-              <a:t>, </a:t>
-            </a:r>
-            <a:r>
-              <a:rPr lang="ko-KR" altLang="en-US" dirty="0"/>
-              <a:t>상대적으로 데이터에 비해</a:t>
-            </a:r>
-            <a:endParaRPr lang="en-US" altLang="ko-KR" dirty="0"/>
+              <a:rPr lang="ko-KR" altLang="en-US" sz="1200" dirty="0"/>
+              <a:t>결론입니다</a:t>
+            </a:r>
+            <a:r>
+              <a:rPr lang="en-US" altLang="ko-KR" sz="1200" dirty="0"/>
+              <a:t>.</a:t>
+            </a:r>
           </a:p>
           <a:p>
             <a:pPr marL="0" marR="0" indent="0" algn="l" defTabSz="914400" rtl="0" eaLnBrk="1" fontAlgn="auto" latinLnBrk="1" hangingPunct="1">
@@ -5694,32 +5757,134 @@
               <a:defRPr/>
             </a:pPr>
             <a:r>
+              <a:rPr lang="ko-KR" altLang="en-US" sz="1200" dirty="0"/>
+              <a:t>데이터셋의 차종을 압축하여 학습을 진행해보았고</a:t>
+            </a:r>
+            <a:r>
+              <a:rPr lang="en-US" altLang="ko-KR" sz="1200" dirty="0"/>
+              <a:t>, </a:t>
+            </a:r>
+            <a:r>
+              <a:rPr lang="ko-KR" altLang="en-US" sz="1200" dirty="0"/>
+              <a:t>평균 출력보다 낮은 출력을 보이는 차종을 확인한 결과 비슷한 차종과 외형을 가진다고 생각되어 좀더 데이터셋을 </a:t>
+            </a:r>
+            <a:r>
+              <a:rPr lang="ko-KR" altLang="en-US" sz="1200" dirty="0" err="1"/>
+              <a:t>추가해야겠다고</a:t>
+            </a:r>
+            <a:r>
+              <a:rPr lang="ko-KR" altLang="en-US" sz="1200" dirty="0"/>
+              <a:t> 생각했습니다</a:t>
+            </a:r>
+            <a:r>
+              <a:rPr lang="en-US" altLang="ko-KR" sz="1200" dirty="0"/>
+              <a:t>.</a:t>
+            </a:r>
+          </a:p>
+          <a:p>
+            <a:pPr marL="0" marR="0" indent="0" algn="l" defTabSz="914400" rtl="0" eaLnBrk="1" fontAlgn="auto" latinLnBrk="1" hangingPunct="1">
+              <a:lnSpc>
+                <a:spcPct val="100000"/>
+              </a:lnSpc>
+              <a:spcBef>
+                <a:spcPts val="0"/>
+              </a:spcBef>
+              <a:spcAft>
+                <a:spcPts val="0"/>
+              </a:spcAft>
+              <a:buClrTx/>
+              <a:buSzTx/>
+              <a:buFontTx/>
+              <a:buNone/>
+              <a:tabLst/>
+              <a:defRPr/>
+            </a:pPr>
+            <a:r>
               <a:rPr lang="ko-KR" altLang="en-US" dirty="0"/>
-              <a:t>많은 파라미터를 가지는게 아닐까 생각되어 다른 </a:t>
-            </a:r>
-            <a:r>
-              <a:rPr lang="en-US" altLang="ko-KR" dirty="0" err="1"/>
-              <a:t>ResNet</a:t>
+              <a:t>또한 오답을 출력한 테스트 이미지에서 찌그러진 이미지를 확인했으므로</a:t>
+            </a:r>
+            <a:r>
+              <a:rPr lang="en-US" altLang="ko-KR" dirty="0"/>
+              <a:t>, </a:t>
             </a:r>
             <a:r>
               <a:rPr lang="ko-KR" altLang="en-US" dirty="0"/>
-              <a:t> 모델을 가지고 학습을 진행해보았습니다</a:t>
+              <a:t>데이터셋을 점검하여 정상적인 이미지로 </a:t>
+            </a:r>
+            <a:r>
+              <a:rPr lang="ko-KR" altLang="en-US" dirty="0" err="1"/>
+              <a:t>대체해야겠다고</a:t>
+            </a:r>
+            <a:r>
+              <a:rPr lang="ko-KR" altLang="en-US" dirty="0"/>
+              <a:t> 생각했습니다</a:t>
             </a:r>
             <a:r>
               <a:rPr lang="en-US" altLang="ko-KR" dirty="0"/>
-              <a:t>. </a:t>
-            </a:r>
+              <a:t>.</a:t>
+            </a:r>
+          </a:p>
+          <a:p>
+            <a:pPr marL="0" marR="0" indent="0" algn="l" defTabSz="914400" rtl="0" eaLnBrk="1" fontAlgn="auto" latinLnBrk="1" hangingPunct="1">
+              <a:lnSpc>
+                <a:spcPct val="100000"/>
+              </a:lnSpc>
+              <a:spcBef>
+                <a:spcPts val="0"/>
+              </a:spcBef>
+              <a:spcAft>
+                <a:spcPts val="0"/>
+              </a:spcAft>
+              <a:buClrTx/>
+              <a:buSzTx/>
+              <a:buFontTx/>
+              <a:buNone/>
+              <a:tabLst/>
+              <a:defRPr/>
+            </a:pPr>
             <a:r>
               <a:rPr lang="ko-KR" altLang="en-US" dirty="0"/>
-              <a:t>그 결과 </a:t>
+              <a:t>이후 깊이가 다른 </a:t>
             </a:r>
             <a:r>
               <a:rPr lang="en-US" altLang="ko-KR" dirty="0"/>
-              <a:t>90 96 97</a:t>
+              <a:t>2</a:t>
             </a:r>
             <a:r>
               <a:rPr lang="ko-KR" altLang="en-US" dirty="0"/>
-              <a:t>을 보였습니다</a:t>
+              <a:t>개의 </a:t>
+            </a:r>
+            <a:r>
+              <a:rPr lang="ko-KR" altLang="en-US" dirty="0" err="1"/>
+              <a:t>래스넷</a:t>
+            </a:r>
+            <a:r>
+              <a:rPr lang="ko-KR" altLang="en-US" dirty="0"/>
+              <a:t> 모델을 가지고 추가 학습을 진행하여 비교한 결과 </a:t>
+            </a:r>
+            <a:r>
+              <a:rPr lang="ko-KR" altLang="en-US" dirty="0" err="1"/>
+              <a:t>래스넷</a:t>
+            </a:r>
+            <a:r>
+              <a:rPr lang="ko-KR" altLang="en-US" dirty="0"/>
+              <a:t> </a:t>
+            </a:r>
+            <a:r>
+              <a:rPr lang="en-US" altLang="ko-KR" dirty="0"/>
+              <a:t>101~152 </a:t>
+            </a:r>
+            <a:r>
+              <a:rPr lang="ko-KR" altLang="en-US" dirty="0"/>
+              <a:t>계층 사이의 깊이를 세분화 하여 좀 더 높은 성능을 가지는 계층 수를 </a:t>
+            </a:r>
+            <a:r>
+              <a:rPr lang="ko-KR" altLang="en-US" dirty="0" err="1"/>
+              <a:t>확인해야겠다고</a:t>
+            </a:r>
+            <a:r>
+              <a:rPr lang="ko-KR" altLang="en-US" dirty="0"/>
+              <a:t> 생각했습니다</a:t>
             </a:r>
             <a:r>
               <a:rPr lang="en-US" altLang="ko-KR" dirty="0"/>
@@ -5815,7 +5980,7 @@
     </p:spTree>
     <p:extLst>
       <p:ext uri="{BB962C8B-B14F-4D97-AF65-F5344CB8AC3E}">
-        <p14:creationId xmlns:p14="http://schemas.microsoft.com/office/powerpoint/2010/main" val="153969069"/>
+        <p14:creationId xmlns:p14="http://schemas.microsoft.com/office/powerpoint/2010/main" val="1908676200"/>
       </p:ext>
     </p:extLst>
   </p:cSld>
@@ -6043,12 +6208,9 @@
             </a:pPr>
             <a:r>
               <a:rPr lang="ko-KR" altLang="en-US" sz="1200" dirty="0"/>
-              <a:t>결론입니다</a:t>
-            </a:r>
-            <a:r>
-              <a:rPr lang="en-US" altLang="ko-KR" sz="1200" dirty="0"/>
-              <a:t>.</a:t>
-            </a:r>
+              <a:t>향후 연구 과제로</a:t>
+            </a:r>
+            <a:endParaRPr lang="en-US" altLang="ko-KR" sz="1200" dirty="0"/>
           </a:p>
           <a:p>
             <a:pPr marL="0" marR="0" indent="0" algn="l" defTabSz="914400" rtl="0" eaLnBrk="1" fontAlgn="auto" latinLnBrk="1" hangingPunct="1">
@@ -6070,7 +6232,11 @@
             </a:pPr>
             <a:r>
               <a:rPr lang="ko-KR" altLang="en-US" sz="1200" dirty="0"/>
-              <a:t>데이터셋의 차종을 압축하여 학습을 진행해보았고</a:t>
+              <a:t>차종을 압축하여 이득을 보았으니 브랜드가 아닌 단순 차종만으로 데이터를 나누어 </a:t>
+            </a:r>
+            <a:r>
+              <a:rPr lang="ko-KR" altLang="en-US" sz="1200" dirty="0" err="1"/>
+              <a:t>진행하였을때</a:t>
             </a:r>
             <a:r>
               <a:rPr lang="en-US" altLang="ko-KR" sz="1200" dirty="0"/>
@@ -6078,20 +6244,33 @@
             </a:r>
             <a:r>
               <a:rPr lang="ko-KR" altLang="en-US" sz="1200" dirty="0"/>
-              <a:t>평균 출력보다 낮은 출력을 보이는 차종을 확인한 결과 비슷한 차종과 외형을 가진다고 생각되어 좀더 데이터셋을 </a:t>
-            </a:r>
-            <a:r>
-              <a:rPr lang="ko-KR" altLang="en-US" sz="1200" dirty="0" err="1"/>
-              <a:t>추가해야겠다고</a:t>
-            </a:r>
-            <a:r>
-              <a:rPr lang="ko-KR" altLang="en-US" sz="1200" dirty="0"/>
-              <a:t> 생각했습니다</a:t>
+              <a:t>어떠한 모델이 최적인지를 확인하겠습니다</a:t>
             </a:r>
             <a:r>
               <a:rPr lang="en-US" altLang="ko-KR" sz="1200" dirty="0"/>
               <a:t>.</a:t>
             </a:r>
+            <a:r>
+              <a:rPr lang="ko-KR" altLang="en-US" sz="1200" dirty="0"/>
+              <a:t> </a:t>
+            </a:r>
+            <a:r>
+              <a:rPr lang="en-US" altLang="ko-KR" sz="1200" dirty="0"/>
+              <a:t>-&gt; </a:t>
+            </a:r>
+            <a:r>
+              <a:rPr lang="ko-KR" altLang="en-US" sz="1200" dirty="0"/>
+              <a:t>차종을 </a:t>
+            </a:r>
+            <a:r>
+              <a:rPr lang="en-US" altLang="ko-KR" sz="1200" dirty="0"/>
+              <a:t>10</a:t>
+            </a:r>
+            <a:r>
+              <a:rPr lang="ko-KR" altLang="en-US" sz="1200" dirty="0"/>
+              <a:t>종이내로 제한</a:t>
+            </a:r>
+            <a:endParaRPr lang="en-US" altLang="ko-KR" sz="1200" dirty="0"/>
           </a:p>
           <a:p>
             <a:pPr marL="0" marR="0" indent="0" algn="l" defTabSz="914400" rtl="0" eaLnBrk="1" fontAlgn="auto" latinLnBrk="1" hangingPunct="1">
@@ -6113,90 +6292,15 @@
             </a:pPr>
             <a:r>
               <a:rPr lang="ko-KR" altLang="en-US" dirty="0"/>
-              <a:t>또한 오답을 출력한 테스트 이미지에서 찌그러진 이미지를 확인했으므로</a:t>
+              <a:t>또한 방금 말씀 드린 모델의 깊이를 최적화하여 해당 데이터셋에 맞는 깊이를 찾아보겠습니다</a:t>
             </a:r>
             <a:r>
               <a:rPr lang="en-US" altLang="ko-KR" dirty="0"/>
-              <a:t>, </a:t>
+              <a:t>. </a:t>
             </a:r>
             <a:r>
               <a:rPr lang="ko-KR" altLang="en-US" dirty="0"/>
-              <a:t>데이터셋을 점검하여 정상적인 이미지로 </a:t>
-            </a:r>
-            <a:r>
-              <a:rPr lang="ko-KR" altLang="en-US" dirty="0" err="1"/>
-              <a:t>대체해야겠다고</a:t>
-            </a:r>
-            <a:r>
-              <a:rPr lang="ko-KR" altLang="en-US" dirty="0"/>
-              <a:t> 생각했습니다</a:t>
-            </a:r>
-            <a:r>
-              <a:rPr lang="en-US" altLang="ko-KR" dirty="0"/>
-              <a:t>.</a:t>
-            </a:r>
-          </a:p>
-          <a:p>
-            <a:pPr marL="0" marR="0" indent="0" algn="l" defTabSz="914400" rtl="0" eaLnBrk="1" fontAlgn="auto" latinLnBrk="1" hangingPunct="1">
-              <a:lnSpc>
-                <a:spcPct val="100000"/>
-              </a:lnSpc>
-              <a:spcBef>
-                <a:spcPts val="0"/>
-              </a:spcBef>
-              <a:spcAft>
-                <a:spcPts val="0"/>
-              </a:spcAft>
-              <a:buClrTx/>
-              <a:buSzTx/>
-              <a:buFontTx/>
-              <a:buNone/>
-              <a:tabLst/>
-              <a:defRPr/>
-            </a:pPr>
-            <a:r>
-              <a:rPr lang="ko-KR" altLang="en-US" dirty="0"/>
-              <a:t>이후 깊이가 다른 </a:t>
-            </a:r>
-            <a:r>
-              <a:rPr lang="en-US" altLang="ko-KR" dirty="0"/>
-              <a:t>2</a:t>
-            </a:r>
-            <a:r>
-              <a:rPr lang="ko-KR" altLang="en-US" dirty="0"/>
-              <a:t>개의 </a:t>
-            </a:r>
-            <a:r>
-              <a:rPr lang="ko-KR" altLang="en-US" dirty="0" err="1"/>
-              <a:t>래스넷</a:t>
-            </a:r>
-            <a:r>
-              <a:rPr lang="ko-KR" altLang="en-US" dirty="0"/>
-              <a:t> 모델을 가지고 추가 학습을 진행하여 비교한 결과 </a:t>
-            </a:r>
-            <a:r>
-              <a:rPr lang="ko-KR" altLang="en-US" dirty="0" err="1"/>
-              <a:t>래스넷</a:t>
-            </a:r>
-            <a:r>
-              <a:rPr lang="ko-KR" altLang="en-US" dirty="0"/>
-              <a:t> </a:t>
-            </a:r>
-            <a:r>
-              <a:rPr lang="en-US" altLang="ko-KR" dirty="0"/>
-              <a:t>101~152 </a:t>
-            </a:r>
-            <a:r>
-              <a:rPr lang="ko-KR" altLang="en-US" dirty="0"/>
-              <a:t>계층 사이의 깊이를 세분화 하여 좀 더 높은 성능을 가지는 계층 수를 </a:t>
-            </a:r>
-            <a:r>
-              <a:rPr lang="ko-KR" altLang="en-US" dirty="0" err="1"/>
-              <a:t>확인해야겠다고</a:t>
-            </a:r>
-            <a:r>
-              <a:rPr lang="ko-KR" altLang="en-US" dirty="0"/>
-              <a:t> 생각했습니다</a:t>
+              <a:t>이상입니다</a:t>
             </a:r>
             <a:r>
               <a:rPr lang="en-US" altLang="ko-KR" dirty="0"/>
@@ -6292,7 +6396,7 @@
     </p:spTree>
     <p:extLst>
       <p:ext uri="{BB962C8B-B14F-4D97-AF65-F5344CB8AC3E}">
-        <p14:creationId xmlns:p14="http://schemas.microsoft.com/office/powerpoint/2010/main" val="1908676200"/>
+        <p14:creationId xmlns:p14="http://schemas.microsoft.com/office/powerpoint/2010/main" val="3782064293"/>
       </p:ext>
     </p:extLst>
   </p:cSld>
@@ -6366,105 +6470,12 @@
               <a:defRPr/>
             </a:pPr>
             <a:r>
-              <a:rPr lang="ko-KR" altLang="en-US" sz="1200" dirty="0"/>
-              <a:t>향후 연구 과제로</a:t>
-            </a:r>
-            <a:endParaRPr lang="en-US" altLang="ko-KR" sz="1200" dirty="0"/>
-          </a:p>
-          <a:p>
-            <a:pPr marL="0" marR="0" indent="0" algn="l" defTabSz="914400" rtl="0" eaLnBrk="1" fontAlgn="auto" latinLnBrk="1" hangingPunct="1">
-              <a:lnSpc>
-                <a:spcPct val="100000"/>
-              </a:lnSpc>
-              <a:spcBef>
-                <a:spcPts val="0"/>
-              </a:spcBef>
-              <a:spcAft>
-                <a:spcPts val="0"/>
-              </a:spcAft>
-              <a:buClrTx/>
-              <a:buSzTx/>
-              <a:buFontTx/>
-              <a:buNone/>
-              <a:tabLst/>
-              <a:defRPr/>
-            </a:pPr>
-            <a:r>
-              <a:rPr lang="ko-KR" altLang="en-US" sz="1200" dirty="0"/>
-              <a:t>차종을 압축하여 이득을 보았으니 브랜드가 아닌 단순 차종만으로 데이터를 나누어 </a:t>
-            </a:r>
-            <a:r>
-              <a:rPr lang="ko-KR" altLang="en-US" sz="1200" dirty="0" err="1"/>
-              <a:t>진행하였을때</a:t>
-            </a:r>
-            <a:r>
               <a:rPr lang="en-US" altLang="ko-KR" sz="1200" dirty="0"/>
-              <a:t>, </a:t>
-            </a:r>
-            <a:r>
-              <a:rPr lang="ko-KR" altLang="en-US" sz="1200" dirty="0"/>
-              <a:t>어떠한 모델이 최적인지를 확인하겠습니다</a:t>
-            </a:r>
-            <a:r>
-              <a:rPr lang="en-US" altLang="ko-KR" sz="1200" dirty="0"/>
-              <a:t>.</a:t>
-            </a:r>
-            <a:r>
-              <a:rPr lang="ko-KR" altLang="en-US" sz="1200" dirty="0"/>
-              <a:t> </a:t>
-            </a:r>
-            <a:r>
-              <a:rPr lang="en-US" altLang="ko-KR" sz="1200" dirty="0"/>
-              <a:t>-&gt; </a:t>
-            </a:r>
-            <a:r>
-              <a:rPr lang="ko-KR" altLang="en-US" sz="1200" dirty="0"/>
-              <a:t>차종을 </a:t>
-            </a:r>
-            <a:r>
-              <a:rPr lang="en-US" altLang="ko-KR" sz="1200" dirty="0"/>
-              <a:t>10</a:t>
-            </a:r>
-            <a:r>
-              <a:rPr lang="ko-KR" altLang="en-US" sz="1200" dirty="0"/>
-              <a:t>종이내로 제한</a:t>
-            </a:r>
-            <a:endParaRPr lang="en-US" altLang="ko-KR" sz="1200" dirty="0"/>
-          </a:p>
-          <a:p>
-            <a:pPr marL="0" marR="0" indent="0" algn="l" defTabSz="914400" rtl="0" eaLnBrk="1" fontAlgn="auto" latinLnBrk="1" hangingPunct="1">
-              <a:lnSpc>
-                <a:spcPct val="100000"/>
-              </a:lnSpc>
-              <a:spcBef>
-                <a:spcPts val="0"/>
-              </a:spcBef>
-              <a:spcAft>
-                <a:spcPts val="0"/>
-              </a:spcAft>
-              <a:buClrTx/>
-              <a:buSzTx/>
-              <a:buFontTx/>
-              <a:buNone/>
-              <a:tabLst/>
-              <a:defRPr/>
-            </a:pPr>
-            <a:r>
-              <a:rPr lang="ko-KR" altLang="en-US" dirty="0"/>
-              <a:t>또한 방금 말씀 드린 모델의 깊이를 최적화하여 해당 데이터셋에 맞는 깊이를 찾아보겠습니다</a:t>
-            </a:r>
-            <a:r>
-              <a:rPr lang="en-US" altLang="ko-KR" dirty="0"/>
-              <a:t>. </a:t>
-            </a:r>
-            <a:r>
-              <a:rPr lang="ko-KR" altLang="en-US" dirty="0"/>
-              <a:t>이상입니다</a:t>
-            </a:r>
-            <a:r>
-              <a:rPr lang="en-US" altLang="ko-KR" dirty="0"/>
-              <a:t>.</a:t>
-            </a:r>
+              <a:t>http://minheeblog.tistory.com/category/PPT</a:t>
+            </a:r>
+            <a:endParaRPr lang="ko-KR" altLang="en-US" sz="1200" dirty="0"/>
+          </a:p>
+          <a:p>
             <a:endParaRPr lang="ko-KR" altLang="en-US" dirty="0"/>
           </a:p>
         </p:txBody>
@@ -6555,7 +6566,7 @@
     </p:spTree>
     <p:extLst>
       <p:ext uri="{BB962C8B-B14F-4D97-AF65-F5344CB8AC3E}">
-        <p14:creationId xmlns:p14="http://schemas.microsoft.com/office/powerpoint/2010/main" val="3782064293"/>
+        <p14:creationId xmlns:p14="http://schemas.microsoft.com/office/powerpoint/2010/main" val="3950802631"/>
       </p:ext>
     </p:extLst>
   </p:cSld>
@@ -19148,931 +19159,6 @@
 </file>
 
 <file path=ppt/slides/slide17.xml><?xml version="1.0" encoding="utf-8"?>
-<p:sld xmlns:a="http://schemas.openxmlformats.org/drawingml/2006/main" xmlns:r="http://schemas.openxmlformats.org/officeDocument/2006/relationships" xmlns:p="http://schemas.openxmlformats.org/presentationml/2006/main" show="0">
-  <p:cSld>
-    <p:bg>
-      <p:bgPr>
-        <a:solidFill>
-          <a:schemeClr val="tx2">
-            <a:lumMod val="75000"/>
-          </a:schemeClr>
-        </a:solidFill>
-        <a:effectLst/>
-      </p:bgPr>
-    </p:bg>
-    <p:spTree>
-      <p:nvGrpSpPr>
-        <p:cNvPr id="1" name=""/>
-        <p:cNvGrpSpPr/>
-        <p:nvPr/>
-      </p:nvGrpSpPr>
-      <p:grpSpPr>
-        <a:xfrm>
-          <a:off x="0" y="0"/>
-          <a:ext cx="0" cy="0"/>
-          <a:chOff x="0" y="0"/>
-          <a:chExt cx="0" cy="0"/>
-        </a:xfrm>
-      </p:grpSpPr>
-      <p:sp>
-        <p:nvSpPr>
-          <p:cNvPr id="2" name="직사각형 1"/>
-          <p:cNvSpPr/>
-          <p:nvPr/>
-        </p:nvSpPr>
-        <p:spPr>
-          <a:xfrm>
-            <a:off x="-3932" y="774486"/>
-            <a:ext cx="9180512" cy="5793548"/>
-          </a:xfrm>
-          <a:prstGeom prst="rect">
-            <a:avLst/>
-          </a:prstGeom>
-          <a:solidFill>
-            <a:schemeClr val="bg1"/>
-          </a:solidFill>
-          <a:ln>
-            <a:noFill/>
-          </a:ln>
-        </p:spPr>
-        <p:style>
-          <a:lnRef idx="2">
-            <a:schemeClr val="accent1">
-              <a:shade val="50000"/>
-            </a:schemeClr>
-          </a:lnRef>
-          <a:fillRef idx="1">
-            <a:schemeClr val="accent1"/>
-          </a:fillRef>
-          <a:effectRef idx="0">
-            <a:schemeClr val="accent1"/>
-          </a:effectRef>
-          <a:fontRef idx="minor">
-            <a:schemeClr val="lt1"/>
-          </a:fontRef>
-        </p:style>
-        <p:txBody>
-          <a:bodyPr rtlCol="0" anchor="ctr"/>
-          <a:lstStyle/>
-          <a:p>
-            <a:pPr marL="0" marR="0" lvl="0" indent="0" algn="ctr" defTabSz="914400" rtl="0" eaLnBrk="1" fontAlgn="auto" latinLnBrk="1" hangingPunct="1">
-              <a:lnSpc>
-                <a:spcPct val="100000"/>
-              </a:lnSpc>
-              <a:spcBef>
-                <a:spcPts val="0"/>
-              </a:spcBef>
-              <a:spcAft>
-                <a:spcPts val="0"/>
-              </a:spcAft>
-              <a:buClrTx/>
-              <a:buSzTx/>
-              <a:buFontTx/>
-              <a:buNone/>
-              <a:tabLst/>
-              <a:defRPr/>
-            </a:pPr>
-            <a:endParaRPr kumimoji="0" lang="ko-KR" altLang="en-US" sz="1800" b="0" i="0" u="none" strike="noStrike" kern="1200" cap="none" spc="0" normalizeH="0" baseline="0" noProof="0" dirty="0">
-              <a:ln>
-                <a:noFill/>
-              </a:ln>
-              <a:solidFill>
-                <a:prstClr val="white"/>
-              </a:solidFill>
-              <a:effectLst/>
-              <a:uLnTx/>
-              <a:uFillTx/>
-              <a:latin typeface="맑은 고딕"/>
-              <a:ea typeface="맑은 고딕" panose="020B0503020000020004" pitchFamily="50" charset="-127"/>
-              <a:cs typeface="+mn-cs"/>
-            </a:endParaRPr>
-          </a:p>
-        </p:txBody>
-      </p:sp>
-      <p:sp>
-        <p:nvSpPr>
-          <p:cNvPr id="3" name="타원 2"/>
-          <p:cNvSpPr/>
-          <p:nvPr/>
-        </p:nvSpPr>
-        <p:spPr>
-          <a:xfrm>
-            <a:off x="4067944" y="146108"/>
-            <a:ext cx="936104" cy="1050644"/>
-          </a:xfrm>
-          <a:prstGeom prst="ellipse">
-            <a:avLst/>
-          </a:prstGeom>
-          <a:solidFill>
-            <a:schemeClr val="tx2">
-              <a:lumMod val="75000"/>
-            </a:schemeClr>
-          </a:solidFill>
-          <a:ln>
-            <a:noFill/>
-          </a:ln>
-        </p:spPr>
-        <p:style>
-          <a:lnRef idx="2">
-            <a:schemeClr val="accent1">
-              <a:shade val="50000"/>
-            </a:schemeClr>
-          </a:lnRef>
-          <a:fillRef idx="1">
-            <a:schemeClr val="accent1"/>
-          </a:fillRef>
-          <a:effectRef idx="0">
-            <a:schemeClr val="accent1"/>
-          </a:effectRef>
-          <a:fontRef idx="minor">
-            <a:schemeClr val="lt1"/>
-          </a:fontRef>
-        </p:style>
-        <p:txBody>
-          <a:bodyPr rtlCol="0" anchor="ctr"/>
-          <a:lstStyle/>
-          <a:p>
-            <a:pPr marL="0" marR="0" lvl="0" indent="0" algn="ctr" defTabSz="914400" rtl="0" eaLnBrk="1" fontAlgn="auto" latinLnBrk="1" hangingPunct="1">
-              <a:lnSpc>
-                <a:spcPct val="100000"/>
-              </a:lnSpc>
-              <a:spcBef>
-                <a:spcPts val="0"/>
-              </a:spcBef>
-              <a:spcAft>
-                <a:spcPts val="0"/>
-              </a:spcAft>
-              <a:buClrTx/>
-              <a:buSzTx/>
-              <a:buFontTx/>
-              <a:buNone/>
-              <a:tabLst/>
-              <a:defRPr/>
-            </a:pPr>
-            <a:endParaRPr kumimoji="0" lang="ko-KR" altLang="en-US" sz="1800" b="0" i="0" u="none" strike="noStrike" kern="1200" cap="none" spc="0" normalizeH="0" baseline="0" noProof="0">
-              <a:ln>
-                <a:noFill/>
-              </a:ln>
-              <a:solidFill>
-                <a:prstClr val="white"/>
-              </a:solidFill>
-              <a:effectLst/>
-              <a:uLnTx/>
-              <a:uFillTx/>
-              <a:latin typeface="맑은 고딕"/>
-              <a:ea typeface="맑은 고딕" panose="020B0503020000020004" pitchFamily="50" charset="-127"/>
-              <a:cs typeface="+mn-cs"/>
-            </a:endParaRPr>
-          </a:p>
-        </p:txBody>
-      </p:sp>
-      <p:sp>
-        <p:nvSpPr>
-          <p:cNvPr id="9" name="TextBox 8"/>
-          <p:cNvSpPr txBox="1"/>
-          <p:nvPr/>
-        </p:nvSpPr>
-        <p:spPr>
-          <a:xfrm>
-            <a:off x="3995936" y="692696"/>
-            <a:ext cx="1080120" cy="461665"/>
-          </a:xfrm>
-          <a:prstGeom prst="rect">
-            <a:avLst/>
-          </a:prstGeom>
-          <a:noFill/>
-        </p:spPr>
-        <p:txBody>
-          <a:bodyPr wrap="square" rtlCol="0">
-            <a:spAutoFit/>
-          </a:bodyPr>
-          <a:lstStyle/>
-          <a:p>
-            <a:pPr marL="0" marR="0" lvl="0" indent="0" algn="ctr" defTabSz="914400" rtl="0" eaLnBrk="1" fontAlgn="auto" latinLnBrk="1" hangingPunct="1">
-              <a:lnSpc>
-                <a:spcPct val="100000"/>
-              </a:lnSpc>
-              <a:spcBef>
-                <a:spcPts val="0"/>
-              </a:spcBef>
-              <a:spcAft>
-                <a:spcPts val="0"/>
-              </a:spcAft>
-              <a:buClrTx/>
-              <a:buSzTx/>
-              <a:buFontTx/>
-              <a:buNone/>
-              <a:tabLst/>
-              <a:defRPr/>
-            </a:pPr>
-            <a:r>
-              <a:rPr lang="en-US" altLang="ko-KR" sz="2400" dirty="0">
-                <a:solidFill>
-                  <a:prstClr val="white"/>
-                </a:solidFill>
-                <a:latin typeface="HY헤드라인M" pitchFamily="18" charset="-127"/>
-                <a:ea typeface="HY헤드라인M" pitchFamily="18" charset="-127"/>
-              </a:rPr>
-              <a:t>02</a:t>
-            </a:r>
-            <a:endParaRPr kumimoji="0" lang="ko-KR" altLang="en-US" sz="2400" b="0" i="0" u="none" strike="noStrike" kern="1200" cap="none" spc="0" normalizeH="0" baseline="0" noProof="0" dirty="0">
-              <a:ln>
-                <a:noFill/>
-              </a:ln>
-              <a:solidFill>
-                <a:prstClr val="white"/>
-              </a:solidFill>
-              <a:effectLst/>
-              <a:uLnTx/>
-              <a:uFillTx/>
-              <a:latin typeface="HY헤드라인M" pitchFamily="18" charset="-127"/>
-              <a:ea typeface="HY헤드라인M" pitchFamily="18" charset="-127"/>
-              <a:cs typeface="+mn-cs"/>
-            </a:endParaRPr>
-          </a:p>
-        </p:txBody>
-      </p:sp>
-      <p:sp>
-        <p:nvSpPr>
-          <p:cNvPr id="8" name="TextBox 7">
-            <a:extLst>
-              <a:ext uri="{FF2B5EF4-FFF2-40B4-BE49-F238E27FC236}">
-                <a16:creationId xmlns:a16="http://schemas.microsoft.com/office/drawing/2014/main" id="{FAED06FF-7715-4AFC-8FA9-4D83ECE6AF80}"/>
-              </a:ext>
-            </a:extLst>
-          </p:cNvPr>
-          <p:cNvSpPr txBox="1"/>
-          <p:nvPr/>
-        </p:nvSpPr>
-        <p:spPr>
-          <a:xfrm>
-            <a:off x="0" y="971581"/>
-            <a:ext cx="4355976" cy="446276"/>
-          </a:xfrm>
-          <a:prstGeom prst="rect">
-            <a:avLst/>
-          </a:prstGeom>
-          <a:noFill/>
-        </p:spPr>
-        <p:txBody>
-          <a:bodyPr wrap="square" rtlCol="0">
-            <a:spAutoFit/>
-          </a:bodyPr>
-          <a:lstStyle/>
-          <a:p>
-            <a:r>
-              <a:rPr lang="ko-KR" altLang="en-US" sz="2300" dirty="0">
-                <a:latin typeface="Rix비타민 M" panose="02020603020101020101" pitchFamily="18" charset="-127"/>
-                <a:ea typeface="Rix비타민 M" panose="02020603020101020101" pitchFamily="18" charset="-127"/>
-              </a:rPr>
-              <a:t>같은 브랜드의 차량간 판별 어려움</a:t>
-            </a:r>
-          </a:p>
-        </p:txBody>
-      </p:sp>
-      <p:grpSp>
-        <p:nvGrpSpPr>
-          <p:cNvPr id="47" name="그룹 46">
-            <a:extLst>
-              <a:ext uri="{FF2B5EF4-FFF2-40B4-BE49-F238E27FC236}">
-                <a16:creationId xmlns:a16="http://schemas.microsoft.com/office/drawing/2014/main" id="{33D879E9-E8D1-4F43-9DB3-4F44FD00AE5D}"/>
-              </a:ext>
-            </a:extLst>
-          </p:cNvPr>
-          <p:cNvGrpSpPr/>
-          <p:nvPr/>
-        </p:nvGrpSpPr>
-        <p:grpSpPr>
-          <a:xfrm>
-            <a:off x="1043607" y="1988840"/>
-            <a:ext cx="1620000" cy="4417886"/>
-            <a:chOff x="467544" y="1537660"/>
-            <a:chExt cx="1620000" cy="4860000"/>
-          </a:xfrm>
-        </p:grpSpPr>
-        <p:pic>
-          <p:nvPicPr>
-            <p:cNvPr id="11" name="그림 10" descr="자동차, 실외, 운송, 하늘이(가) 표시된 사진&#10;&#10;자동 생성된 설명">
-              <a:extLst>
-                <a:ext uri="{FF2B5EF4-FFF2-40B4-BE49-F238E27FC236}">
-                  <a16:creationId xmlns:a16="http://schemas.microsoft.com/office/drawing/2014/main" id="{E2B4E59D-9BAE-4BEB-9F87-AE88C595A41E}"/>
-                </a:ext>
-              </a:extLst>
-            </p:cNvPr>
-            <p:cNvPicPr>
-              <a:picLocks noChangeAspect="1"/>
-            </p:cNvPicPr>
-            <p:nvPr/>
-          </p:nvPicPr>
-          <p:blipFill>
-            <a:blip r:embed="rId3">
-              <a:extLst>
-                <a:ext uri="{28A0092B-C50C-407E-A947-70E740481C1C}">
-                  <a14:useLocalDpi xmlns:a14="http://schemas.microsoft.com/office/drawing/2010/main" val="0"/>
-                </a:ext>
-              </a:extLst>
-            </a:blip>
-            <a:stretch>
-              <a:fillRect/>
-            </a:stretch>
-          </p:blipFill>
-          <p:spPr>
-            <a:xfrm>
-              <a:off x="467544" y="4777660"/>
-              <a:ext cx="1620000" cy="1620000"/>
-            </a:xfrm>
-            <a:prstGeom prst="rect">
-              <a:avLst/>
-            </a:prstGeom>
-          </p:spPr>
-        </p:pic>
-        <p:pic>
-          <p:nvPicPr>
-            <p:cNvPr id="14" name="그림 13" descr="자동차, 잔디, 실외, 빨간색이(가) 표시된 사진&#10;&#10;자동 생성된 설명">
-              <a:extLst>
-                <a:ext uri="{FF2B5EF4-FFF2-40B4-BE49-F238E27FC236}">
-                  <a16:creationId xmlns:a16="http://schemas.microsoft.com/office/drawing/2014/main" id="{2C92474F-F800-4D09-8EBA-27F704D0E50E}"/>
-                </a:ext>
-              </a:extLst>
-            </p:cNvPr>
-            <p:cNvPicPr>
-              <a:picLocks noChangeAspect="1"/>
-            </p:cNvPicPr>
-            <p:nvPr/>
-          </p:nvPicPr>
-          <p:blipFill>
-            <a:blip r:embed="rId4">
-              <a:extLst>
-                <a:ext uri="{28A0092B-C50C-407E-A947-70E740481C1C}">
-                  <a14:useLocalDpi xmlns:a14="http://schemas.microsoft.com/office/drawing/2010/main" val="0"/>
-                </a:ext>
-              </a:extLst>
-            </a:blip>
-            <a:stretch>
-              <a:fillRect/>
-            </a:stretch>
-          </p:blipFill>
-          <p:spPr>
-            <a:xfrm>
-              <a:off x="467544" y="3157660"/>
-              <a:ext cx="1620000" cy="1620000"/>
-            </a:xfrm>
-            <a:prstGeom prst="rect">
-              <a:avLst/>
-            </a:prstGeom>
-          </p:spPr>
-        </p:pic>
-        <p:pic>
-          <p:nvPicPr>
-            <p:cNvPr id="16" name="그림 15" descr="자동차, 하늘, 앉아있는, 하얀색이(가) 표시된 사진&#10;&#10;자동 생성된 설명">
-              <a:extLst>
-                <a:ext uri="{FF2B5EF4-FFF2-40B4-BE49-F238E27FC236}">
-                  <a16:creationId xmlns:a16="http://schemas.microsoft.com/office/drawing/2014/main" id="{87059914-5901-4E78-8563-1D3EF61421AC}"/>
-                </a:ext>
-              </a:extLst>
-            </p:cNvPr>
-            <p:cNvPicPr>
-              <a:picLocks noChangeAspect="1"/>
-            </p:cNvPicPr>
-            <p:nvPr/>
-          </p:nvPicPr>
-          <p:blipFill>
-            <a:blip r:embed="rId5">
-              <a:extLst>
-                <a:ext uri="{28A0092B-C50C-407E-A947-70E740481C1C}">
-                  <a14:useLocalDpi xmlns:a14="http://schemas.microsoft.com/office/drawing/2010/main" val="0"/>
-                </a:ext>
-              </a:extLst>
-            </a:blip>
-            <a:stretch>
-              <a:fillRect/>
-            </a:stretch>
-          </p:blipFill>
-          <p:spPr>
-            <a:xfrm>
-              <a:off x="467544" y="1537660"/>
-              <a:ext cx="1620000" cy="1620000"/>
-            </a:xfrm>
-            <a:prstGeom prst="rect">
-              <a:avLst/>
-            </a:prstGeom>
-          </p:spPr>
-        </p:pic>
-      </p:grpSp>
-      <p:grpSp>
-        <p:nvGrpSpPr>
-          <p:cNvPr id="46" name="그룹 45">
-            <a:extLst>
-              <a:ext uri="{FF2B5EF4-FFF2-40B4-BE49-F238E27FC236}">
-                <a16:creationId xmlns:a16="http://schemas.microsoft.com/office/drawing/2014/main" id="{E4F92710-0EC2-407B-8B2B-513B498F560D}"/>
-              </a:ext>
-            </a:extLst>
-          </p:cNvPr>
-          <p:cNvGrpSpPr/>
-          <p:nvPr/>
-        </p:nvGrpSpPr>
-        <p:grpSpPr>
-          <a:xfrm>
-            <a:off x="6292969" y="1988840"/>
-            <a:ext cx="1620000" cy="4417886"/>
-            <a:chOff x="6300192" y="1664984"/>
-            <a:chExt cx="1620000" cy="4860000"/>
-          </a:xfrm>
-        </p:grpSpPr>
-        <p:pic>
-          <p:nvPicPr>
-            <p:cNvPr id="29" name="그림 28" descr="자동차, 앉아있는, 실내이(가) 표시된 사진&#10;&#10;자동 생성된 설명">
-              <a:extLst>
-                <a:ext uri="{FF2B5EF4-FFF2-40B4-BE49-F238E27FC236}">
-                  <a16:creationId xmlns:a16="http://schemas.microsoft.com/office/drawing/2014/main" id="{2D1D15A2-1CCB-4363-AA97-B7354C0970BD}"/>
-                </a:ext>
-              </a:extLst>
-            </p:cNvPr>
-            <p:cNvPicPr>
-              <a:picLocks noChangeAspect="1"/>
-            </p:cNvPicPr>
-            <p:nvPr/>
-          </p:nvPicPr>
-          <p:blipFill>
-            <a:blip r:embed="rId6">
-              <a:extLst>
-                <a:ext uri="{28A0092B-C50C-407E-A947-70E740481C1C}">
-                  <a14:useLocalDpi xmlns:a14="http://schemas.microsoft.com/office/drawing/2010/main" val="0"/>
-                </a:ext>
-              </a:extLst>
-            </a:blip>
-            <a:stretch>
-              <a:fillRect/>
-            </a:stretch>
-          </p:blipFill>
-          <p:spPr>
-            <a:xfrm>
-              <a:off x="6300192" y="1664984"/>
-              <a:ext cx="1620000" cy="1620000"/>
-            </a:xfrm>
-            <a:prstGeom prst="rect">
-              <a:avLst/>
-            </a:prstGeom>
-          </p:spPr>
-        </p:pic>
-        <p:pic>
-          <p:nvPicPr>
-            <p:cNvPr id="43" name="그림 42" descr="자동차, 도로, 실외, 건물이(가) 표시된 사진&#10;&#10;자동 생성된 설명">
-              <a:extLst>
-                <a:ext uri="{FF2B5EF4-FFF2-40B4-BE49-F238E27FC236}">
-                  <a16:creationId xmlns:a16="http://schemas.microsoft.com/office/drawing/2014/main" id="{32FD5E3D-3CCD-442B-9607-3B68F11773DD}"/>
-                </a:ext>
-              </a:extLst>
-            </p:cNvPr>
-            <p:cNvPicPr>
-              <a:picLocks noChangeAspect="1"/>
-            </p:cNvPicPr>
-            <p:nvPr/>
-          </p:nvPicPr>
-          <p:blipFill>
-            <a:blip r:embed="rId7">
-              <a:extLst>
-                <a:ext uri="{28A0092B-C50C-407E-A947-70E740481C1C}">
-                  <a14:useLocalDpi xmlns:a14="http://schemas.microsoft.com/office/drawing/2010/main" val="0"/>
-                </a:ext>
-              </a:extLst>
-            </a:blip>
-            <a:stretch>
-              <a:fillRect/>
-            </a:stretch>
-          </p:blipFill>
-          <p:spPr>
-            <a:xfrm>
-              <a:off x="6300192" y="4904984"/>
-              <a:ext cx="1620000" cy="1620000"/>
-            </a:xfrm>
-            <a:prstGeom prst="rect">
-              <a:avLst/>
-            </a:prstGeom>
-          </p:spPr>
-        </p:pic>
-        <p:pic>
-          <p:nvPicPr>
-            <p:cNvPr id="45" name="그림 44" descr="자동차, 도로, 녹색, 실외이(가) 표시된 사진&#10;&#10;자동 생성된 설명">
-              <a:extLst>
-                <a:ext uri="{FF2B5EF4-FFF2-40B4-BE49-F238E27FC236}">
-                  <a16:creationId xmlns:a16="http://schemas.microsoft.com/office/drawing/2014/main" id="{4863255E-F407-4618-9582-D1532FE04765}"/>
-                </a:ext>
-              </a:extLst>
-            </p:cNvPr>
-            <p:cNvPicPr>
-              <a:picLocks noChangeAspect="1"/>
-            </p:cNvPicPr>
-            <p:nvPr/>
-          </p:nvPicPr>
-          <p:blipFill>
-            <a:blip r:embed="rId8">
-              <a:extLst>
-                <a:ext uri="{28A0092B-C50C-407E-A947-70E740481C1C}">
-                  <a14:useLocalDpi xmlns:a14="http://schemas.microsoft.com/office/drawing/2010/main" val="0"/>
-                </a:ext>
-              </a:extLst>
-            </a:blip>
-            <a:stretch>
-              <a:fillRect/>
-            </a:stretch>
-          </p:blipFill>
-          <p:spPr>
-            <a:xfrm>
-              <a:off x="6300192" y="3284984"/>
-              <a:ext cx="1620000" cy="1620000"/>
-            </a:xfrm>
-            <a:prstGeom prst="rect">
-              <a:avLst/>
-            </a:prstGeom>
-          </p:spPr>
-        </p:pic>
-      </p:grpSp>
-      <p:sp>
-        <p:nvSpPr>
-          <p:cNvPr id="17" name="직사각형 16">
-            <a:extLst>
-              <a:ext uri="{FF2B5EF4-FFF2-40B4-BE49-F238E27FC236}">
-                <a16:creationId xmlns:a16="http://schemas.microsoft.com/office/drawing/2014/main" id="{CA3E684A-A11A-4EE2-8476-292E25E4596F}"/>
-              </a:ext>
-            </a:extLst>
-          </p:cNvPr>
-          <p:cNvSpPr/>
-          <p:nvPr/>
-        </p:nvSpPr>
-        <p:spPr>
-          <a:xfrm>
-            <a:off x="-46639" y="258428"/>
-            <a:ext cx="1463862" cy="523220"/>
-          </a:xfrm>
-          <a:prstGeom prst="rect">
-            <a:avLst/>
-          </a:prstGeom>
-        </p:spPr>
-        <p:txBody>
-          <a:bodyPr wrap="none">
-            <a:spAutoFit/>
-          </a:bodyPr>
-          <a:lstStyle/>
-          <a:p>
-            <a:pPr marL="0" marR="0" lvl="0" indent="0" algn="ctr" defTabSz="914400" rtl="0" eaLnBrk="1" fontAlgn="auto" latinLnBrk="1" hangingPunct="1">
-              <a:lnSpc>
-                <a:spcPct val="100000"/>
-              </a:lnSpc>
-              <a:spcBef>
-                <a:spcPts val="0"/>
-              </a:spcBef>
-              <a:spcAft>
-                <a:spcPts val="0"/>
-              </a:spcAft>
-              <a:buClrTx/>
-              <a:buSzTx/>
-              <a:buFontTx/>
-              <a:buNone/>
-              <a:tabLst/>
-              <a:defRPr/>
-            </a:pPr>
-            <a:r>
-              <a:rPr kumimoji="0" lang="ko-KR" altLang="en-US" sz="2800" b="1" i="0" u="none" strike="noStrike" kern="1200" cap="none" spc="-150" normalizeH="0" baseline="0" noProof="0" dirty="0">
-                <a:ln>
-                  <a:noFill/>
-                </a:ln>
-                <a:solidFill>
-                  <a:prstClr val="white"/>
-                </a:solidFill>
-                <a:effectLst/>
-                <a:uLnTx/>
-                <a:uFillTx/>
-                <a:latin typeface="Rix비타민 M" panose="02020603020101020101" pitchFamily="18" charset="-127"/>
-                <a:ea typeface="Rix비타민 M" panose="02020603020101020101" pitchFamily="18" charset="-127"/>
-              </a:rPr>
-              <a:t>연구 결과</a:t>
-            </a:r>
-          </a:p>
-        </p:txBody>
-      </p:sp>
-      <p:sp>
-        <p:nvSpPr>
-          <p:cNvPr id="18" name="TextBox 17">
-            <a:extLst>
-              <a:ext uri="{FF2B5EF4-FFF2-40B4-BE49-F238E27FC236}">
-                <a16:creationId xmlns:a16="http://schemas.microsoft.com/office/drawing/2014/main" id="{74A6661E-D88C-48AD-AD51-F4BF698223AD}"/>
-              </a:ext>
-            </a:extLst>
-          </p:cNvPr>
-          <p:cNvSpPr txBox="1"/>
-          <p:nvPr/>
-        </p:nvSpPr>
-        <p:spPr>
-          <a:xfrm>
-            <a:off x="24790" y="1465731"/>
-            <a:ext cx="4355976" cy="446276"/>
-          </a:xfrm>
-          <a:prstGeom prst="rect">
-            <a:avLst/>
-          </a:prstGeom>
-          <a:noFill/>
-        </p:spPr>
-        <p:txBody>
-          <a:bodyPr wrap="square" rtlCol="0">
-            <a:spAutoFit/>
-          </a:bodyPr>
-          <a:lstStyle/>
-          <a:p>
-            <a:r>
-              <a:rPr lang="ko-KR" altLang="en-US" sz="2300" dirty="0">
-                <a:latin typeface="Rix비타민 M" panose="02020603020101020101" pitchFamily="18" charset="-127"/>
-                <a:ea typeface="Rix비타민 M" panose="02020603020101020101" pitchFamily="18" charset="-127"/>
-              </a:rPr>
-              <a:t>연관 없는 </a:t>
-            </a:r>
-            <a:r>
-              <a:rPr lang="ko-KR" altLang="en-US" sz="2300">
-                <a:latin typeface="Rix비타민 M" panose="02020603020101020101" pitchFamily="18" charset="-127"/>
-                <a:ea typeface="Rix비타민 M" panose="02020603020101020101" pitchFamily="18" charset="-127"/>
-              </a:rPr>
-              <a:t>차종간 판별 오류</a:t>
-            </a:r>
-            <a:endParaRPr lang="ko-KR" altLang="en-US" sz="2300" dirty="0">
-              <a:latin typeface="Rix비타민 M" panose="02020603020101020101" pitchFamily="18" charset="-127"/>
-              <a:ea typeface="Rix비타민 M" panose="02020603020101020101" pitchFamily="18" charset="-127"/>
-            </a:endParaRPr>
-          </a:p>
-        </p:txBody>
-      </p:sp>
-      <p:grpSp>
-        <p:nvGrpSpPr>
-          <p:cNvPr id="19" name="그룹 18">
-            <a:extLst>
-              <a:ext uri="{FF2B5EF4-FFF2-40B4-BE49-F238E27FC236}">
-                <a16:creationId xmlns:a16="http://schemas.microsoft.com/office/drawing/2014/main" id="{E2FD43CF-98C9-4B14-892D-7C97C5454A09}"/>
-              </a:ext>
-            </a:extLst>
-          </p:cNvPr>
-          <p:cNvGrpSpPr/>
-          <p:nvPr/>
-        </p:nvGrpSpPr>
-        <p:grpSpPr>
-          <a:xfrm>
-            <a:off x="3711146" y="3486156"/>
-            <a:ext cx="1656963" cy="707368"/>
-            <a:chOff x="3757842" y="3579113"/>
-            <a:chExt cx="1656963" cy="707368"/>
-          </a:xfrm>
-        </p:grpSpPr>
-        <p:sp>
-          <p:nvSpPr>
-            <p:cNvPr id="20" name="왼쪽 화살표 61">
-              <a:extLst>
-                <a:ext uri="{FF2B5EF4-FFF2-40B4-BE49-F238E27FC236}">
-                  <a16:creationId xmlns:a16="http://schemas.microsoft.com/office/drawing/2014/main" id="{EA429A72-BEC9-4223-ACCE-6CA412BA6B4F}"/>
-                </a:ext>
-              </a:extLst>
-            </p:cNvPr>
-            <p:cNvSpPr/>
-            <p:nvPr/>
-          </p:nvSpPr>
-          <p:spPr>
-            <a:xfrm rot="10800000">
-              <a:off x="4239499" y="3919871"/>
-              <a:ext cx="836556" cy="366610"/>
-            </a:xfrm>
-            <a:prstGeom prst="leftArrow">
-              <a:avLst/>
-            </a:prstGeom>
-            <a:solidFill>
-              <a:schemeClr val="bg1"/>
-            </a:solidFill>
-            <a:ln w="28575">
-              <a:solidFill>
-                <a:schemeClr val="accent4">
-                  <a:lumMod val="60000"/>
-                  <a:lumOff val="40000"/>
-                </a:schemeClr>
-              </a:solidFill>
-            </a:ln>
-          </p:spPr>
-          <p:style>
-            <a:lnRef idx="1">
-              <a:schemeClr val="accent5"/>
-            </a:lnRef>
-            <a:fillRef idx="2">
-              <a:schemeClr val="accent5"/>
-            </a:fillRef>
-            <a:effectRef idx="1">
-              <a:schemeClr val="accent5"/>
-            </a:effectRef>
-            <a:fontRef idx="minor">
-              <a:schemeClr val="dk1"/>
-            </a:fontRef>
-          </p:style>
-          <p:txBody>
-            <a:bodyPr rtlCol="0" anchor="ctr"/>
-            <a:lstStyle/>
-            <a:p>
-              <a:pPr marL="0" marR="0" lvl="0" indent="0" algn="ctr" defTabSz="914400" rtl="0" eaLnBrk="1" fontAlgn="auto" latinLnBrk="1" hangingPunct="1">
-                <a:lnSpc>
-                  <a:spcPct val="100000"/>
-                </a:lnSpc>
-                <a:spcBef>
-                  <a:spcPts val="0"/>
-                </a:spcBef>
-                <a:spcAft>
-                  <a:spcPts val="0"/>
-                </a:spcAft>
-                <a:buClrTx/>
-                <a:buSzTx/>
-                <a:buFontTx/>
-                <a:buNone/>
-                <a:tabLst/>
-                <a:defRPr/>
-              </a:pPr>
-              <a:endParaRPr kumimoji="0" lang="ko-KR" altLang="en-US" sz="1800" b="0" i="0" u="none" strike="noStrike" kern="1200" cap="none" spc="0" normalizeH="0" baseline="0" noProof="0">
-                <a:ln>
-                  <a:noFill/>
-                </a:ln>
-                <a:solidFill>
-                  <a:prstClr val="black"/>
-                </a:solidFill>
-                <a:effectLst/>
-                <a:uLnTx/>
-                <a:uFillTx/>
-                <a:latin typeface="맑은 고딕"/>
-                <a:ea typeface="맑은 고딕" panose="020B0503020000020004" pitchFamily="50" charset="-127"/>
-                <a:cs typeface="+mn-cs"/>
-              </a:endParaRPr>
-            </a:p>
-          </p:txBody>
-        </p:sp>
-        <p:sp>
-          <p:nvSpPr>
-            <p:cNvPr id="21" name="TextBox 20">
-              <a:extLst>
-                <a:ext uri="{FF2B5EF4-FFF2-40B4-BE49-F238E27FC236}">
-                  <a16:creationId xmlns:a16="http://schemas.microsoft.com/office/drawing/2014/main" id="{7F9E3CA8-5319-4DDF-85AF-E89724E86510}"/>
-                </a:ext>
-              </a:extLst>
-            </p:cNvPr>
-            <p:cNvSpPr txBox="1"/>
-            <p:nvPr/>
-          </p:nvSpPr>
-          <p:spPr>
-            <a:xfrm>
-              <a:off x="3757842" y="3579113"/>
-              <a:ext cx="1656963" cy="353943"/>
-            </a:xfrm>
-            <a:prstGeom prst="rect">
-              <a:avLst/>
-            </a:prstGeom>
-            <a:noFill/>
-          </p:spPr>
-          <p:txBody>
-            <a:bodyPr wrap="square" rtlCol="0">
-              <a:spAutoFit/>
-            </a:bodyPr>
-            <a:lstStyle/>
-            <a:p>
-              <a:pPr marL="0" marR="0" lvl="0" indent="0" algn="ctr" defTabSz="914400" rtl="0" eaLnBrk="1" fontAlgn="auto" latinLnBrk="1" hangingPunct="1">
-                <a:lnSpc>
-                  <a:spcPct val="100000"/>
-                </a:lnSpc>
-                <a:spcBef>
-                  <a:spcPts val="0"/>
-                </a:spcBef>
-                <a:spcAft>
-                  <a:spcPts val="0"/>
-                </a:spcAft>
-                <a:buClrTx/>
-                <a:buSzTx/>
-                <a:buFontTx/>
-                <a:buNone/>
-                <a:tabLst/>
-                <a:defRPr/>
-              </a:pPr>
-              <a:r>
-                <a:rPr kumimoji="0" lang="ko-KR" altLang="en-US" sz="1700" b="1" i="0" u="none" strike="noStrike" kern="1200" cap="none" spc="0" normalizeH="0" baseline="0" noProof="0" dirty="0">
-                  <a:ln>
-                    <a:noFill/>
-                  </a:ln>
-                  <a:solidFill>
-                    <a:prstClr val="black"/>
-                  </a:solidFill>
-                  <a:effectLst/>
-                  <a:uLnTx/>
-                  <a:uFillTx/>
-                  <a:latin typeface="맑은 고딕"/>
-                  <a:ea typeface="맑은 고딕" panose="020B0503020000020004" pitchFamily="50" charset="-127"/>
-                  <a:cs typeface="+mn-cs"/>
-                </a:rPr>
-                <a:t>판별</a:t>
-              </a:r>
-              <a:endParaRPr kumimoji="0" lang="en-US" altLang="ko-KR" sz="1700" b="1" i="0" u="none" strike="noStrike" kern="1200" cap="none" spc="0" normalizeH="0" baseline="0" noProof="0" dirty="0">
-                <a:ln>
-                  <a:noFill/>
-                </a:ln>
-                <a:solidFill>
-                  <a:prstClr val="black"/>
-                </a:solidFill>
-                <a:effectLst/>
-                <a:uLnTx/>
-                <a:uFillTx/>
-                <a:latin typeface="맑은 고딕"/>
-                <a:ea typeface="맑은 고딕" panose="020B0503020000020004" pitchFamily="50" charset="-127"/>
-                <a:cs typeface="+mn-cs"/>
-              </a:endParaRPr>
-            </a:p>
-          </p:txBody>
-        </p:sp>
-      </p:grpSp>
-    </p:spTree>
-    <p:extLst>
-      <p:ext uri="{BB962C8B-B14F-4D97-AF65-F5344CB8AC3E}">
-        <p14:creationId xmlns:p14="http://schemas.microsoft.com/office/powerpoint/2010/main" val="4068701096"/>
-      </p:ext>
-    </p:extLst>
-  </p:cSld>
-  <p:clrMapOvr>
-    <a:masterClrMapping/>
-  </p:clrMapOvr>
-  <p:timing>
-    <p:tnLst>
-      <p:par>
-        <p:cTn id="1" dur="indefinite" restart="never" nodeType="tmRoot">
-          <p:childTnLst>
-            <p:seq concurrent="1" nextAc="seek">
-              <p:cTn id="2" dur="indefinite" nodeType="mainSeq">
-                <p:childTnLst>
-                  <p:par>
-                    <p:cTn id="3" fill="hold">
-                      <p:stCondLst>
-                        <p:cond delay="indefinite"/>
-                      </p:stCondLst>
-                      <p:childTnLst>
-                        <p:par>
-                          <p:cTn id="4" fill="hold">
-                            <p:stCondLst>
-                              <p:cond delay="0"/>
-                            </p:stCondLst>
-                            <p:childTnLst>
-                              <p:par>
-                                <p:cTn id="5" presetID="1" presetClass="entr" presetSubtype="0" fill="hold" nodeType="clickEffect">
-                                  <p:stCondLst>
-                                    <p:cond delay="0"/>
-                                  </p:stCondLst>
-                                  <p:childTnLst>
-                                    <p:set>
-                                      <p:cBhvr>
-                                        <p:cTn id="6" dur="1" fill="hold">
-                                          <p:stCondLst>
-                                            <p:cond delay="0"/>
-                                          </p:stCondLst>
-                                        </p:cTn>
-                                        <p:tgtEl>
-                                          <p:spTgt spid="46"/>
-                                        </p:tgtEl>
-                                        <p:attrNameLst>
-                                          <p:attrName>style.visibility</p:attrName>
-                                        </p:attrNameLst>
-                                      </p:cBhvr>
-                                      <p:to>
-                                        <p:strVal val="visible"/>
-                                      </p:to>
-                                    </p:set>
-                                  </p:childTnLst>
-                                </p:cTn>
-                              </p:par>
-                            </p:childTnLst>
-                          </p:cTn>
-                        </p:par>
-                      </p:childTnLst>
-                    </p:cTn>
-                  </p:par>
-                </p:childTnLst>
-              </p:cTn>
-              <p:prevCondLst>
-                <p:cond evt="onPrev" delay="0">
-                  <p:tgtEl>
-                    <p:sldTgt/>
-                  </p:tgtEl>
-                </p:cond>
-              </p:prevCondLst>
-              <p:nextCondLst>
-                <p:cond evt="onNext" delay="0">
-                  <p:tgtEl>
-                    <p:sldTgt/>
-                  </p:tgtEl>
-                </p:cond>
-              </p:nextCondLst>
-            </p:seq>
-          </p:childTnLst>
-        </p:cTn>
-      </p:par>
-    </p:tnLst>
-  </p:timing>
-</p:sld>
-</file>
-
-<file path=ppt/slides/slide18.xml><?xml version="1.0" encoding="utf-8"?>
 <p:sld xmlns:a="http://schemas.openxmlformats.org/drawingml/2006/main" xmlns:r="http://schemas.openxmlformats.org/officeDocument/2006/relationships" xmlns:p="http://schemas.openxmlformats.org/presentationml/2006/main">
   <p:cSld>
     <p:bg>
@@ -21233,7 +20319,7 @@
 </p:sld>
 </file>
 
-<file path=ppt/slides/slide19.xml><?xml version="1.0" encoding="utf-8"?>
+<file path=ppt/slides/slide18.xml><?xml version="1.0" encoding="utf-8"?>
 <p:sld xmlns:a="http://schemas.openxmlformats.org/drawingml/2006/main" xmlns:r="http://schemas.openxmlformats.org/officeDocument/2006/relationships" xmlns:p="http://schemas.openxmlformats.org/presentationml/2006/main">
   <p:cSld>
     <p:bg>
@@ -22003,6 +21089,808 @@
 </p:sld>
 </file>
 
+<file path=ppt/slides/slide19.xml><?xml version="1.0" encoding="utf-8"?>
+<p:sld xmlns:a="http://schemas.openxmlformats.org/drawingml/2006/main" xmlns:r="http://schemas.openxmlformats.org/officeDocument/2006/relationships" xmlns:p="http://schemas.openxmlformats.org/presentationml/2006/main">
+  <p:cSld>
+    <p:bg>
+      <p:bgPr>
+        <a:solidFill>
+          <a:schemeClr val="tx2">
+            <a:lumMod val="75000"/>
+          </a:schemeClr>
+        </a:solidFill>
+        <a:effectLst/>
+      </p:bgPr>
+    </p:bg>
+    <p:spTree>
+      <p:nvGrpSpPr>
+        <p:cNvPr id="1" name=""/>
+        <p:cNvGrpSpPr/>
+        <p:nvPr/>
+      </p:nvGrpSpPr>
+      <p:grpSpPr>
+        <a:xfrm>
+          <a:off x="0" y="0"/>
+          <a:ext cx="0" cy="0"/>
+          <a:chOff x="0" y="0"/>
+          <a:chExt cx="0" cy="0"/>
+        </a:xfrm>
+      </p:grpSpPr>
+      <p:sp>
+        <p:nvSpPr>
+          <p:cNvPr id="2" name="직사각형 1"/>
+          <p:cNvSpPr/>
+          <p:nvPr/>
+        </p:nvSpPr>
+        <p:spPr>
+          <a:xfrm>
+            <a:off x="-3932" y="774486"/>
+            <a:ext cx="9180512" cy="5793548"/>
+          </a:xfrm>
+          <a:prstGeom prst="rect">
+            <a:avLst/>
+          </a:prstGeom>
+          <a:solidFill>
+            <a:schemeClr val="bg1"/>
+          </a:solidFill>
+          <a:ln>
+            <a:noFill/>
+          </a:ln>
+        </p:spPr>
+        <p:style>
+          <a:lnRef idx="2">
+            <a:schemeClr val="accent1">
+              <a:shade val="50000"/>
+            </a:schemeClr>
+          </a:lnRef>
+          <a:fillRef idx="1">
+            <a:schemeClr val="accent1"/>
+          </a:fillRef>
+          <a:effectRef idx="0">
+            <a:schemeClr val="accent1"/>
+          </a:effectRef>
+          <a:fontRef idx="minor">
+            <a:schemeClr val="lt1"/>
+          </a:fontRef>
+        </p:style>
+        <p:txBody>
+          <a:bodyPr rtlCol="0" anchor="ctr"/>
+          <a:lstStyle/>
+          <a:p>
+            <a:pPr marL="0" marR="0" lvl="0" indent="0" algn="ctr" defTabSz="914400" rtl="0" eaLnBrk="1" fontAlgn="auto" latinLnBrk="1" hangingPunct="1">
+              <a:lnSpc>
+                <a:spcPct val="100000"/>
+              </a:lnSpc>
+              <a:spcBef>
+                <a:spcPts val="0"/>
+              </a:spcBef>
+              <a:spcAft>
+                <a:spcPts val="0"/>
+              </a:spcAft>
+              <a:buClrTx/>
+              <a:buSzTx/>
+              <a:buFontTx/>
+              <a:buNone/>
+              <a:tabLst/>
+              <a:defRPr/>
+            </a:pPr>
+            <a:endParaRPr kumimoji="0" lang="ko-KR" altLang="en-US" sz="1800" b="0" i="0" u="none" strike="noStrike" kern="1200" cap="none" spc="0" normalizeH="0" baseline="0" noProof="0" dirty="0">
+              <a:ln>
+                <a:noFill/>
+              </a:ln>
+              <a:solidFill>
+                <a:prstClr val="white"/>
+              </a:solidFill>
+              <a:effectLst/>
+              <a:uLnTx/>
+              <a:uFillTx/>
+              <a:latin typeface="맑은 고딕"/>
+              <a:ea typeface="맑은 고딕" panose="020B0503020000020004" pitchFamily="50" charset="-127"/>
+              <a:cs typeface="+mn-cs"/>
+            </a:endParaRPr>
+          </a:p>
+        </p:txBody>
+      </p:sp>
+      <p:sp>
+        <p:nvSpPr>
+          <p:cNvPr id="3" name="타원 2"/>
+          <p:cNvSpPr/>
+          <p:nvPr/>
+        </p:nvSpPr>
+        <p:spPr>
+          <a:xfrm>
+            <a:off x="4067944" y="146108"/>
+            <a:ext cx="936104" cy="1050644"/>
+          </a:xfrm>
+          <a:prstGeom prst="ellipse">
+            <a:avLst/>
+          </a:prstGeom>
+          <a:solidFill>
+            <a:schemeClr val="tx2">
+              <a:lumMod val="75000"/>
+            </a:schemeClr>
+          </a:solidFill>
+          <a:ln>
+            <a:noFill/>
+          </a:ln>
+        </p:spPr>
+        <p:style>
+          <a:lnRef idx="2">
+            <a:schemeClr val="accent1">
+              <a:shade val="50000"/>
+            </a:schemeClr>
+          </a:lnRef>
+          <a:fillRef idx="1">
+            <a:schemeClr val="accent1"/>
+          </a:fillRef>
+          <a:effectRef idx="0">
+            <a:schemeClr val="accent1"/>
+          </a:effectRef>
+          <a:fontRef idx="minor">
+            <a:schemeClr val="lt1"/>
+          </a:fontRef>
+        </p:style>
+        <p:txBody>
+          <a:bodyPr rtlCol="0" anchor="ctr"/>
+          <a:lstStyle/>
+          <a:p>
+            <a:pPr marL="0" marR="0" lvl="0" indent="0" algn="ctr" defTabSz="914400" rtl="0" eaLnBrk="1" fontAlgn="auto" latinLnBrk="1" hangingPunct="1">
+              <a:lnSpc>
+                <a:spcPct val="100000"/>
+              </a:lnSpc>
+              <a:spcBef>
+                <a:spcPts val="0"/>
+              </a:spcBef>
+              <a:spcAft>
+                <a:spcPts val="0"/>
+              </a:spcAft>
+              <a:buClrTx/>
+              <a:buSzTx/>
+              <a:buFontTx/>
+              <a:buNone/>
+              <a:tabLst/>
+              <a:defRPr/>
+            </a:pPr>
+            <a:endParaRPr kumimoji="0" lang="ko-KR" altLang="en-US" sz="1800" b="0" i="0" u="none" strike="noStrike" kern="1200" cap="none" spc="0" normalizeH="0" baseline="0" noProof="0">
+              <a:ln>
+                <a:noFill/>
+              </a:ln>
+              <a:solidFill>
+                <a:prstClr val="white"/>
+              </a:solidFill>
+              <a:effectLst/>
+              <a:uLnTx/>
+              <a:uFillTx/>
+              <a:latin typeface="맑은 고딕"/>
+              <a:ea typeface="맑은 고딕" panose="020B0503020000020004" pitchFamily="50" charset="-127"/>
+              <a:cs typeface="+mn-cs"/>
+            </a:endParaRPr>
+          </a:p>
+        </p:txBody>
+      </p:sp>
+      <p:sp>
+        <p:nvSpPr>
+          <p:cNvPr id="9" name="TextBox 8"/>
+          <p:cNvSpPr txBox="1"/>
+          <p:nvPr/>
+        </p:nvSpPr>
+        <p:spPr>
+          <a:xfrm>
+            <a:off x="3995936" y="692696"/>
+            <a:ext cx="1080120" cy="461665"/>
+          </a:xfrm>
+          <a:prstGeom prst="rect">
+            <a:avLst/>
+          </a:prstGeom>
+          <a:noFill/>
+        </p:spPr>
+        <p:txBody>
+          <a:bodyPr wrap="square" rtlCol="0">
+            <a:spAutoFit/>
+          </a:bodyPr>
+          <a:lstStyle/>
+          <a:p>
+            <a:pPr marL="0" marR="0" lvl="0" indent="0" algn="ctr" defTabSz="914400" rtl="0" eaLnBrk="1" fontAlgn="auto" latinLnBrk="1" hangingPunct="1">
+              <a:lnSpc>
+                <a:spcPct val="100000"/>
+              </a:lnSpc>
+              <a:spcBef>
+                <a:spcPts val="0"/>
+              </a:spcBef>
+              <a:spcAft>
+                <a:spcPts val="0"/>
+              </a:spcAft>
+              <a:buClrTx/>
+              <a:buSzTx/>
+              <a:buFontTx/>
+              <a:buNone/>
+              <a:tabLst/>
+              <a:defRPr/>
+            </a:pPr>
+            <a:r>
+              <a:rPr kumimoji="0" lang="en-US" altLang="ko-KR" sz="2400" b="0" i="0" u="none" strike="noStrike" kern="1200" cap="none" spc="0" normalizeH="0" baseline="0" noProof="0" dirty="0">
+                <a:ln>
+                  <a:noFill/>
+                </a:ln>
+                <a:solidFill>
+                  <a:prstClr val="white"/>
+                </a:solidFill>
+                <a:effectLst/>
+                <a:uLnTx/>
+                <a:uFillTx/>
+                <a:latin typeface="HY헤드라인M" pitchFamily="18" charset="-127"/>
+                <a:ea typeface="HY헤드라인M" pitchFamily="18" charset="-127"/>
+                <a:cs typeface="+mn-cs"/>
+              </a:rPr>
+              <a:t>04</a:t>
+            </a:r>
+            <a:endParaRPr kumimoji="0" lang="ko-KR" altLang="en-US" sz="2400" b="0" i="0" u="none" strike="noStrike" kern="1200" cap="none" spc="0" normalizeH="0" baseline="0" noProof="0" dirty="0">
+              <a:ln>
+                <a:noFill/>
+              </a:ln>
+              <a:solidFill>
+                <a:prstClr val="white"/>
+              </a:solidFill>
+              <a:effectLst/>
+              <a:uLnTx/>
+              <a:uFillTx/>
+              <a:latin typeface="HY헤드라인M" pitchFamily="18" charset="-127"/>
+              <a:ea typeface="HY헤드라인M" pitchFamily="18" charset="-127"/>
+              <a:cs typeface="+mn-cs"/>
+            </a:endParaRPr>
+          </a:p>
+        </p:txBody>
+      </p:sp>
+      <p:sp>
+        <p:nvSpPr>
+          <p:cNvPr id="26" name="TextBox 25">
+            <a:extLst>
+              <a:ext uri="{FF2B5EF4-FFF2-40B4-BE49-F238E27FC236}">
+                <a16:creationId xmlns:a16="http://schemas.microsoft.com/office/drawing/2014/main" id="{B87290D9-38FB-41BE-8EED-E3173AC1DE45}"/>
+              </a:ext>
+            </a:extLst>
+          </p:cNvPr>
+          <p:cNvSpPr txBox="1"/>
+          <p:nvPr/>
+        </p:nvSpPr>
+        <p:spPr>
+          <a:xfrm>
+            <a:off x="0" y="971581"/>
+            <a:ext cx="4067943" cy="446276"/>
+          </a:xfrm>
+          <a:prstGeom prst="rect">
+            <a:avLst/>
+          </a:prstGeom>
+          <a:noFill/>
+        </p:spPr>
+        <p:txBody>
+          <a:bodyPr wrap="square" rtlCol="0">
+            <a:spAutoFit/>
+          </a:bodyPr>
+          <a:lstStyle/>
+          <a:p>
+            <a:pPr marL="0" marR="0" lvl="0" indent="0" algn="l" defTabSz="914400" rtl="0" eaLnBrk="1" fontAlgn="auto" latinLnBrk="1" hangingPunct="1">
+              <a:lnSpc>
+                <a:spcPct val="100000"/>
+              </a:lnSpc>
+              <a:spcBef>
+                <a:spcPts val="0"/>
+              </a:spcBef>
+              <a:spcAft>
+                <a:spcPts val="0"/>
+              </a:spcAft>
+              <a:buClrTx/>
+              <a:buSzTx/>
+              <a:buFontTx/>
+              <a:buNone/>
+              <a:tabLst/>
+              <a:defRPr/>
+            </a:pPr>
+            <a:r>
+              <a:rPr kumimoji="0" lang="en-US" altLang="ko-KR" sz="2300" b="0" i="0" u="none" strike="noStrike" kern="1200" cap="none" spc="0" normalizeH="0" baseline="0" noProof="0" dirty="0">
+                <a:ln>
+                  <a:noFill/>
+                </a:ln>
+                <a:solidFill>
+                  <a:prstClr val="black"/>
+                </a:solidFill>
+                <a:effectLst/>
+                <a:uLnTx/>
+                <a:uFillTx/>
+                <a:latin typeface="Rix비타민 M" panose="02020603020101020101" pitchFamily="18" charset="-127"/>
+                <a:ea typeface="Rix비타민 M" panose="02020603020101020101" pitchFamily="18" charset="-127"/>
+                <a:cs typeface="+mn-cs"/>
+              </a:rPr>
+              <a:t>CNN</a:t>
+            </a:r>
+            <a:r>
+              <a:rPr kumimoji="0" lang="ko-KR" altLang="en-US" sz="2300" b="0" i="0" u="none" strike="noStrike" kern="1200" cap="none" spc="0" normalizeH="0" baseline="0" noProof="0" dirty="0">
+                <a:ln>
+                  <a:noFill/>
+                </a:ln>
+                <a:solidFill>
+                  <a:prstClr val="black"/>
+                </a:solidFill>
+                <a:effectLst/>
+                <a:uLnTx/>
+                <a:uFillTx/>
+                <a:latin typeface="Rix비타민 M" panose="02020603020101020101" pitchFamily="18" charset="-127"/>
+                <a:ea typeface="Rix비타민 M" panose="02020603020101020101" pitchFamily="18" charset="-127"/>
+                <a:cs typeface="+mn-cs"/>
+              </a:rPr>
+              <a:t>을 이용한 차종 판별 시스템</a:t>
+            </a:r>
+          </a:p>
+        </p:txBody>
+      </p:sp>
+      <p:sp>
+        <p:nvSpPr>
+          <p:cNvPr id="10" name="직사각형 9">
+            <a:extLst>
+              <a:ext uri="{FF2B5EF4-FFF2-40B4-BE49-F238E27FC236}">
+                <a16:creationId xmlns:a16="http://schemas.microsoft.com/office/drawing/2014/main" id="{4C3974E4-B13C-46A8-97A1-81A536782AF8}"/>
+              </a:ext>
+            </a:extLst>
+          </p:cNvPr>
+          <p:cNvSpPr/>
+          <p:nvPr/>
+        </p:nvSpPr>
+        <p:spPr>
+          <a:xfrm>
+            <a:off x="-15339" y="251266"/>
+            <a:ext cx="936104" cy="523220"/>
+          </a:xfrm>
+          <a:prstGeom prst="rect">
+            <a:avLst/>
+          </a:prstGeom>
+        </p:spPr>
+        <p:txBody>
+          <a:bodyPr wrap="square">
+            <a:spAutoFit/>
+          </a:bodyPr>
+          <a:lstStyle/>
+          <a:p>
+            <a:pPr marL="0" marR="0" lvl="0" indent="0" algn="ctr" defTabSz="914400" rtl="0" eaLnBrk="1" fontAlgn="auto" latinLnBrk="1" hangingPunct="1">
+              <a:lnSpc>
+                <a:spcPct val="100000"/>
+              </a:lnSpc>
+              <a:spcBef>
+                <a:spcPts val="0"/>
+              </a:spcBef>
+              <a:spcAft>
+                <a:spcPts val="0"/>
+              </a:spcAft>
+              <a:buClrTx/>
+              <a:buSzTx/>
+              <a:buFontTx/>
+              <a:buNone/>
+              <a:tabLst/>
+              <a:defRPr/>
+            </a:pPr>
+            <a:r>
+              <a:rPr kumimoji="0" lang="ko-KR" altLang="en-US" sz="2800" b="1" i="0" u="none" strike="noStrike" kern="1200" cap="none" spc="-150" normalizeH="0" baseline="0" noProof="0">
+                <a:ln>
+                  <a:noFill/>
+                </a:ln>
+                <a:solidFill>
+                  <a:prstClr val="white"/>
+                </a:solidFill>
+                <a:effectLst/>
+                <a:uLnTx/>
+                <a:uFillTx/>
+                <a:latin typeface="Rix비타민 M" panose="02020603020101020101" pitchFamily="18" charset="-127"/>
+                <a:ea typeface="Rix비타민 M" panose="02020603020101020101" pitchFamily="18" charset="-127"/>
+                <a:cs typeface="+mn-cs"/>
+              </a:rPr>
+              <a:t>결론</a:t>
+            </a:r>
+            <a:endParaRPr kumimoji="0" lang="ko-KR" altLang="en-US" sz="2800" b="1" i="0" u="none" strike="noStrike" kern="1200" cap="none" spc="-150" normalizeH="0" baseline="0" noProof="0" dirty="0">
+              <a:ln>
+                <a:noFill/>
+              </a:ln>
+              <a:solidFill>
+                <a:prstClr val="white"/>
+              </a:solidFill>
+              <a:effectLst/>
+              <a:uLnTx/>
+              <a:uFillTx/>
+              <a:latin typeface="Rix비타민 M" panose="02020603020101020101" pitchFamily="18" charset="-127"/>
+              <a:ea typeface="Rix비타민 M" panose="02020603020101020101" pitchFamily="18" charset="-127"/>
+              <a:cs typeface="+mn-cs"/>
+            </a:endParaRPr>
+          </a:p>
+        </p:txBody>
+      </p:sp>
+      <p:sp>
+        <p:nvSpPr>
+          <p:cNvPr id="16" name="TextBox 15">
+            <a:extLst>
+              <a:ext uri="{FF2B5EF4-FFF2-40B4-BE49-F238E27FC236}">
+                <a16:creationId xmlns:a16="http://schemas.microsoft.com/office/drawing/2014/main" id="{C793AAD8-5A01-4195-B273-60240DA981A6}"/>
+              </a:ext>
+            </a:extLst>
+          </p:cNvPr>
+          <p:cNvSpPr txBox="1"/>
+          <p:nvPr/>
+        </p:nvSpPr>
+        <p:spPr>
+          <a:xfrm>
+            <a:off x="90741" y="1982142"/>
+            <a:ext cx="8991165" cy="2339102"/>
+          </a:xfrm>
+          <a:prstGeom prst="rect">
+            <a:avLst/>
+          </a:prstGeom>
+          <a:noFill/>
+        </p:spPr>
+        <p:txBody>
+          <a:bodyPr wrap="square" rtlCol="0">
+            <a:spAutoFit/>
+          </a:bodyPr>
+          <a:lstStyle/>
+          <a:p>
+            <a:pPr marL="457200" marR="0" lvl="0" indent="-457200" algn="l" defTabSz="914400" rtl="0" eaLnBrk="1" fontAlgn="auto" latinLnBrk="1" hangingPunct="1">
+              <a:lnSpc>
+                <a:spcPct val="100000"/>
+              </a:lnSpc>
+              <a:spcBef>
+                <a:spcPts val="0"/>
+              </a:spcBef>
+              <a:spcAft>
+                <a:spcPts val="0"/>
+              </a:spcAft>
+              <a:buClrTx/>
+              <a:buSzTx/>
+              <a:buFont typeface="+mj-lt"/>
+              <a:buAutoNum type="arabicPeriod"/>
+              <a:tabLst/>
+              <a:defRPr/>
+            </a:pPr>
+            <a:r>
+              <a:rPr kumimoji="0" lang="en-US" altLang="ko-KR" sz="2500" b="0" i="0" u="none" strike="noStrike" kern="1200" cap="none" spc="0" normalizeH="0" baseline="0" noProof="0" dirty="0">
+                <a:ln>
+                  <a:noFill/>
+                </a:ln>
+                <a:solidFill>
+                  <a:prstClr val="black"/>
+                </a:solidFill>
+                <a:effectLst/>
+                <a:uLnTx/>
+                <a:uFillTx/>
+                <a:latin typeface="맑은 고딕"/>
+                <a:ea typeface="맑은 고딕" panose="020B0503020000020004" pitchFamily="50" charset="-127"/>
+                <a:cs typeface="+mn-cs"/>
+              </a:rPr>
+              <a:t>Dataset</a:t>
+            </a:r>
+            <a:r>
+              <a:rPr kumimoji="0" lang="ko-KR" altLang="en-US" sz="2500" b="0" i="0" u="none" strike="noStrike" kern="1200" cap="none" spc="0" normalizeH="0" baseline="0" noProof="0" dirty="0">
+                <a:ln>
+                  <a:noFill/>
+                </a:ln>
+                <a:solidFill>
+                  <a:prstClr val="black"/>
+                </a:solidFill>
+                <a:effectLst/>
+                <a:uLnTx/>
+                <a:uFillTx/>
+                <a:latin typeface="맑은 고딕"/>
+                <a:ea typeface="맑은 고딕" panose="020B0503020000020004" pitchFamily="50" charset="-127"/>
+                <a:cs typeface="+mn-cs"/>
+              </a:rPr>
+              <a:t>의 차종을 압축하여 학습 진행</a:t>
+            </a:r>
+            <a:endParaRPr kumimoji="0" lang="en-US" altLang="ko-KR" sz="2500" b="0" i="0" u="none" strike="noStrike" kern="1200" cap="none" spc="0" normalizeH="0" baseline="0" noProof="0" dirty="0">
+              <a:ln>
+                <a:noFill/>
+              </a:ln>
+              <a:solidFill>
+                <a:prstClr val="black"/>
+              </a:solidFill>
+              <a:effectLst/>
+              <a:uLnTx/>
+              <a:uFillTx/>
+              <a:latin typeface="맑은 고딕"/>
+              <a:ea typeface="맑은 고딕" panose="020B0503020000020004" pitchFamily="50" charset="-127"/>
+              <a:cs typeface="+mn-cs"/>
+            </a:endParaRPr>
+          </a:p>
+          <a:p>
+            <a:pPr marL="800100" marR="0" lvl="1" indent="-342900" algn="l" defTabSz="914400" rtl="0" eaLnBrk="1" fontAlgn="auto" latinLnBrk="1" hangingPunct="1">
+              <a:lnSpc>
+                <a:spcPct val="100000"/>
+              </a:lnSpc>
+              <a:spcBef>
+                <a:spcPts val="0"/>
+              </a:spcBef>
+              <a:spcAft>
+                <a:spcPts val="0"/>
+              </a:spcAft>
+              <a:buClrTx/>
+              <a:buSzTx/>
+              <a:buFont typeface="Arial" panose="020B0604020202020204" pitchFamily="34" charset="0"/>
+              <a:buChar char="•"/>
+              <a:tabLst/>
+              <a:defRPr/>
+            </a:pPr>
+            <a:r>
+              <a:rPr kumimoji="0" lang="ko-KR" altLang="en-US" sz="2400" b="0" i="0" u="none" strike="noStrike" kern="1200" cap="none" spc="0" normalizeH="0" baseline="0" noProof="0" dirty="0">
+                <a:ln>
+                  <a:noFill/>
+                </a:ln>
+                <a:solidFill>
+                  <a:prstClr val="black"/>
+                </a:solidFill>
+                <a:effectLst/>
+                <a:uLnTx/>
+                <a:uFillTx/>
+                <a:latin typeface="맑은 고딕"/>
+                <a:ea typeface="맑은 고딕" panose="020B0503020000020004" pitchFamily="50" charset="-127"/>
+                <a:cs typeface="+mn-cs"/>
+              </a:rPr>
+              <a:t>평균 출력보다 낮은 출력을 보이는 차종 확인</a:t>
+            </a:r>
+            <a:endParaRPr kumimoji="0" lang="en-US" altLang="ko-KR" sz="2400" b="0" i="0" u="none" strike="noStrike" kern="1200" cap="none" spc="0" normalizeH="0" baseline="0" noProof="0" dirty="0">
+              <a:ln>
+                <a:noFill/>
+              </a:ln>
+              <a:solidFill>
+                <a:prstClr val="black"/>
+              </a:solidFill>
+              <a:effectLst/>
+              <a:uLnTx/>
+              <a:uFillTx/>
+              <a:latin typeface="맑은 고딕"/>
+              <a:ea typeface="맑은 고딕" panose="020B0503020000020004" pitchFamily="50" charset="-127"/>
+              <a:cs typeface="+mn-cs"/>
+            </a:endParaRPr>
+          </a:p>
+          <a:p>
+            <a:pPr marL="800100" marR="0" lvl="1" indent="-342900" algn="l" defTabSz="914400" rtl="0" eaLnBrk="1" fontAlgn="auto" latinLnBrk="1" hangingPunct="1">
+              <a:lnSpc>
+                <a:spcPct val="100000"/>
+              </a:lnSpc>
+              <a:spcBef>
+                <a:spcPts val="0"/>
+              </a:spcBef>
+              <a:spcAft>
+                <a:spcPts val="0"/>
+              </a:spcAft>
+              <a:buClrTx/>
+              <a:buSzTx/>
+              <a:buFont typeface="Arial" panose="020B0604020202020204" pitchFamily="34" charset="0"/>
+              <a:buChar char="•"/>
+              <a:tabLst/>
+              <a:defRPr/>
+            </a:pPr>
+            <a:r>
+              <a:rPr lang="ko-KR" altLang="en-US" sz="2400" dirty="0">
+                <a:solidFill>
+                  <a:prstClr val="black"/>
+                </a:solidFill>
+                <a:latin typeface="맑은 고딕"/>
+                <a:ea typeface="맑은 고딕" panose="020B0503020000020004" pitchFamily="50" charset="-127"/>
+              </a:rPr>
+              <a:t>오답 이미지에서 찌그러진 형태의 이미지 확인</a:t>
+            </a:r>
+            <a:endParaRPr kumimoji="0" lang="en-US" altLang="ko-KR" sz="2500" b="0" i="0" u="none" strike="noStrike" kern="1200" cap="none" spc="0" normalizeH="0" baseline="0" noProof="0" dirty="0">
+              <a:ln>
+                <a:noFill/>
+              </a:ln>
+              <a:solidFill>
+                <a:prstClr val="black"/>
+              </a:solidFill>
+              <a:effectLst/>
+              <a:uLnTx/>
+              <a:uFillTx/>
+              <a:latin typeface="맑은 고딕"/>
+              <a:ea typeface="맑은 고딕" panose="020B0503020000020004" pitchFamily="50" charset="-127"/>
+              <a:cs typeface="+mn-cs"/>
+            </a:endParaRPr>
+          </a:p>
+          <a:p>
+            <a:pPr marL="800100" marR="0" lvl="1" indent="-342900" algn="l" defTabSz="914400" rtl="0" eaLnBrk="1" fontAlgn="auto" latinLnBrk="1" hangingPunct="1">
+              <a:lnSpc>
+                <a:spcPct val="100000"/>
+              </a:lnSpc>
+              <a:spcBef>
+                <a:spcPts val="0"/>
+              </a:spcBef>
+              <a:spcAft>
+                <a:spcPts val="0"/>
+              </a:spcAft>
+              <a:buClrTx/>
+              <a:buSzTx/>
+              <a:buFont typeface="Arial" panose="020B0604020202020204" pitchFamily="34" charset="0"/>
+              <a:buChar char="•"/>
+              <a:tabLst/>
+              <a:defRPr/>
+            </a:pPr>
+            <a:endParaRPr kumimoji="0" lang="en-US" altLang="ko-KR" sz="2500" b="0" i="0" u="none" strike="noStrike" kern="1200" cap="none" spc="0" normalizeH="0" baseline="0" noProof="0" dirty="0">
+              <a:ln>
+                <a:noFill/>
+              </a:ln>
+              <a:solidFill>
+                <a:prstClr val="black"/>
+              </a:solidFill>
+              <a:effectLst/>
+              <a:uLnTx/>
+              <a:uFillTx/>
+              <a:latin typeface="맑은 고딕"/>
+              <a:ea typeface="맑은 고딕" panose="020B0503020000020004" pitchFamily="50" charset="-127"/>
+              <a:cs typeface="+mn-cs"/>
+            </a:endParaRPr>
+          </a:p>
+          <a:p>
+            <a:pPr marL="457200" marR="0" lvl="0" indent="-457200" algn="l" defTabSz="914400" rtl="0" eaLnBrk="1" fontAlgn="auto" latinLnBrk="1" hangingPunct="1">
+              <a:lnSpc>
+                <a:spcPct val="100000"/>
+              </a:lnSpc>
+              <a:spcBef>
+                <a:spcPts val="0"/>
+              </a:spcBef>
+              <a:spcAft>
+                <a:spcPts val="0"/>
+              </a:spcAft>
+              <a:buClrTx/>
+              <a:buSzTx/>
+              <a:buFont typeface="+mj-lt"/>
+              <a:buAutoNum type="arabicPeriod"/>
+              <a:tabLst/>
+              <a:defRPr/>
+            </a:pPr>
+            <a:r>
+              <a:rPr lang="ko-KR" altLang="en-US" sz="2300" dirty="0">
+                <a:solidFill>
+                  <a:prstClr val="black"/>
+                </a:solidFill>
+                <a:latin typeface="맑은 고딕"/>
+                <a:ea typeface="맑은 고딕" panose="020B0503020000020004" pitchFamily="50" charset="-127"/>
+              </a:rPr>
+              <a:t>깊이가 다른 </a:t>
+            </a:r>
+            <a:r>
+              <a:rPr lang="en-US" altLang="ko-KR" sz="2300" dirty="0" err="1">
+                <a:solidFill>
+                  <a:prstClr val="black"/>
+                </a:solidFill>
+                <a:latin typeface="맑은 고딕"/>
+                <a:ea typeface="맑은 고딕" panose="020B0503020000020004" pitchFamily="50" charset="-127"/>
+              </a:rPr>
+              <a:t>ResNet</a:t>
+            </a:r>
+            <a:r>
+              <a:rPr lang="en-US" altLang="ko-KR" sz="2300" dirty="0">
+                <a:solidFill>
+                  <a:prstClr val="black"/>
+                </a:solidFill>
+                <a:latin typeface="맑은 고딕"/>
+                <a:ea typeface="맑은 고딕" panose="020B0503020000020004" pitchFamily="50" charset="-127"/>
+              </a:rPr>
+              <a:t> </a:t>
+            </a:r>
+            <a:r>
+              <a:rPr lang="ko-KR" altLang="en-US" sz="2300" dirty="0">
+                <a:solidFill>
+                  <a:prstClr val="black"/>
+                </a:solidFill>
+                <a:latin typeface="맑은 고딕"/>
+                <a:ea typeface="맑은 고딕" panose="020B0503020000020004" pitchFamily="50" charset="-127"/>
+              </a:rPr>
+              <a:t>모델을 사용하여 비교 분석</a:t>
+            </a:r>
+            <a:endParaRPr lang="en-US" altLang="ko-KR" sz="2300" dirty="0">
+              <a:solidFill>
+                <a:prstClr val="black"/>
+              </a:solidFill>
+              <a:latin typeface="맑은 고딕"/>
+              <a:ea typeface="맑은 고딕" panose="020B0503020000020004" pitchFamily="50" charset="-127"/>
+            </a:endParaRPr>
+          </a:p>
+          <a:p>
+            <a:pPr marL="914400" lvl="1" indent="-457200">
+              <a:buFont typeface="Arial" panose="020B0604020202020204" pitchFamily="34" charset="0"/>
+              <a:buChar char="•"/>
+              <a:defRPr/>
+            </a:pPr>
+            <a:r>
+              <a:rPr kumimoji="0" lang="en-US" altLang="ko-KR" sz="2400" b="0" i="0" u="none" strike="noStrike" kern="1200" cap="none" spc="0" normalizeH="0" baseline="0" noProof="0" dirty="0">
+                <a:ln>
+                  <a:noFill/>
+                </a:ln>
+                <a:solidFill>
+                  <a:prstClr val="black"/>
+                </a:solidFill>
+                <a:effectLst/>
+                <a:uLnTx/>
+                <a:uFillTx/>
+                <a:latin typeface="맑은 고딕"/>
+                <a:ea typeface="맑은 고딕" panose="020B0503020000020004" pitchFamily="50" charset="-127"/>
+                <a:cs typeface="+mn-cs"/>
+              </a:rPr>
+              <a:t>101 ~ 152 Layer </a:t>
+            </a:r>
+            <a:r>
+              <a:rPr kumimoji="0" lang="ko-KR" altLang="en-US" sz="2400" b="0" i="0" u="none" strike="noStrike" kern="1200" cap="none" spc="0" normalizeH="0" baseline="0" noProof="0" dirty="0">
+                <a:ln>
+                  <a:noFill/>
+                </a:ln>
+                <a:solidFill>
+                  <a:prstClr val="black"/>
+                </a:solidFill>
+                <a:effectLst/>
+                <a:uLnTx/>
+                <a:uFillTx/>
+                <a:latin typeface="맑은 고딕"/>
+                <a:ea typeface="맑은 고딕" panose="020B0503020000020004" pitchFamily="50" charset="-127"/>
+                <a:cs typeface="+mn-cs"/>
+              </a:rPr>
+              <a:t>사이의 최적 </a:t>
+            </a:r>
+            <a:r>
+              <a:rPr kumimoji="0" lang="en-US" altLang="ko-KR" sz="2400" b="0" i="0" u="none" strike="noStrike" kern="1200" cap="none" spc="0" normalizeH="0" baseline="0" noProof="0" dirty="0">
+                <a:ln>
+                  <a:noFill/>
+                </a:ln>
+                <a:solidFill>
+                  <a:prstClr val="black"/>
+                </a:solidFill>
+                <a:effectLst/>
+                <a:uLnTx/>
+                <a:uFillTx/>
+                <a:latin typeface="맑은 고딕"/>
+                <a:ea typeface="맑은 고딕" panose="020B0503020000020004" pitchFamily="50" charset="-127"/>
+                <a:cs typeface="+mn-cs"/>
+              </a:rPr>
+              <a:t>Layer </a:t>
+            </a:r>
+            <a:r>
+              <a:rPr kumimoji="0" lang="ko-KR" altLang="en-US" sz="2400" b="0" i="0" u="none" strike="noStrike" kern="1200" cap="none" spc="0" normalizeH="0" baseline="0" noProof="0" dirty="0">
+                <a:ln>
+                  <a:noFill/>
+                </a:ln>
+                <a:solidFill>
+                  <a:prstClr val="black"/>
+                </a:solidFill>
+                <a:effectLst/>
+                <a:uLnTx/>
+                <a:uFillTx/>
+                <a:latin typeface="맑은 고딕"/>
+                <a:ea typeface="맑은 고딕" panose="020B0503020000020004" pitchFamily="50" charset="-127"/>
+                <a:cs typeface="+mn-cs"/>
+              </a:rPr>
+              <a:t>탐색</a:t>
+            </a:r>
+            <a:endParaRPr kumimoji="0" lang="en-US" altLang="ko-KR" sz="2400" b="0" i="0" u="none" strike="noStrike" kern="1200" cap="none" spc="0" normalizeH="0" baseline="0" noProof="0" dirty="0">
+              <a:ln>
+                <a:noFill/>
+              </a:ln>
+              <a:solidFill>
+                <a:prstClr val="black"/>
+              </a:solidFill>
+              <a:effectLst/>
+              <a:uLnTx/>
+              <a:uFillTx/>
+              <a:latin typeface="맑은 고딕"/>
+              <a:ea typeface="맑은 고딕" panose="020B0503020000020004" pitchFamily="50" charset="-127"/>
+              <a:cs typeface="+mn-cs"/>
+            </a:endParaRPr>
+          </a:p>
+        </p:txBody>
+      </p:sp>
+    </p:spTree>
+    <p:extLst>
+      <p:ext uri="{BB962C8B-B14F-4D97-AF65-F5344CB8AC3E}">
+        <p14:creationId xmlns:p14="http://schemas.microsoft.com/office/powerpoint/2010/main" val="2622097320"/>
+      </p:ext>
+    </p:extLst>
+  </p:cSld>
+  <p:clrMapOvr>
+    <a:masterClrMapping/>
+  </p:clrMapOvr>
+</p:sld>
+</file>
+
 <file path=ppt/slides/slide2.xml><?xml version="1.0" encoding="utf-8"?>
 <p:sld xmlns:a="http://schemas.openxmlformats.org/drawingml/2006/main" xmlns:r="http://schemas.openxmlformats.org/officeDocument/2006/relationships" xmlns:p="http://schemas.openxmlformats.org/presentationml/2006/main">
   <p:cSld>
@@ -22071,8 +21959,8 @@
         </p:nvSpPr>
         <p:spPr>
           <a:xfrm>
-            <a:off x="2330167" y="1228397"/>
-            <a:ext cx="4339650" cy="5478423"/>
+            <a:off x="2951820" y="1497702"/>
+            <a:ext cx="3240360" cy="3862596"/>
           </a:xfrm>
           <a:prstGeom prst="rect">
             <a:avLst/>
@@ -22243,63 +22131,6 @@
               <a:t>결론</a:t>
             </a:r>
             <a:endParaRPr lang="en-US" altLang="ko-KR" sz="3500" dirty="0">
-              <a:solidFill>
-                <a:schemeClr val="bg1"/>
-              </a:solidFill>
-              <a:latin typeface="HY헤드라인M" pitchFamily="18" charset="-127"/>
-              <a:ea typeface="HY헤드라인M" pitchFamily="18" charset="-127"/>
-            </a:endParaRPr>
-          </a:p>
-          <a:p>
-            <a:endParaRPr lang="en-US" altLang="ko-KR" sz="3500" dirty="0">
-              <a:solidFill>
-                <a:schemeClr val="bg1"/>
-              </a:solidFill>
-              <a:latin typeface="HY헤드라인M" pitchFamily="18" charset="-127"/>
-              <a:ea typeface="HY헤드라인M" pitchFamily="18" charset="-127"/>
-            </a:endParaRPr>
-          </a:p>
-          <a:p>
-            <a:r>
-              <a:rPr lang="en-US" altLang="ko-KR" sz="3000" dirty="0">
-                <a:solidFill>
-                  <a:schemeClr val="bg1"/>
-                </a:solidFill>
-                <a:latin typeface="HY헤드라인M" pitchFamily="18" charset="-127"/>
-                <a:ea typeface="HY헤드라인M" pitchFamily="18" charset="-127"/>
-              </a:rPr>
-              <a:t>05</a:t>
-            </a:r>
-            <a:r>
-              <a:rPr lang="en-US" altLang="ko-KR" sz="3500" dirty="0">
-                <a:solidFill>
-                  <a:schemeClr val="bg1"/>
-                </a:solidFill>
-                <a:latin typeface="HY헤드라인M" pitchFamily="18" charset="-127"/>
-                <a:ea typeface="HY헤드라인M" pitchFamily="18" charset="-127"/>
-              </a:rPr>
-              <a:t>    </a:t>
-            </a:r>
-            <a:r>
-              <a:rPr lang="ko-KR" altLang="en-US" sz="3500" dirty="0">
-                <a:solidFill>
-                  <a:schemeClr val="bg1"/>
-                </a:solidFill>
-                <a:latin typeface="HY헤드라인M" pitchFamily="18" charset="-127"/>
-                <a:ea typeface="HY헤드라인M" pitchFamily="18" charset="-127"/>
-              </a:rPr>
-              <a:t>향후 연구 과제</a:t>
-            </a:r>
-            <a:endParaRPr lang="en-US" altLang="ko-KR" sz="3500" dirty="0">
-              <a:solidFill>
-                <a:schemeClr val="bg1"/>
-              </a:solidFill>
-              <a:latin typeface="HY헤드라인M" pitchFamily="18" charset="-127"/>
-              <a:ea typeface="HY헤드라인M" pitchFamily="18" charset="-127"/>
-            </a:endParaRPr>
-          </a:p>
-          <a:p>
-            <a:endParaRPr lang="ko-KR" altLang="en-US" sz="3500" dirty="0">
               <a:solidFill>
                 <a:schemeClr val="bg1"/>
               </a:solidFill>
@@ -22665,8 +22496,8 @@
         </p:nvSpPr>
         <p:spPr>
           <a:xfrm>
-            <a:off x="-15339" y="251266"/>
-            <a:ext cx="936104" cy="523220"/>
+            <a:off x="-396552" y="260648"/>
+            <a:ext cx="2952328" cy="523220"/>
           </a:xfrm>
           <a:prstGeom prst="rect">
             <a:avLst/>
@@ -22696,7 +22527,7 @@
               <a:defRPr/>
             </a:pPr>
             <a:r>
-              <a:rPr kumimoji="0" lang="ko-KR" altLang="en-US" sz="2800" b="1" i="0" u="none" strike="noStrike" kern="1200" cap="none" spc="-150" normalizeH="0" baseline="0" noProof="0">
+              <a:rPr kumimoji="0" lang="ko-KR" altLang="en-US" sz="2800" b="1" i="0" u="none" strike="noStrike" kern="1200" cap="none" spc="-150" normalizeH="0" baseline="0" noProof="0" dirty="0">
                 <a:ln>
                   <a:noFill/>
                 </a:ln>
@@ -22710,22 +22541,8 @@
                 <a:ea typeface="Rix비타민 M" panose="02020603020101020101" pitchFamily="18" charset="-127"/>
                 <a:cs typeface="+mn-cs"/>
               </a:rPr>
-              <a:t>결론</a:t>
-            </a:r>
-            <a:endParaRPr kumimoji="0" lang="ko-KR" altLang="en-US" sz="2800" b="1" i="0" u="none" strike="noStrike" kern="1200" cap="none" spc="-150" normalizeH="0" baseline="0" noProof="0" dirty="0">
-              <a:ln>
-                <a:noFill/>
-              </a:ln>
-              <a:solidFill>
-                <a:prstClr val="white"/>
-              </a:solidFill>
-              <a:effectLst/>
-              <a:uLnTx/>
-              <a:uFillTx/>
-              <a:latin typeface="Rix비타민 M" panose="02020603020101020101" pitchFamily="18" charset="-127"/>
-              <a:ea typeface="Rix비타민 M" panose="02020603020101020101" pitchFamily="18" charset="-127"/>
-              <a:cs typeface="+mn-cs"/>
-            </a:endParaRPr>
+              <a:t>향후 연구 과제</a:t>
+            </a:r>
           </a:p>
         </p:txBody>
       </p:sp>
@@ -22744,7 +22561,7 @@
         <p:spPr>
           <a:xfrm>
             <a:off x="90741" y="1982142"/>
-            <a:ext cx="8991165" cy="2339102"/>
+            <a:ext cx="8991165" cy="2723823"/>
           </a:xfrm>
           <a:prstGeom prst="rect">
             <a:avLst/>
@@ -22789,24 +22606,27 @@
                 <a:ea typeface="맑은 고딕" panose="020B0503020000020004" pitchFamily="50" charset="-127"/>
                 <a:cs typeface="+mn-cs"/>
               </a:rPr>
-              <a:t>Dataset</a:t>
-            </a:r>
-            <a:r>
-              <a:rPr kumimoji="0" lang="ko-KR" altLang="en-US" sz="2500" b="0" i="0" u="none" strike="noStrike" kern="1200" cap="none" spc="0" normalizeH="0" baseline="0" noProof="0" dirty="0">
-                <a:ln>
-                  <a:noFill/>
-                </a:ln>
+              <a:t>152 </a:t>
+            </a:r>
+            <a:r>
+              <a:rPr lang="en-US" altLang="ko-KR" sz="2500" dirty="0">
                 <a:solidFill>
                   <a:prstClr val="black"/>
                 </a:solidFill>
-                <a:effectLst/>
-                <a:uLnTx/>
-                <a:uFillTx/>
                 <a:latin typeface="맑은 고딕"/>
                 <a:ea typeface="맑은 고딕" panose="020B0503020000020004" pitchFamily="50" charset="-127"/>
-                <a:cs typeface="+mn-cs"/>
               </a:rPr>
-              <a:t>의 차종을 압축하여 학습 진행</a:t>
+              <a:t>Layer </a:t>
+            </a:r>
+            <a:r>
+              <a:rPr lang="ko-KR" altLang="en-US" sz="2500" dirty="0">
+                <a:solidFill>
+                  <a:prstClr val="black"/>
+                </a:solidFill>
+                <a:latin typeface="맑은 고딕"/>
+                <a:ea typeface="맑은 고딕" panose="020B0503020000020004" pitchFamily="50" charset="-127"/>
+              </a:rPr>
+              <a:t>이상의 깊이를 가지는 모델 비교</a:t>
             </a:r>
             <a:endParaRPr kumimoji="0" lang="en-US" altLang="ko-KR" sz="2500" b="0" i="0" u="none" strike="noStrike" kern="1200" cap="none" spc="0" normalizeH="0" baseline="0" noProof="0" dirty="0">
               <a:ln>
@@ -22842,7 +22662,7 @@
               <a:defRPr/>
             </a:pPr>
             <a:r>
-              <a:rPr kumimoji="0" lang="ko-KR" altLang="en-US" sz="2400" b="0" i="0" u="none" strike="noStrike" kern="1200" cap="none" spc="0" normalizeH="0" baseline="0" noProof="0" dirty="0">
+              <a:rPr kumimoji="0" lang="en-US" altLang="ko-KR" sz="2300" b="0" i="0" u="none" strike="noStrike" kern="1200" cap="none" spc="0" normalizeH="0" baseline="0" noProof="0" dirty="0">
                 <a:ln>
                   <a:noFill/>
                 </a:ln>
@@ -22856,52 +22676,46 @@
                 <a:ea typeface="맑은 고딕" panose="020B0503020000020004" pitchFamily="50" charset="-127"/>
                 <a:cs typeface="+mn-cs"/>
               </a:rPr>
-              <a:t>평균 출력보다 낮은 출력을 보이는 차종 확인</a:t>
-            </a:r>
-            <a:endParaRPr kumimoji="0" lang="en-US" altLang="ko-KR" sz="2400" b="0" i="0" u="none" strike="noStrike" kern="1200" cap="none" spc="0" normalizeH="0" baseline="0" noProof="0" dirty="0">
-              <a:ln>
-                <a:noFill/>
-              </a:ln>
-              <a:solidFill>
-                <a:prstClr val="black"/>
-              </a:solidFill>
-              <a:effectLst/>
-              <a:uLnTx/>
-              <a:uFillTx/>
-              <a:latin typeface="맑은 고딕"/>
-              <a:ea typeface="맑은 고딕" panose="020B0503020000020004" pitchFamily="50" charset="-127"/>
-              <a:cs typeface="+mn-cs"/>
-            </a:endParaRPr>
-          </a:p>
-          <a:p>
-            <a:pPr marL="800100" marR="0" lvl="1" indent="-342900" algn="l" defTabSz="914400" rtl="0" eaLnBrk="1" fontAlgn="auto" latinLnBrk="1" hangingPunct="1">
-              <a:lnSpc>
-                <a:spcPct val="100000"/>
-              </a:lnSpc>
-              <a:spcBef>
-                <a:spcPts val="0"/>
-              </a:spcBef>
-              <a:spcAft>
-                <a:spcPts val="0"/>
-              </a:spcAft>
-              <a:buClrTx/>
-              <a:buSzTx/>
-              <a:buFont typeface="Arial" panose="020B0604020202020204" pitchFamily="34" charset="0"/>
-              <a:buChar char="•"/>
-              <a:tabLst/>
-              <a:defRPr/>
-            </a:pPr>
-            <a:r>
-              <a:rPr lang="ko-KR" altLang="en-US" sz="2400" dirty="0">
+              <a:t>101~152 </a:t>
+            </a:r>
+            <a:r>
+              <a:rPr kumimoji="0" lang="ko-KR" altLang="en-US" sz="2300" b="0" i="0" u="none" strike="noStrike" kern="1200" cap="none" spc="0" normalizeH="0" baseline="0" noProof="0" dirty="0">
+                <a:ln>
+                  <a:noFill/>
+                </a:ln>
+                <a:solidFill>
+                  <a:prstClr val="black"/>
+                </a:solidFill>
+                <a:effectLst/>
+                <a:uLnTx/>
+                <a:uFillTx/>
+                <a:latin typeface="맑은 고딕"/>
+                <a:ea typeface="맑은 고딕" panose="020B0503020000020004" pitchFamily="50" charset="-127"/>
+                <a:cs typeface="+mn-cs"/>
+              </a:rPr>
+              <a:t>최적 </a:t>
+            </a:r>
+            <a:r>
+              <a:rPr lang="en-US" altLang="ko-KR" sz="2300" dirty="0">
                 <a:solidFill>
                   <a:prstClr val="black"/>
                 </a:solidFill>
                 <a:latin typeface="맑은 고딕"/>
                 <a:ea typeface="맑은 고딕" panose="020B0503020000020004" pitchFamily="50" charset="-127"/>
               </a:rPr>
-              <a:t>오답 이미지에서 찌그러진 형태의 이미지 확인</a:t>
-            </a:r>
-            <a:endParaRPr kumimoji="0" lang="en-US" altLang="ko-KR" sz="2500" b="0" i="0" u="none" strike="noStrike" kern="1200" cap="none" spc="0" normalizeH="0" baseline="0" noProof="0" dirty="0">
+              <a:t>Layer</a:t>
+            </a:r>
+            <a:r>
+              <a:rPr lang="ko-KR" altLang="en-US" sz="2300" dirty="0">
+                <a:solidFill>
+                  <a:prstClr val="black"/>
+                </a:solidFill>
+                <a:latin typeface="맑은 고딕"/>
+                <a:ea typeface="맑은 고딕" panose="020B0503020000020004" pitchFamily="50" charset="-127"/>
+              </a:rPr>
+              <a:t> 모델과 비교</a:t>
+            </a:r>
+            <a:endParaRPr kumimoji="0" lang="en-US" altLang="ko-KR" sz="2300" b="0" i="0" u="none" strike="noStrike" kern="1200" cap="none" spc="0" normalizeH="0" baseline="0" noProof="0" dirty="0">
               <a:ln>
                 <a:noFill/>
               </a:ln>
@@ -22950,6 +22764,39 @@
             </a:endParaRPr>
           </a:p>
           <a:p>
+            <a:pPr marL="800100" marR="0" lvl="1" indent="-342900" algn="l" defTabSz="914400" rtl="0" eaLnBrk="1" fontAlgn="auto" latinLnBrk="1" hangingPunct="1">
+              <a:lnSpc>
+                <a:spcPct val="100000"/>
+              </a:lnSpc>
+              <a:spcBef>
+                <a:spcPts val="0"/>
+              </a:spcBef>
+              <a:spcAft>
+                <a:spcPts val="0"/>
+              </a:spcAft>
+              <a:buClrTx/>
+              <a:buSzTx/>
+              <a:buFont typeface="Arial" panose="020B0604020202020204" pitchFamily="34" charset="0"/>
+              <a:buChar char="•"/>
+              <a:tabLst/>
+              <a:defRPr/>
+            </a:pPr>
+            <a:endParaRPr kumimoji="0" lang="en-US" altLang="ko-KR" sz="2500" b="0" i="0" u="none" strike="noStrike" kern="1200" cap="none" spc="0" normalizeH="0" baseline="0" noProof="0" dirty="0">
+              <a:ln>
+                <a:noFill/>
+              </a:ln>
+              <a:solidFill>
+                <a:prstClr val="black"/>
+              </a:solidFill>
+              <a:effectLst/>
+              <a:uLnTx/>
+              <a:uFillTx/>
+              <a:latin typeface="맑은 고딕"/>
+              <a:ea typeface="맑은 고딕" panose="020B0503020000020004" pitchFamily="50" charset="-127"/>
+              <a:cs typeface="+mn-cs"/>
+            </a:endParaRPr>
+          </a:p>
+          <a:p>
             <a:pPr marL="457200" marR="0" lvl="0" indent="-457200" algn="l" defTabSz="914400" rtl="0" eaLnBrk="1" fontAlgn="auto" latinLnBrk="1" hangingPunct="1">
               <a:lnSpc>
                 <a:spcPct val="100000"/>
@@ -22968,61 +22815,7 @@
               <a:defRPr/>
             </a:pPr>
             <a:r>
-              <a:rPr lang="ko-KR" altLang="en-US" sz="2300" dirty="0">
-                <a:solidFill>
-                  <a:prstClr val="black"/>
-                </a:solidFill>
-                <a:latin typeface="맑은 고딕"/>
-                <a:ea typeface="맑은 고딕" panose="020B0503020000020004" pitchFamily="50" charset="-127"/>
-              </a:rPr>
-              <a:t>깊이가 다른 </a:t>
-            </a:r>
-            <a:r>
-              <a:rPr lang="en-US" altLang="ko-KR" sz="2300" dirty="0" err="1">
-                <a:solidFill>
-                  <a:prstClr val="black"/>
-                </a:solidFill>
-                <a:latin typeface="맑은 고딕"/>
-                <a:ea typeface="맑은 고딕" panose="020B0503020000020004" pitchFamily="50" charset="-127"/>
-              </a:rPr>
-              <a:t>ResNet</a:t>
-            </a:r>
-            <a:r>
-              <a:rPr lang="en-US" altLang="ko-KR" sz="2300" dirty="0">
-                <a:solidFill>
-                  <a:prstClr val="black"/>
-                </a:solidFill>
-                <a:latin typeface="맑은 고딕"/>
-                <a:ea typeface="맑은 고딕" panose="020B0503020000020004" pitchFamily="50" charset="-127"/>
-              </a:rPr>
-              <a:t> </a:t>
-            </a:r>
-            <a:r>
-              <a:rPr lang="ko-KR" altLang="en-US" sz="2300" dirty="0">
-                <a:solidFill>
-                  <a:prstClr val="black"/>
-                </a:solidFill>
-                <a:latin typeface="맑은 고딕"/>
-                <a:ea typeface="맑은 고딕" panose="020B0503020000020004" pitchFamily="50" charset="-127"/>
-              </a:rPr>
-              <a:t>모델을 사용하여 비교 분석</a:t>
-            </a:r>
-            <a:endParaRPr lang="en-US" altLang="ko-KR" sz="2300" dirty="0">
-              <a:solidFill>
-                <a:prstClr val="black"/>
-              </a:solidFill>
-              <a:latin typeface="맑은 고딕"/>
-              <a:ea typeface="맑은 고딕" panose="020B0503020000020004" pitchFamily="50" charset="-127"/>
-            </a:endParaRPr>
-          </a:p>
-          <a:p>
-            <a:pPr marL="914400" lvl="1" indent="-457200">
-              <a:buFont typeface="Arial" panose="020B0604020202020204" pitchFamily="34" charset="0"/>
-              <a:buChar char="•"/>
-              <a:defRPr/>
-            </a:pPr>
-            <a:r>
-              <a:rPr kumimoji="0" lang="en-US" altLang="ko-KR" sz="2400" b="0" i="0" u="none" strike="noStrike" kern="1200" cap="none" spc="0" normalizeH="0" baseline="0" noProof="0" dirty="0">
+              <a:rPr kumimoji="0" lang="ko-KR" altLang="en-US" sz="2500" b="0" i="0" u="none" strike="noStrike" kern="1200" cap="none" spc="0" normalizeH="0" baseline="0" noProof="0" dirty="0">
                 <a:ln>
                   <a:noFill/>
                 </a:ln>
@@ -23036,10 +22829,43 @@
                 <a:ea typeface="맑은 고딕" panose="020B0503020000020004" pitchFamily="50" charset="-127"/>
                 <a:cs typeface="+mn-cs"/>
               </a:rPr>
-              <a:t>101 ~ 152 Layer </a:t>
-            </a:r>
-            <a:r>
-              <a:rPr kumimoji="0" lang="ko-KR" altLang="en-US" sz="2400" b="0" i="0" u="none" strike="noStrike" kern="1200" cap="none" spc="0" normalizeH="0" baseline="0" noProof="0" dirty="0">
+              <a:t>같은 브랜드의 차종간 판별 가능한 모델 구현</a:t>
+            </a:r>
+            <a:endParaRPr kumimoji="0" lang="en-US" altLang="ko-KR" sz="2500" b="0" i="0" u="none" strike="noStrike" kern="1200" cap="none" spc="0" normalizeH="0" baseline="0" noProof="0" dirty="0">
+              <a:ln>
+                <a:noFill/>
+              </a:ln>
+              <a:solidFill>
+                <a:prstClr val="black"/>
+              </a:solidFill>
+              <a:effectLst/>
+              <a:uLnTx/>
+              <a:uFillTx/>
+              <a:latin typeface="맑은 고딕"/>
+              <a:ea typeface="맑은 고딕" panose="020B0503020000020004" pitchFamily="50" charset="-127"/>
+              <a:cs typeface="+mn-cs"/>
+            </a:endParaRPr>
+          </a:p>
+          <a:p>
+            <a:pPr marL="914400" marR="0" lvl="1" indent="-457200" algn="l" defTabSz="914400" rtl="0" eaLnBrk="1" fontAlgn="auto" latinLnBrk="1" hangingPunct="1">
+              <a:lnSpc>
+                <a:spcPct val="100000"/>
+              </a:lnSpc>
+              <a:spcBef>
+                <a:spcPts val="0"/>
+              </a:spcBef>
+              <a:spcAft>
+                <a:spcPts val="0"/>
+              </a:spcAft>
+              <a:buClrTx/>
+              <a:buSzTx/>
+              <a:buFont typeface="Arial" panose="020B0604020202020204" pitchFamily="34" charset="0"/>
+              <a:buChar char="•"/>
+              <a:tabLst/>
+              <a:defRPr/>
+            </a:pPr>
+            <a:r>
+              <a:rPr kumimoji="0" lang="ko-KR" altLang="en-US" sz="2300" b="0" i="0" u="none" strike="noStrike" kern="1200" cap="none" spc="0" normalizeH="0" baseline="0" noProof="0" dirty="0">
                 <a:ln>
                   <a:noFill/>
                 </a:ln>
@@ -23053,43 +22879,9 @@
                 <a:ea typeface="맑은 고딕" panose="020B0503020000020004" pitchFamily="50" charset="-127"/>
                 <a:cs typeface="+mn-cs"/>
               </a:rPr>
-              <a:t>사이의 최적 </a:t>
-            </a:r>
-            <a:r>
-              <a:rPr kumimoji="0" lang="en-US" altLang="ko-KR" sz="2400" b="0" i="0" u="none" strike="noStrike" kern="1200" cap="none" spc="0" normalizeH="0" baseline="0" noProof="0" dirty="0">
-                <a:ln>
-                  <a:noFill/>
-                </a:ln>
-                <a:solidFill>
-                  <a:prstClr val="black"/>
-                </a:solidFill>
-                <a:effectLst/>
-                <a:uLnTx/>
-                <a:uFillTx/>
-                <a:latin typeface="맑은 고딕"/>
-                <a:ea typeface="맑은 고딕" panose="020B0503020000020004" pitchFamily="50" charset="-127"/>
-                <a:cs typeface="+mn-cs"/>
-              </a:rPr>
-              <a:t>Layer </a:t>
-            </a:r>
-            <a:r>
-              <a:rPr kumimoji="0" lang="ko-KR" altLang="en-US" sz="2400" b="0" i="0" u="none" strike="noStrike" kern="1200" cap="none" spc="0" normalizeH="0" baseline="0" noProof="0" dirty="0">
-                <a:ln>
-                  <a:noFill/>
-                </a:ln>
-                <a:solidFill>
-                  <a:prstClr val="black"/>
-                </a:solidFill>
-                <a:effectLst/>
-                <a:uLnTx/>
-                <a:uFillTx/>
-                <a:latin typeface="맑은 고딕"/>
-                <a:ea typeface="맑은 고딕" panose="020B0503020000020004" pitchFamily="50" charset="-127"/>
-                <a:cs typeface="+mn-cs"/>
-              </a:rPr>
-              <a:t>탐색</a:t>
-            </a:r>
-            <a:endParaRPr kumimoji="0" lang="en-US" altLang="ko-KR" sz="2400" b="0" i="0" u="none" strike="noStrike" kern="1200" cap="none" spc="0" normalizeH="0" baseline="0" noProof="0" dirty="0">
+              <a:t>차량의 특징 데이터를 추출하여 학습 진행</a:t>
+            </a:r>
+            <a:endParaRPr kumimoji="0" lang="en-US" altLang="ko-KR" sz="2300" b="0" i="0" u="none" strike="noStrike" kern="1200" cap="none" spc="0" normalizeH="0" baseline="0" noProof="0" dirty="0">
               <a:ln>
                 <a:noFill/>
               </a:ln>
@@ -23104,12 +22896,43 @@
               <a:cs typeface="+mn-cs"/>
             </a:endParaRPr>
           </a:p>
+          <a:p>
+            <a:pPr marR="0" lvl="1" algn="l" defTabSz="914400" rtl="0" eaLnBrk="1" fontAlgn="auto" latinLnBrk="1" hangingPunct="1">
+              <a:lnSpc>
+                <a:spcPct val="100000"/>
+              </a:lnSpc>
+              <a:spcBef>
+                <a:spcPts val="0"/>
+              </a:spcBef>
+              <a:spcAft>
+                <a:spcPts val="0"/>
+              </a:spcAft>
+              <a:buClrTx/>
+              <a:buSzTx/>
+              <a:tabLst/>
+              <a:defRPr/>
+            </a:pPr>
+            <a:endParaRPr kumimoji="0" lang="en-US" altLang="ko-KR" sz="2500" b="0" i="0" u="none" strike="noStrike" kern="1200" cap="none" spc="0" normalizeH="0" baseline="0" noProof="0" dirty="0">
+              <a:ln>
+                <a:noFill/>
+              </a:ln>
+              <a:solidFill>
+                <a:prstClr val="black"/>
+              </a:solidFill>
+              <a:effectLst/>
+              <a:uLnTx/>
+              <a:uFillTx/>
+              <a:latin typeface="맑은 고딕"/>
+              <a:ea typeface="맑은 고딕" panose="020B0503020000020004" pitchFamily="50" charset="-127"/>
+              <a:cs typeface="+mn-cs"/>
+            </a:endParaRPr>
+          </a:p>
         </p:txBody>
       </p:sp>
     </p:spTree>
     <p:extLst>
       <p:ext uri="{BB962C8B-B14F-4D97-AF65-F5344CB8AC3E}">
-        <p14:creationId xmlns:p14="http://schemas.microsoft.com/office/powerpoint/2010/main" val="2622097320"/>
+        <p14:creationId xmlns:p14="http://schemas.microsoft.com/office/powerpoint/2010/main" val="763151173"/>
       </p:ext>
     </p:extLst>
   </p:cSld>
@@ -23300,182 +23123,21 @@
       </p:sp>
       <p:sp>
         <p:nvSpPr>
-          <p:cNvPr id="9" name="TextBox 8"/>
-          <p:cNvSpPr txBox="1"/>
-          <p:nvPr/>
-        </p:nvSpPr>
-        <p:spPr>
-          <a:xfrm>
-            <a:off x="3995936" y="692696"/>
-            <a:ext cx="1080120" cy="461665"/>
-          </a:xfrm>
-          <a:prstGeom prst="rect">
-            <a:avLst/>
-          </a:prstGeom>
-          <a:noFill/>
-        </p:spPr>
-        <p:txBody>
-          <a:bodyPr wrap="square" rtlCol="0">
-            <a:spAutoFit/>
-          </a:bodyPr>
-          <a:lstStyle/>
-          <a:p>
-            <a:pPr marL="0" marR="0" lvl="0" indent="0" algn="ctr" defTabSz="914400" rtl="0" eaLnBrk="1" fontAlgn="auto" latinLnBrk="1" hangingPunct="1">
-              <a:lnSpc>
-                <a:spcPct val="100000"/>
-              </a:lnSpc>
-              <a:spcBef>
-                <a:spcPts val="0"/>
-              </a:spcBef>
-              <a:spcAft>
-                <a:spcPts val="0"/>
-              </a:spcAft>
-              <a:buClrTx/>
-              <a:buSzTx/>
-              <a:buFontTx/>
-              <a:buNone/>
-              <a:tabLst/>
-              <a:defRPr/>
-            </a:pPr>
-            <a:r>
-              <a:rPr kumimoji="0" lang="en-US" altLang="ko-KR" sz="2400" b="0" i="0" u="none" strike="noStrike" kern="1200" cap="none" spc="0" normalizeH="0" baseline="0" noProof="0" dirty="0">
-                <a:ln>
-                  <a:noFill/>
-                </a:ln>
-                <a:solidFill>
-                  <a:prstClr val="white"/>
-                </a:solidFill>
-                <a:effectLst/>
-                <a:uLnTx/>
-                <a:uFillTx/>
-                <a:latin typeface="HY헤드라인M" pitchFamily="18" charset="-127"/>
-                <a:ea typeface="HY헤드라인M" pitchFamily="18" charset="-127"/>
-                <a:cs typeface="+mn-cs"/>
-              </a:rPr>
-              <a:t>05</a:t>
-            </a:r>
-            <a:endParaRPr kumimoji="0" lang="ko-KR" altLang="en-US" sz="2400" b="0" i="0" u="none" strike="noStrike" kern="1200" cap="none" spc="0" normalizeH="0" baseline="0" noProof="0" dirty="0">
-              <a:ln>
-                <a:noFill/>
-              </a:ln>
-              <a:solidFill>
-                <a:prstClr val="white"/>
-              </a:solidFill>
-              <a:effectLst/>
-              <a:uLnTx/>
-              <a:uFillTx/>
-              <a:latin typeface="HY헤드라인M" pitchFamily="18" charset="-127"/>
-              <a:ea typeface="HY헤드라인M" pitchFamily="18" charset="-127"/>
-              <a:cs typeface="+mn-cs"/>
-            </a:endParaRPr>
-          </a:p>
-        </p:txBody>
-      </p:sp>
-      <p:sp>
-        <p:nvSpPr>
-          <p:cNvPr id="26" name="TextBox 25">
-            <a:extLst>
-              <a:ext uri="{FF2B5EF4-FFF2-40B4-BE49-F238E27FC236}">
-                <a16:creationId xmlns:a16="http://schemas.microsoft.com/office/drawing/2014/main" id="{B87290D9-38FB-41BE-8EED-E3173AC1DE45}"/>
-              </a:ext>
-            </a:extLst>
-          </p:cNvPr>
-          <p:cNvSpPr txBox="1"/>
-          <p:nvPr/>
-        </p:nvSpPr>
-        <p:spPr>
-          <a:xfrm>
-            <a:off x="0" y="971581"/>
-            <a:ext cx="4067943" cy="446276"/>
-          </a:xfrm>
-          <a:prstGeom prst="rect">
-            <a:avLst/>
-          </a:prstGeom>
-          <a:noFill/>
-        </p:spPr>
-        <p:txBody>
-          <a:bodyPr wrap="square" rtlCol="0">
-            <a:spAutoFit/>
-          </a:bodyPr>
-          <a:lstStyle/>
-          <a:p>
-            <a:pPr marL="0" marR="0" lvl="0" indent="0" algn="l" defTabSz="914400" rtl="0" eaLnBrk="1" fontAlgn="auto" latinLnBrk="1" hangingPunct="1">
-              <a:lnSpc>
-                <a:spcPct val="100000"/>
-              </a:lnSpc>
-              <a:spcBef>
-                <a:spcPts val="0"/>
-              </a:spcBef>
-              <a:spcAft>
-                <a:spcPts val="0"/>
-              </a:spcAft>
-              <a:buClrTx/>
-              <a:buSzTx/>
-              <a:buFontTx/>
-              <a:buNone/>
-              <a:tabLst/>
-              <a:defRPr/>
-            </a:pPr>
-            <a:r>
-              <a:rPr kumimoji="0" lang="en-US" altLang="ko-KR" sz="2300" b="0" i="0" u="none" strike="noStrike" kern="1200" cap="none" spc="0" normalizeH="0" baseline="0" noProof="0" dirty="0">
-                <a:ln>
-                  <a:noFill/>
-                </a:ln>
-                <a:solidFill>
-                  <a:prstClr val="black"/>
-                </a:solidFill>
-                <a:effectLst/>
-                <a:uLnTx/>
-                <a:uFillTx/>
-                <a:latin typeface="Rix비타민 M" panose="02020603020101020101" pitchFamily="18" charset="-127"/>
-                <a:ea typeface="Rix비타민 M" panose="02020603020101020101" pitchFamily="18" charset="-127"/>
-                <a:cs typeface="+mn-cs"/>
-              </a:rPr>
-              <a:t>CNN</a:t>
-            </a:r>
-            <a:r>
-              <a:rPr kumimoji="0" lang="ko-KR" altLang="en-US" sz="2300" b="0" i="0" u="none" strike="noStrike" kern="1200" cap="none" spc="0" normalizeH="0" baseline="0" noProof="0" dirty="0">
-                <a:ln>
-                  <a:noFill/>
-                </a:ln>
-                <a:solidFill>
-                  <a:prstClr val="black"/>
-                </a:solidFill>
-                <a:effectLst/>
-                <a:uLnTx/>
-                <a:uFillTx/>
-                <a:latin typeface="Rix비타민 M" panose="02020603020101020101" pitchFamily="18" charset="-127"/>
-                <a:ea typeface="Rix비타민 M" panose="02020603020101020101" pitchFamily="18" charset="-127"/>
-                <a:cs typeface="+mn-cs"/>
-              </a:rPr>
-              <a:t>을 이용한 차종 판별 시스템</a:t>
-            </a:r>
-          </a:p>
-        </p:txBody>
-      </p:sp>
-      <p:sp>
-        <p:nvSpPr>
-          <p:cNvPr id="10" name="직사각형 9">
-            <a:extLst>
-              <a:ext uri="{FF2B5EF4-FFF2-40B4-BE49-F238E27FC236}">
-                <a16:creationId xmlns:a16="http://schemas.microsoft.com/office/drawing/2014/main" id="{4C3974E4-B13C-46A8-97A1-81A536782AF8}"/>
-              </a:ext>
-            </a:extLst>
-          </p:cNvPr>
+          <p:cNvPr id="8" name="직사각형 7"/>
           <p:cNvSpPr/>
           <p:nvPr/>
         </p:nvSpPr>
         <p:spPr>
           <a:xfrm>
-            <a:off x="-396552" y="260648"/>
-            <a:ext cx="2952328" cy="523220"/>
+            <a:off x="-89587" y="272325"/>
+            <a:ext cx="1463863" cy="523220"/>
           </a:xfrm>
           <a:prstGeom prst="rect">
             <a:avLst/>
           </a:prstGeom>
         </p:spPr>
         <p:txBody>
-          <a:bodyPr wrap="square">
+          <a:bodyPr wrap="none">
             <a:spAutoFit/>
           </a:bodyPr>
           <a:lstStyle/>
@@ -23512,81 +23174,254 @@
                 <a:ea typeface="Rix비타민 M" panose="02020603020101020101" pitchFamily="18" charset="-127"/>
                 <a:cs typeface="+mn-cs"/>
               </a:rPr>
-              <a:t>향후 연구 과제</a:t>
+              <a:t>참고 문헌</a:t>
             </a:r>
           </a:p>
         </p:txBody>
       </p:sp>
       <p:sp>
         <p:nvSpPr>
-          <p:cNvPr id="16" name="TextBox 15">
+          <p:cNvPr id="14" name="내용 개체 틀 4">
             <a:extLst>
               <a:ext uri="{FF2B5EF4-FFF2-40B4-BE49-F238E27FC236}">
-                <a16:creationId xmlns:a16="http://schemas.microsoft.com/office/drawing/2014/main" id="{C793AAD8-5A01-4195-B273-60240DA981A6}"/>
+                <a16:creationId xmlns:a16="http://schemas.microsoft.com/office/drawing/2014/main" id="{CA1DD868-12A6-4AAE-9A8F-FF506F3ADB52}"/>
               </a:ext>
             </a:extLst>
           </p:cNvPr>
-          <p:cNvSpPr txBox="1"/>
+          <p:cNvSpPr txBox="1">
+            <a:spLocks/>
+          </p:cNvSpPr>
           <p:nvPr/>
         </p:nvSpPr>
         <p:spPr>
           <a:xfrm>
-            <a:off x="90741" y="1982142"/>
-            <a:ext cx="8991165" cy="2723823"/>
+            <a:off x="167962" y="1278542"/>
+            <a:ext cx="8868534" cy="4961218"/>
           </a:xfrm>
           <a:prstGeom prst="rect">
             <a:avLst/>
           </a:prstGeom>
-          <a:noFill/>
         </p:spPr>
         <p:txBody>
-          <a:bodyPr wrap="square" rtlCol="0">
-            <a:spAutoFit/>
+          <a:bodyPr vert="horz" lIns="91440" tIns="45720" rIns="91440" bIns="45720" rtlCol="0">
+            <a:normAutofit fontScale="92500" lnSpcReduction="10000"/>
           </a:bodyPr>
-          <a:lstStyle/>
-          <a:p>
-            <a:pPr marL="457200" marR="0" lvl="0" indent="-457200" algn="l" defTabSz="914400" rtl="0" eaLnBrk="1" fontAlgn="auto" latinLnBrk="1" hangingPunct="1">
+          <a:lstStyle>
+            <a:lvl1pPr marL="342900" indent="-342900" algn="l" defTabSz="914400" rtl="0" eaLnBrk="1" latinLnBrk="1" hangingPunct="1">
+              <a:spcBef>
+                <a:spcPct val="20000"/>
+              </a:spcBef>
+              <a:buFont typeface="Arial" pitchFamily="34" charset="0"/>
+              <a:buChar char="•"/>
+              <a:defRPr sz="2800" kern="1200">
+                <a:solidFill>
+                  <a:schemeClr val="tx1"/>
+                </a:solidFill>
+                <a:latin typeface="+mn-lt"/>
+                <a:ea typeface="+mn-ea"/>
+                <a:cs typeface="+mn-cs"/>
+              </a:defRPr>
+            </a:lvl1pPr>
+            <a:lvl2pPr marL="742950" indent="-285750" algn="l" defTabSz="914400" rtl="0" eaLnBrk="1" latinLnBrk="1" hangingPunct="1">
+              <a:spcBef>
+                <a:spcPct val="20000"/>
+              </a:spcBef>
+              <a:buFont typeface="Arial" pitchFamily="34" charset="0"/>
+              <a:buChar char="–"/>
+              <a:defRPr sz="2400" kern="1200">
+                <a:solidFill>
+                  <a:schemeClr val="tx1"/>
+                </a:solidFill>
+                <a:latin typeface="+mn-lt"/>
+                <a:ea typeface="+mn-ea"/>
+                <a:cs typeface="+mn-cs"/>
+              </a:defRPr>
+            </a:lvl2pPr>
+            <a:lvl3pPr marL="1143000" indent="-228600" algn="l" defTabSz="914400" rtl="0" eaLnBrk="1" latinLnBrk="1" hangingPunct="1">
+              <a:spcBef>
+                <a:spcPct val="20000"/>
+              </a:spcBef>
+              <a:buFont typeface="Arial" pitchFamily="34" charset="0"/>
+              <a:buChar char="•"/>
+              <a:defRPr sz="2000" kern="1200">
+                <a:solidFill>
+                  <a:schemeClr val="tx1"/>
+                </a:solidFill>
+                <a:latin typeface="+mn-lt"/>
+                <a:ea typeface="+mn-ea"/>
+                <a:cs typeface="+mn-cs"/>
+              </a:defRPr>
+            </a:lvl3pPr>
+            <a:lvl4pPr marL="1600200" indent="-228600" algn="l" defTabSz="914400" rtl="0" eaLnBrk="1" latinLnBrk="1" hangingPunct="1">
+              <a:spcBef>
+                <a:spcPct val="20000"/>
+              </a:spcBef>
+              <a:buFont typeface="Arial" pitchFamily="34" charset="0"/>
+              <a:buChar char="–"/>
+              <a:defRPr sz="1800" kern="1200">
+                <a:solidFill>
+                  <a:schemeClr val="tx1"/>
+                </a:solidFill>
+                <a:latin typeface="+mn-lt"/>
+                <a:ea typeface="+mn-ea"/>
+                <a:cs typeface="+mn-cs"/>
+              </a:defRPr>
+            </a:lvl4pPr>
+            <a:lvl5pPr marL="2057400" indent="-228600" algn="l" defTabSz="914400" rtl="0" eaLnBrk="1" latinLnBrk="1" hangingPunct="1">
+              <a:spcBef>
+                <a:spcPct val="20000"/>
+              </a:spcBef>
+              <a:buFont typeface="Arial" pitchFamily="34" charset="0"/>
+              <a:buChar char="»"/>
+              <a:defRPr sz="1800" kern="1200">
+                <a:solidFill>
+                  <a:schemeClr val="tx1"/>
+                </a:solidFill>
+                <a:latin typeface="+mn-lt"/>
+                <a:ea typeface="+mn-ea"/>
+                <a:cs typeface="+mn-cs"/>
+              </a:defRPr>
+            </a:lvl5pPr>
+            <a:lvl6pPr marL="2514600" indent="-228600" algn="l" defTabSz="914400" rtl="0" eaLnBrk="1" latinLnBrk="1" hangingPunct="1">
+              <a:spcBef>
+                <a:spcPct val="20000"/>
+              </a:spcBef>
+              <a:buFont typeface="Arial" pitchFamily="34" charset="0"/>
+              <a:buChar char="•"/>
+              <a:defRPr sz="1800" kern="1200">
+                <a:solidFill>
+                  <a:schemeClr val="tx1"/>
+                </a:solidFill>
+                <a:latin typeface="+mn-lt"/>
+                <a:ea typeface="+mn-ea"/>
+                <a:cs typeface="+mn-cs"/>
+              </a:defRPr>
+            </a:lvl6pPr>
+            <a:lvl7pPr marL="2971800" indent="-228600" algn="l" defTabSz="914400" rtl="0" eaLnBrk="1" latinLnBrk="1" hangingPunct="1">
+              <a:spcBef>
+                <a:spcPct val="20000"/>
+              </a:spcBef>
+              <a:buFont typeface="Arial" pitchFamily="34" charset="0"/>
+              <a:buChar char="•"/>
+              <a:defRPr sz="1800" kern="1200">
+                <a:solidFill>
+                  <a:schemeClr val="tx1"/>
+                </a:solidFill>
+                <a:latin typeface="+mn-lt"/>
+                <a:ea typeface="+mn-ea"/>
+                <a:cs typeface="+mn-cs"/>
+              </a:defRPr>
+            </a:lvl7pPr>
+            <a:lvl8pPr marL="3429000" indent="-228600" algn="l" defTabSz="914400" rtl="0" eaLnBrk="1" latinLnBrk="1" hangingPunct="1">
+              <a:spcBef>
+                <a:spcPct val="20000"/>
+              </a:spcBef>
+              <a:buFont typeface="Arial" pitchFamily="34" charset="0"/>
+              <a:buChar char="•"/>
+              <a:defRPr sz="1800" kern="1200">
+                <a:solidFill>
+                  <a:schemeClr val="tx1"/>
+                </a:solidFill>
+                <a:latin typeface="+mn-lt"/>
+                <a:ea typeface="+mn-ea"/>
+                <a:cs typeface="+mn-cs"/>
+              </a:defRPr>
+            </a:lvl8pPr>
+            <a:lvl9pPr marL="3886200" indent="-228600" algn="l" defTabSz="914400" rtl="0" eaLnBrk="1" latinLnBrk="1" hangingPunct="1">
+              <a:spcBef>
+                <a:spcPct val="20000"/>
+              </a:spcBef>
+              <a:buFont typeface="Arial" pitchFamily="34" charset="0"/>
+              <a:buChar char="•"/>
+              <a:defRPr sz="1800" kern="1200">
+                <a:solidFill>
+                  <a:schemeClr val="tx1"/>
+                </a:solidFill>
+                <a:latin typeface="+mn-lt"/>
+                <a:ea typeface="+mn-ea"/>
+                <a:cs typeface="+mn-cs"/>
+              </a:defRPr>
+            </a:lvl9pPr>
+          </a:lstStyle>
+          <a:p>
+            <a:pPr marL="0" marR="0" lvl="0" indent="0" algn="l" defTabSz="914400" rtl="0" eaLnBrk="1" fontAlgn="auto" latinLnBrk="1" hangingPunct="1">
               <a:lnSpc>
                 <a:spcPct val="100000"/>
               </a:lnSpc>
               <a:spcBef>
-                <a:spcPts val="0"/>
+                <a:spcPct val="20000"/>
               </a:spcBef>
               <a:spcAft>
                 <a:spcPts val="0"/>
               </a:spcAft>
               <a:buClrTx/>
               <a:buSzTx/>
-              <a:buFont typeface="+mj-lt"/>
-              <a:buAutoNum type="arabicPeriod"/>
+              <a:buFont typeface="Arial" pitchFamily="34" charset="0"/>
+              <a:buNone/>
               <a:tabLst/>
               <a:defRPr/>
             </a:pPr>
             <a:r>
-              <a:rPr kumimoji="0" lang="ko-KR" altLang="en-US" sz="2500" b="0" i="0" u="none" strike="noStrike" kern="1200" cap="none" spc="0" normalizeH="0" baseline="0" noProof="0" dirty="0">
+              <a:rPr kumimoji="0" lang="en-US" altLang="ko-KR" sz="1400" b="1" i="0" u="none" strike="noStrike" kern="1200" cap="none" spc="0" normalizeH="0" baseline="0" noProof="0" dirty="0">
                 <a:ln>
                   <a:noFill/>
                 </a:ln>
                 <a:solidFill>
                   <a:prstClr val="black"/>
                 </a:solidFill>
-                <a:effectLst/>
+                <a:effectLst>
+                  <a:outerShdw blurRad="38100" dist="38100" dir="2700000" algn="tl">
+                    <a:srgbClr val="000000">
+                      <a:alpha val="43137"/>
+                    </a:srgbClr>
+                  </a:outerShdw>
+                </a:effectLst>
                 <a:uLnTx/>
                 <a:uFillTx/>
                 <a:latin typeface="맑은 고딕"/>
                 <a:ea typeface="맑은 고딕" panose="020B0503020000020004" pitchFamily="50" charset="-127"/>
                 <a:cs typeface="+mn-cs"/>
               </a:rPr>
-              <a:t>차량 외형에 따른 분류 진행</a:t>
-            </a:r>
-            <a:endParaRPr kumimoji="0" lang="en-US" altLang="ko-KR" sz="2500" b="0" i="0" u="none" strike="noStrike" kern="1200" cap="none" spc="0" normalizeH="0" baseline="0" noProof="0" dirty="0">
+              <a:t>[1] </a:t>
+            </a:r>
+            <a:r>
+              <a:rPr kumimoji="0" lang="en-US" altLang="ko-KR" sz="1400" b="1" i="0" u="none" strike="noStrike" kern="1200" cap="none" spc="0" normalizeH="0" baseline="0" noProof="0" dirty="0">
+                <a:ln>
+                  <a:noFill/>
+                </a:ln>
+                <a:solidFill>
+                  <a:prstClr val="black"/>
+                </a:solidFill>
+                <a:effectLst>
+                  <a:outerShdw blurRad="38100" dist="38100" dir="2700000" algn="tl">
+                    <a:srgbClr val="000000">
+                      <a:alpha val="43137"/>
+                    </a:srgbClr>
+                  </a:outerShdw>
+                </a:effectLst>
+                <a:uLnTx/>
+                <a:uFillTx/>
+                <a:latin typeface="맑은 고딕"/>
+                <a:ea typeface="맑은 고딕" panose="020B0503020000020004" pitchFamily="50" charset="-127"/>
+                <a:cs typeface="+mn-cs"/>
+                <a:hlinkClick r:id="rId3"/>
+              </a:rPr>
+              <a:t>https://adeshpande3.github.io/adeshpande3.github.io/A-Beginner's-Guide-To-Understanding-Convolutional-Neural-Networks/</a:t>
+            </a:r>
+            <a:endParaRPr kumimoji="0" lang="en-US" altLang="ko-KR" sz="1400" b="1" i="0" u="none" strike="noStrike" kern="1200" cap="none" spc="0" normalizeH="0" baseline="0" noProof="0" dirty="0">
               <a:ln>
                 <a:noFill/>
               </a:ln>
               <a:solidFill>
                 <a:prstClr val="black"/>
               </a:solidFill>
-              <a:effectLst/>
+              <a:effectLst>
+                <a:outerShdw blurRad="38100" dist="38100" dir="2700000" algn="tl">
+                  <a:srgbClr val="000000">
+                    <a:alpha val="43137"/>
+                  </a:srgbClr>
+                </a:outerShdw>
+              </a:effectLst>
               <a:uLnTx/>
               <a:uFillTx/>
               <a:latin typeface="맑은 고딕"/>
@@ -23595,48 +23430,123 @@
             </a:endParaRPr>
           </a:p>
           <a:p>
-            <a:pPr marL="800100" marR="0" lvl="1" indent="-342900" algn="l" defTabSz="914400" rtl="0" eaLnBrk="1" fontAlgn="auto" latinLnBrk="1" hangingPunct="1">
+            <a:pPr marL="0" marR="0" lvl="0" indent="0" algn="l" defTabSz="914400" rtl="0" eaLnBrk="1" fontAlgn="auto" latinLnBrk="1" hangingPunct="1">
               <a:lnSpc>
                 <a:spcPct val="100000"/>
               </a:lnSpc>
               <a:spcBef>
-                <a:spcPts val="0"/>
+                <a:spcPct val="20000"/>
               </a:spcBef>
               <a:spcAft>
                 <a:spcPts val="0"/>
               </a:spcAft>
               <a:buClrTx/>
               <a:buSzTx/>
-              <a:buFont typeface="Arial" panose="020B0604020202020204" pitchFamily="34" charset="0"/>
-              <a:buChar char="•"/>
+              <a:buFont typeface="Arial" pitchFamily="34" charset="0"/>
+              <a:buNone/>
               <a:tabLst/>
               <a:defRPr/>
             </a:pPr>
-            <a:r>
-              <a:rPr kumimoji="0" lang="ko-KR" altLang="en-US" sz="2300" b="0" i="0" u="none" strike="noStrike" kern="1200" cap="none" spc="0" normalizeH="0" baseline="0" noProof="0" dirty="0">
+            <a:endParaRPr kumimoji="0" lang="en-US" altLang="ko-KR" sz="1400" b="1" i="0" u="none" strike="noStrike" kern="1200" cap="none" spc="0" normalizeH="0" baseline="0" noProof="0" dirty="0">
+              <a:ln>
+                <a:noFill/>
+              </a:ln>
+              <a:solidFill>
+                <a:prstClr val="black"/>
+              </a:solidFill>
+              <a:effectLst>
+                <a:outerShdw blurRad="38100" dist="38100" dir="2700000" algn="tl">
+                  <a:srgbClr val="000000">
+                    <a:alpha val="43137"/>
+                  </a:srgbClr>
+                </a:outerShdw>
+              </a:effectLst>
+              <a:uLnTx/>
+              <a:uFillTx/>
+              <a:latin typeface="맑은 고딕"/>
+              <a:ea typeface="맑은 고딕" panose="020B0503020000020004" pitchFamily="50" charset="-127"/>
+              <a:cs typeface="+mn-cs"/>
+            </a:endParaRPr>
+          </a:p>
+          <a:p>
+            <a:pPr marL="0" marR="0" lvl="0" indent="0" algn="l" defTabSz="914400" rtl="0" eaLnBrk="1" fontAlgn="auto" latinLnBrk="1" hangingPunct="1">
+              <a:lnSpc>
+                <a:spcPct val="100000"/>
+              </a:lnSpc>
+              <a:spcBef>
+                <a:spcPct val="20000"/>
+              </a:spcBef>
+              <a:spcAft>
+                <a:spcPts val="0"/>
+              </a:spcAft>
+              <a:buClrTx/>
+              <a:buSzTx/>
+              <a:buFont typeface="Arial" pitchFamily="34" charset="0"/>
+              <a:buNone/>
+              <a:tabLst/>
+              <a:defRPr/>
+            </a:pPr>
+            <a:r>
+              <a:rPr kumimoji="0" lang="en-US" altLang="ko-KR" sz="1400" b="1" i="0" u="none" strike="noStrike" kern="1200" cap="none" spc="0" normalizeH="0" baseline="0" noProof="0" dirty="0">
                 <a:ln>
                   <a:noFill/>
                 </a:ln>
                 <a:solidFill>
                   <a:prstClr val="black"/>
                 </a:solidFill>
-                <a:effectLst/>
+                <a:effectLst>
+                  <a:outerShdw blurRad="38100" dist="38100" dir="2700000" algn="tl">
+                    <a:srgbClr val="000000">
+                      <a:alpha val="43137"/>
+                    </a:srgbClr>
+                  </a:outerShdw>
+                </a:effectLst>
                 <a:uLnTx/>
                 <a:uFillTx/>
                 <a:latin typeface="맑은 고딕"/>
                 <a:ea typeface="맑은 고딕" panose="020B0503020000020004" pitchFamily="50" charset="-127"/>
                 <a:cs typeface="+mn-cs"/>
               </a:rPr>
-              <a:t>이전 결과와 결과 비교</a:t>
-            </a:r>
-            <a:endParaRPr kumimoji="0" lang="en-US" altLang="ko-KR" sz="2300" b="0" i="0" u="none" strike="noStrike" kern="1200" cap="none" spc="0" normalizeH="0" baseline="0" noProof="0" dirty="0">
+              <a:t>[2] </a:t>
+            </a:r>
+            <a:r>
+              <a:rPr kumimoji="0" lang="en-US" altLang="ko-KR" sz="1400" b="1" i="0" u="none" strike="noStrike" kern="1200" cap="none" spc="0" normalizeH="0" baseline="0" noProof="0" dirty="0">
+                <a:ln>
+                  <a:noFill/>
+                </a:ln>
+                <a:solidFill>
+                  <a:prstClr val="black"/>
+                </a:solidFill>
+                <a:effectLst>
+                  <a:outerShdw blurRad="38100" dist="38100" dir="2700000" algn="tl">
+                    <a:srgbClr val="000000">
+                      <a:alpha val="43137"/>
+                    </a:srgbClr>
+                  </a:outerShdw>
+                </a:effectLst>
+                <a:uLnTx/>
+                <a:uFillTx/>
+                <a:latin typeface="맑은 고딕"/>
+                <a:ea typeface="맑은 고딕" panose="020B0503020000020004" pitchFamily="50" charset="-127"/>
+                <a:cs typeface="+mn-cs"/>
+                <a:hlinkClick r:id="rId4"/>
+              </a:rPr>
+              <a:t>http://cs231n.github.io/understanding-cnn/</a:t>
+            </a:r>
+            <a:endParaRPr kumimoji="0" lang="en-US" altLang="ko-KR" sz="1400" b="1" i="0" u="none" strike="noStrike" kern="1200" cap="none" spc="0" normalizeH="0" baseline="0" noProof="0" dirty="0">
               <a:ln>
                 <a:noFill/>
               </a:ln>
               <a:solidFill>
                 <a:prstClr val="black"/>
               </a:solidFill>
-              <a:effectLst/>
+              <a:effectLst>
+                <a:outerShdw blurRad="38100" dist="38100" dir="2700000" algn="tl">
+                  <a:srgbClr val="000000">
+                    <a:alpha val="43137"/>
+                  </a:srgbClr>
+                </a:outerShdw>
+              </a:effectLst>
               <a:uLnTx/>
               <a:uFillTx/>
               <a:latin typeface="맑은 고딕"/>
@@ -23645,31 +23555,37 @@
             </a:endParaRPr>
           </a:p>
           <a:p>
-            <a:pPr marL="800100" marR="0" lvl="1" indent="-342900" algn="l" defTabSz="914400" rtl="0" eaLnBrk="1" fontAlgn="auto" latinLnBrk="1" hangingPunct="1">
+            <a:pPr marL="0" marR="0" lvl="0" indent="0" algn="l" defTabSz="914400" rtl="0" eaLnBrk="1" fontAlgn="auto" latinLnBrk="1" hangingPunct="1">
               <a:lnSpc>
                 <a:spcPct val="100000"/>
               </a:lnSpc>
               <a:spcBef>
-                <a:spcPts val="0"/>
+                <a:spcPct val="20000"/>
               </a:spcBef>
               <a:spcAft>
                 <a:spcPts val="0"/>
               </a:spcAft>
               <a:buClrTx/>
               <a:buSzTx/>
-              <a:buFont typeface="Arial" panose="020B0604020202020204" pitchFamily="34" charset="0"/>
-              <a:buChar char="•"/>
+              <a:buFont typeface="Arial" pitchFamily="34" charset="0"/>
+              <a:buNone/>
               <a:tabLst/>
               <a:defRPr/>
             </a:pPr>
-            <a:endParaRPr kumimoji="0" lang="en-US" altLang="ko-KR" sz="2500" b="0" i="0" u="none" strike="noStrike" kern="1200" cap="none" spc="0" normalizeH="0" baseline="0" noProof="0" dirty="0">
+            <a:endParaRPr kumimoji="0" lang="en-US" altLang="ko-KR" sz="1400" b="1" i="0" u="none" strike="noStrike" kern="1200" cap="none" spc="0" normalizeH="0" baseline="0" noProof="0" dirty="0">
               <a:ln>
                 <a:noFill/>
               </a:ln>
               <a:solidFill>
                 <a:prstClr val="black"/>
               </a:solidFill>
-              <a:effectLst/>
+              <a:effectLst>
+                <a:outerShdw blurRad="38100" dist="38100" dir="2700000" algn="tl">
+                  <a:srgbClr val="000000">
+                    <a:alpha val="43137"/>
+                  </a:srgbClr>
+                </a:outerShdw>
+              </a:effectLst>
               <a:uLnTx/>
               <a:uFillTx/>
               <a:latin typeface="맑은 고딕"/>
@@ -23678,31 +23594,84 @@
             </a:endParaRPr>
           </a:p>
           <a:p>
-            <a:pPr marL="800100" marR="0" lvl="1" indent="-342900" algn="l" defTabSz="914400" rtl="0" eaLnBrk="1" fontAlgn="auto" latinLnBrk="1" hangingPunct="1">
+            <a:pPr marL="0" marR="0" lvl="0" indent="0" algn="l" defTabSz="914400" rtl="0" eaLnBrk="1" fontAlgn="auto" latinLnBrk="1" hangingPunct="1">
               <a:lnSpc>
                 <a:spcPct val="100000"/>
               </a:lnSpc>
               <a:spcBef>
-                <a:spcPts val="0"/>
+                <a:spcPct val="20000"/>
               </a:spcBef>
               <a:spcAft>
                 <a:spcPts val="0"/>
               </a:spcAft>
               <a:buClrTx/>
               <a:buSzTx/>
-              <a:buFont typeface="Arial" panose="020B0604020202020204" pitchFamily="34" charset="0"/>
-              <a:buChar char="•"/>
+              <a:buFont typeface="Arial" pitchFamily="34" charset="0"/>
+              <a:buNone/>
               <a:tabLst/>
               <a:defRPr/>
             </a:pPr>
-            <a:endParaRPr kumimoji="0" lang="en-US" altLang="ko-KR" sz="2500" b="0" i="0" u="none" strike="noStrike" kern="1200" cap="none" spc="0" normalizeH="0" baseline="0" noProof="0" dirty="0">
+            <a:r>
+              <a:rPr kumimoji="0" lang="en-US" altLang="ko-KR" sz="1400" b="1" i="0" u="none" strike="noStrike" kern="1200" cap="none" spc="0" normalizeH="0" baseline="0" noProof="0" dirty="0">
+                <a:ln>
+                  <a:noFill/>
+                </a:ln>
+                <a:solidFill>
+                  <a:prstClr val="black"/>
+                </a:solidFill>
+                <a:effectLst>
+                  <a:outerShdw blurRad="38100" dist="38100" dir="2700000" algn="tl">
+                    <a:srgbClr val="000000">
+                      <a:alpha val="43137"/>
+                    </a:srgbClr>
+                  </a:outerShdw>
+                </a:effectLst>
+                <a:uLnTx/>
+                <a:uFillTx/>
+                <a:latin typeface="맑은 고딕"/>
+                <a:ea typeface="맑은 고딕" panose="020B0503020000020004" pitchFamily="50" charset="-127"/>
+                <a:cs typeface="+mn-cs"/>
+              </a:rPr>
+              <a:t>[3] </a:t>
+            </a:r>
+            <a:r>
+              <a:rPr kumimoji="0" lang="en-US" altLang="ko-KR" sz="1400" b="1" i="0" u="none" strike="noStrike" kern="1200" cap="none" spc="0" normalizeH="0" baseline="0" noProof="0" dirty="0">
+                <a:ln>
+                  <a:noFill/>
+                </a:ln>
+                <a:solidFill>
+                  <a:prstClr val="black"/>
+                </a:solidFill>
+                <a:effectLst>
+                  <a:outerShdw blurRad="38100" dist="38100" dir="2700000" algn="tl">
+                    <a:srgbClr val="000000">
+                      <a:alpha val="43137"/>
+                    </a:srgbClr>
+                  </a:outerShdw>
+                </a:effectLst>
+                <a:uLnTx/>
+                <a:uFillTx/>
+                <a:latin typeface="맑은 고딕"/>
+                <a:ea typeface="맑은 고딕" panose="020B0503020000020004" pitchFamily="50" charset="-127"/>
+                <a:cs typeface="+mn-cs"/>
+                <a:hlinkClick r:id="rId3"/>
+              </a:rPr>
+              <a:t>https://adeshpande3.github.io/adeshpande3.github.io/A-Beginner's-Guide-To-Understanding-Convolutional-Neural-Networks/</a:t>
+            </a:r>
+            <a:endParaRPr kumimoji="0" lang="en-US" altLang="ko-KR" sz="1400" b="1" i="0" u="none" strike="noStrike" kern="1200" cap="none" spc="0" normalizeH="0" baseline="0" noProof="0" dirty="0">
               <a:ln>
                 <a:noFill/>
               </a:ln>
               <a:solidFill>
                 <a:prstClr val="black"/>
               </a:solidFill>
-              <a:effectLst/>
+              <a:effectLst>
+                <a:outerShdw blurRad="38100" dist="38100" dir="2700000" algn="tl">
+                  <a:srgbClr val="000000">
+                    <a:alpha val="43137"/>
+                  </a:srgbClr>
+                </a:outerShdw>
+              </a:effectLst>
               <a:uLnTx/>
               <a:uFillTx/>
               <a:latin typeface="맑은 고딕"/>
@@ -23711,58 +23680,123 @@
             </a:endParaRPr>
           </a:p>
           <a:p>
-            <a:pPr marL="457200" marR="0" lvl="0" indent="-457200" algn="l" defTabSz="914400" rtl="0" eaLnBrk="1" fontAlgn="auto" latinLnBrk="1" hangingPunct="1">
+            <a:pPr marL="0" marR="0" lvl="0" indent="0" algn="l" defTabSz="914400" rtl="0" eaLnBrk="1" fontAlgn="auto" latinLnBrk="1" hangingPunct="1">
               <a:lnSpc>
                 <a:spcPct val="100000"/>
               </a:lnSpc>
               <a:spcBef>
-                <a:spcPts val="0"/>
+                <a:spcPct val="20000"/>
               </a:spcBef>
               <a:spcAft>
                 <a:spcPts val="0"/>
               </a:spcAft>
               <a:buClrTx/>
               <a:buSzTx/>
-              <a:buFont typeface="+mj-lt"/>
-              <a:buAutoNum type="arabicPeriod"/>
+              <a:buFont typeface="Arial" pitchFamily="34" charset="0"/>
+              <a:buNone/>
               <a:tabLst/>
               <a:defRPr/>
             </a:pPr>
-            <a:r>
-              <a:rPr kumimoji="0" lang="ko-KR" altLang="en-US" sz="2500" b="0" i="0" u="none" strike="noStrike" kern="1200" cap="none" spc="0" normalizeH="0" baseline="0" noProof="0" dirty="0">
+            <a:endParaRPr kumimoji="0" lang="en-US" altLang="ko-KR" sz="1400" b="1" i="0" u="none" strike="noStrike" kern="1200" cap="none" spc="0" normalizeH="0" baseline="0" noProof="0" dirty="0">
+              <a:ln>
+                <a:noFill/>
+              </a:ln>
+              <a:solidFill>
+                <a:prstClr val="black"/>
+              </a:solidFill>
+              <a:effectLst>
+                <a:outerShdw blurRad="38100" dist="38100" dir="2700000" algn="tl">
+                  <a:srgbClr val="000000">
+                    <a:alpha val="43137"/>
+                  </a:srgbClr>
+                </a:outerShdw>
+              </a:effectLst>
+              <a:uLnTx/>
+              <a:uFillTx/>
+              <a:latin typeface="맑은 고딕"/>
+              <a:ea typeface="맑은 고딕" panose="020B0503020000020004" pitchFamily="50" charset="-127"/>
+              <a:cs typeface="+mn-cs"/>
+            </a:endParaRPr>
+          </a:p>
+          <a:p>
+            <a:pPr marL="0" marR="0" lvl="0" indent="0" algn="l" defTabSz="914400" rtl="0" eaLnBrk="1" fontAlgn="auto" latinLnBrk="1" hangingPunct="1">
+              <a:lnSpc>
+                <a:spcPct val="100000"/>
+              </a:lnSpc>
+              <a:spcBef>
+                <a:spcPct val="20000"/>
+              </a:spcBef>
+              <a:spcAft>
+                <a:spcPts val="0"/>
+              </a:spcAft>
+              <a:buClrTx/>
+              <a:buSzTx/>
+              <a:buFont typeface="Arial" pitchFamily="34" charset="0"/>
+              <a:buNone/>
+              <a:tabLst/>
+              <a:defRPr/>
+            </a:pPr>
+            <a:r>
+              <a:rPr kumimoji="0" lang="en-US" altLang="ko-KR" sz="1400" b="1" i="0" u="none" strike="noStrike" kern="1200" cap="none" spc="0" normalizeH="0" baseline="0" noProof="0" dirty="0">
                 <a:ln>
                   <a:noFill/>
                 </a:ln>
                 <a:solidFill>
                   <a:prstClr val="black"/>
                 </a:solidFill>
-                <a:effectLst/>
+                <a:effectLst>
+                  <a:outerShdw blurRad="38100" dist="38100" dir="2700000" algn="tl">
+                    <a:srgbClr val="000000">
+                      <a:alpha val="43137"/>
+                    </a:srgbClr>
+                  </a:outerShdw>
+                </a:effectLst>
                 <a:uLnTx/>
                 <a:uFillTx/>
                 <a:latin typeface="맑은 고딕"/>
                 <a:ea typeface="맑은 고딕" panose="020B0503020000020004" pitchFamily="50" charset="-127"/>
                 <a:cs typeface="+mn-cs"/>
               </a:rPr>
-              <a:t>데이터셋에 맞는 모델의 </a:t>
-            </a:r>
-            <a:r>
-              <a:rPr lang="ko-KR" altLang="en-US" sz="2500" dirty="0">
+              <a:t>[4] </a:t>
+            </a:r>
+            <a:r>
+              <a:rPr kumimoji="0" lang="en-US" altLang="ko-KR" sz="1400" b="1" i="0" u="none" strike="noStrike" kern="1200" cap="none" spc="0" normalizeH="0" baseline="0" noProof="0" dirty="0">
+                <a:ln>
+                  <a:noFill/>
+                </a:ln>
                 <a:solidFill>
                   <a:prstClr val="black"/>
                 </a:solidFill>
+                <a:effectLst>
+                  <a:outerShdw blurRad="38100" dist="38100" dir="2700000" algn="tl">
+                    <a:srgbClr val="000000">
+                      <a:alpha val="43137"/>
+                    </a:srgbClr>
+                  </a:outerShdw>
+                </a:effectLst>
+                <a:uLnTx/>
+                <a:uFillTx/>
                 <a:latin typeface="맑은 고딕"/>
                 <a:ea typeface="맑은 고딕" panose="020B0503020000020004" pitchFamily="50" charset="-127"/>
+                <a:cs typeface="+mn-cs"/>
+                <a:hlinkClick r:id="rId5"/>
               </a:rPr>
-              <a:t>크기 최적화</a:t>
-            </a:r>
-            <a:endParaRPr kumimoji="0" lang="en-US" altLang="ko-KR" sz="2500" b="0" i="0" u="none" strike="noStrike" kern="1200" cap="none" spc="0" normalizeH="0" baseline="0" noProof="0" dirty="0">
+              <a:t>https://towardsdatascience.com/an-overview-of-resnet-and-its-variants-5281e2f56035</a:t>
+            </a:r>
+            <a:endParaRPr kumimoji="0" lang="en-US" altLang="ko-KR" sz="1400" b="1" i="0" u="none" strike="noStrike" kern="1200" cap="none" spc="0" normalizeH="0" baseline="0" noProof="0" dirty="0">
               <a:ln>
                 <a:noFill/>
               </a:ln>
               <a:solidFill>
                 <a:prstClr val="black"/>
               </a:solidFill>
-              <a:effectLst/>
+              <a:effectLst>
+                <a:outerShdw blurRad="38100" dist="38100" dir="2700000" algn="tl">
+                  <a:srgbClr val="000000">
+                    <a:alpha val="43137"/>
+                  </a:srgbClr>
+                </a:outerShdw>
+              </a:effectLst>
               <a:uLnTx/>
               <a:uFillTx/>
               <a:latin typeface="맑은 고딕"/>
@@ -23771,71 +23805,37 @@
             </a:endParaRPr>
           </a:p>
           <a:p>
-            <a:pPr marL="914400" marR="0" lvl="1" indent="-457200" algn="l" defTabSz="914400" rtl="0" eaLnBrk="1" fontAlgn="auto" latinLnBrk="1" hangingPunct="1">
+            <a:pPr marL="0" marR="0" lvl="0" indent="0" algn="l" defTabSz="914400" rtl="0" eaLnBrk="1" fontAlgn="auto" latinLnBrk="1" hangingPunct="1">
               <a:lnSpc>
                 <a:spcPct val="100000"/>
               </a:lnSpc>
               <a:spcBef>
-                <a:spcPts val="0"/>
+                <a:spcPct val="20000"/>
               </a:spcBef>
               <a:spcAft>
                 <a:spcPts val="0"/>
               </a:spcAft>
               <a:buClrTx/>
               <a:buSzTx/>
-              <a:buFont typeface="Arial" panose="020B0604020202020204" pitchFamily="34" charset="0"/>
-              <a:buChar char="•"/>
+              <a:buFont typeface="Arial" pitchFamily="34" charset="0"/>
+              <a:buNone/>
               <a:tabLst/>
               <a:defRPr/>
             </a:pPr>
-            <a:r>
-              <a:rPr lang="en-US" altLang="ko-KR" sz="2300" dirty="0">
-                <a:solidFill>
-                  <a:prstClr val="black"/>
-                </a:solidFill>
-                <a:latin typeface="맑은 고딕"/>
-                <a:ea typeface="맑은 고딕" panose="020B0503020000020004" pitchFamily="50" charset="-127"/>
-              </a:rPr>
-              <a:t>Hidden Layer </a:t>
-            </a:r>
-            <a:r>
-              <a:rPr lang="ko-KR" altLang="en-US" sz="2300" dirty="0">
-                <a:solidFill>
-                  <a:prstClr val="black"/>
-                </a:solidFill>
-                <a:latin typeface="맑은 고딕"/>
-                <a:ea typeface="맑은 고딕" panose="020B0503020000020004" pitchFamily="50" charset="-127"/>
-              </a:rPr>
-              <a:t>또는 </a:t>
-            </a:r>
-            <a:r>
-              <a:rPr lang="en-US" altLang="ko-KR" sz="2300" dirty="0">
-                <a:solidFill>
-                  <a:prstClr val="black"/>
-                </a:solidFill>
-                <a:latin typeface="맑은 고딕"/>
-                <a:ea typeface="맑은 고딕" panose="020B0503020000020004" pitchFamily="50" charset="-127"/>
-              </a:rPr>
-              <a:t>Hyper Parameter </a:t>
-            </a:r>
-            <a:r>
-              <a:rPr lang="ko-KR" altLang="en-US" sz="2300" dirty="0">
-                <a:solidFill>
-                  <a:prstClr val="black"/>
-                </a:solidFill>
-                <a:latin typeface="맑은 고딕"/>
-                <a:ea typeface="맑은 고딕" panose="020B0503020000020004" pitchFamily="50" charset="-127"/>
-              </a:rPr>
-              <a:t>조절 후 결과 비교</a:t>
-            </a:r>
-            <a:endParaRPr kumimoji="0" lang="en-US" altLang="ko-KR" sz="2300" b="0" i="0" u="none" strike="noStrike" kern="1200" cap="none" spc="0" normalizeH="0" baseline="0" noProof="0" dirty="0">
+            <a:endParaRPr kumimoji="0" lang="en-US" altLang="ko-KR" sz="1400" b="1" i="0" u="none" strike="noStrike" kern="1200" cap="none" spc="0" normalizeH="0" baseline="0" noProof="0" dirty="0">
               <a:ln>
                 <a:noFill/>
               </a:ln>
               <a:solidFill>
                 <a:prstClr val="black"/>
               </a:solidFill>
-              <a:effectLst/>
+              <a:effectLst>
+                <a:outerShdw blurRad="38100" dist="38100" dir="2700000" algn="tl">
+                  <a:srgbClr val="000000">
+                    <a:alpha val="43137"/>
+                  </a:srgbClr>
+                </a:outerShdw>
+              </a:effectLst>
               <a:uLnTx/>
               <a:uFillTx/>
               <a:latin typeface="맑은 고딕"/>
@@ -23844,29 +23844,171 @@
             </a:endParaRPr>
           </a:p>
           <a:p>
-            <a:pPr marR="0" lvl="1" algn="l" defTabSz="914400" rtl="0" eaLnBrk="1" fontAlgn="auto" latinLnBrk="1" hangingPunct="1">
+            <a:pPr marL="0" marR="0" lvl="0" indent="0" algn="l" defTabSz="914400" rtl="0" eaLnBrk="1" fontAlgn="auto" latinLnBrk="1" hangingPunct="1">
               <a:lnSpc>
                 <a:spcPct val="100000"/>
               </a:lnSpc>
               <a:spcBef>
-                <a:spcPts val="0"/>
+                <a:spcPct val="20000"/>
               </a:spcBef>
               <a:spcAft>
                 <a:spcPts val="0"/>
               </a:spcAft>
               <a:buClrTx/>
               <a:buSzTx/>
+              <a:buFont typeface="Arial" pitchFamily="34" charset="0"/>
+              <a:buNone/>
               <a:tabLst/>
               <a:defRPr/>
             </a:pPr>
-            <a:endParaRPr kumimoji="0" lang="en-US" altLang="ko-KR" sz="2500" b="0" i="0" u="none" strike="noStrike" kern="1200" cap="none" spc="0" normalizeH="0" baseline="0" noProof="0" dirty="0">
+            <a:r>
+              <a:rPr kumimoji="0" lang="en-US" altLang="ko-KR" sz="1400" b="1" i="0" u="none" strike="noStrike" kern="1200" cap="none" spc="0" normalizeH="0" baseline="0" noProof="0" dirty="0">
+                <a:ln>
+                  <a:noFill/>
+                </a:ln>
+                <a:solidFill>
+                  <a:prstClr val="black"/>
+                </a:solidFill>
+                <a:effectLst>
+                  <a:outerShdw blurRad="38100" dist="38100" dir="2700000" algn="tl">
+                    <a:srgbClr val="000000">
+                      <a:alpha val="43137"/>
+                    </a:srgbClr>
+                  </a:outerShdw>
+                </a:effectLst>
+                <a:uLnTx/>
+                <a:uFillTx/>
+                <a:latin typeface="맑은 고딕"/>
+                <a:ea typeface="맑은 고딕" panose="020B0503020000020004" pitchFamily="50" charset="-127"/>
+                <a:cs typeface="+mn-cs"/>
+              </a:rPr>
+              <a:t>[5] Alex </a:t>
+            </a:r>
+            <a:r>
+              <a:rPr kumimoji="0" lang="en-US" altLang="ko-KR" sz="1400" b="1" i="0" u="none" strike="noStrike" kern="1200" cap="none" spc="0" normalizeH="0" baseline="0" noProof="0" dirty="0" err="1">
+                <a:ln>
+                  <a:noFill/>
+                </a:ln>
+                <a:solidFill>
+                  <a:prstClr val="black"/>
+                </a:solidFill>
+                <a:effectLst>
+                  <a:outerShdw blurRad="38100" dist="38100" dir="2700000" algn="tl">
+                    <a:srgbClr val="000000">
+                      <a:alpha val="43137"/>
+                    </a:srgbClr>
+                  </a:outerShdw>
+                </a:effectLst>
+                <a:uLnTx/>
+                <a:uFillTx/>
+                <a:latin typeface="맑은 고딕"/>
+                <a:ea typeface="맑은 고딕" panose="020B0503020000020004" pitchFamily="50" charset="-127"/>
+                <a:cs typeface="+mn-cs"/>
+              </a:rPr>
+              <a:t>Krizhevsky</a:t>
+            </a:r>
+            <a:r>
+              <a:rPr kumimoji="0" lang="en-US" altLang="ko-KR" sz="1400" b="1" i="0" u="none" strike="noStrike" kern="1200" cap="none" spc="0" normalizeH="0" baseline="0" noProof="0" dirty="0">
+                <a:ln>
+                  <a:noFill/>
+                </a:ln>
+                <a:solidFill>
+                  <a:prstClr val="black"/>
+                </a:solidFill>
+                <a:effectLst>
+                  <a:outerShdw blurRad="38100" dist="38100" dir="2700000" algn="tl">
+                    <a:srgbClr val="000000">
+                      <a:alpha val="43137"/>
+                    </a:srgbClr>
+                  </a:outerShdw>
+                </a:effectLst>
+                <a:uLnTx/>
+                <a:uFillTx/>
+                <a:latin typeface="맑은 고딕"/>
+                <a:ea typeface="맑은 고딕" panose="020B0503020000020004" pitchFamily="50" charset="-127"/>
+                <a:cs typeface="+mn-cs"/>
+              </a:rPr>
+              <a:t>, Ilya </a:t>
+            </a:r>
+            <a:r>
+              <a:rPr kumimoji="0" lang="en-US" altLang="ko-KR" sz="1400" b="1" i="0" u="none" strike="noStrike" kern="1200" cap="none" spc="0" normalizeH="0" baseline="0" noProof="0" dirty="0" err="1">
+                <a:ln>
+                  <a:noFill/>
+                </a:ln>
+                <a:solidFill>
+                  <a:prstClr val="black"/>
+                </a:solidFill>
+                <a:effectLst>
+                  <a:outerShdw blurRad="38100" dist="38100" dir="2700000" algn="tl">
+                    <a:srgbClr val="000000">
+                      <a:alpha val="43137"/>
+                    </a:srgbClr>
+                  </a:outerShdw>
+                </a:effectLst>
+                <a:uLnTx/>
+                <a:uFillTx/>
+                <a:latin typeface="맑은 고딕"/>
+                <a:ea typeface="맑은 고딕" panose="020B0503020000020004" pitchFamily="50" charset="-127"/>
+                <a:cs typeface="+mn-cs"/>
+              </a:rPr>
+              <a:t>Sutskever</a:t>
+            </a:r>
+            <a:r>
+              <a:rPr kumimoji="0" lang="en-US" altLang="ko-KR" sz="1400" b="1" i="0" u="none" strike="noStrike" kern="1200" cap="none" spc="0" normalizeH="0" baseline="0" noProof="0" dirty="0">
+                <a:ln>
+                  <a:noFill/>
+                </a:ln>
+                <a:solidFill>
+                  <a:prstClr val="black"/>
+                </a:solidFill>
+                <a:effectLst>
+                  <a:outerShdw blurRad="38100" dist="38100" dir="2700000" algn="tl">
+                    <a:srgbClr val="000000">
+                      <a:alpha val="43137"/>
+                    </a:srgbClr>
+                  </a:outerShdw>
+                </a:effectLst>
+                <a:uLnTx/>
+                <a:uFillTx/>
+                <a:latin typeface="맑은 고딕"/>
+                <a:ea typeface="맑은 고딕" panose="020B0503020000020004" pitchFamily="50" charset="-127"/>
+                <a:cs typeface="+mn-cs"/>
+              </a:rPr>
+              <a:t>, Geoffrey E. Hinton, ImageNet Classification with Deep Convolutional Neural Networks, 2012</a:t>
+            </a:r>
+          </a:p>
+          <a:p>
+            <a:pPr marL="0" marR="0" lvl="0" indent="0" algn="l" defTabSz="914400" rtl="0" eaLnBrk="1" fontAlgn="auto" latinLnBrk="1" hangingPunct="1">
+              <a:lnSpc>
+                <a:spcPct val="100000"/>
+              </a:lnSpc>
+              <a:spcBef>
+                <a:spcPct val="20000"/>
+              </a:spcBef>
+              <a:spcAft>
+                <a:spcPts val="0"/>
+              </a:spcAft>
+              <a:buClrTx/>
+              <a:buSzTx/>
+              <a:buFont typeface="Arial" pitchFamily="34" charset="0"/>
+              <a:buNone/>
+              <a:tabLst/>
+              <a:defRPr/>
+            </a:pPr>
+            <a:endParaRPr kumimoji="0" lang="en-US" altLang="ko-KR" sz="1400" b="1" i="0" u="none" strike="noStrike" kern="1200" cap="none" spc="0" normalizeH="0" baseline="0" noProof="0" dirty="0">
               <a:ln>
                 <a:noFill/>
               </a:ln>
               <a:solidFill>
                 <a:prstClr val="black"/>
               </a:solidFill>
-              <a:effectLst/>
+              <a:effectLst>
+                <a:outerShdw blurRad="38100" dist="38100" dir="2700000" algn="tl">
+                  <a:srgbClr val="000000">
+                    <a:alpha val="43137"/>
+                  </a:srgbClr>
+                </a:outerShdw>
+              </a:effectLst>
               <a:uLnTx/>
               <a:uFillTx/>
               <a:latin typeface="맑은 고딕"/>
@@ -23874,12 +24016,379 @@
               <a:cs typeface="+mn-cs"/>
             </a:endParaRPr>
           </a:p>
+          <a:p>
+            <a:pPr marL="0" lvl="0" indent="0">
+              <a:buNone/>
+            </a:pPr>
+            <a:r>
+              <a:rPr kumimoji="0" lang="en-US" altLang="ko-KR" sz="1400" b="1" i="0" u="none" strike="noStrike" kern="1200" cap="none" spc="0" normalizeH="0" baseline="0" noProof="0" dirty="0">
+                <a:ln>
+                  <a:noFill/>
+                </a:ln>
+                <a:solidFill>
+                  <a:prstClr val="black"/>
+                </a:solidFill>
+                <a:effectLst>
+                  <a:outerShdw blurRad="38100" dist="38100" dir="2700000" algn="tl">
+                    <a:srgbClr val="000000">
+                      <a:alpha val="43137"/>
+                    </a:srgbClr>
+                  </a:outerShdw>
+                </a:effectLst>
+                <a:uLnTx/>
+                <a:uFillTx/>
+                <a:latin typeface="맑은 고딕"/>
+                <a:ea typeface="맑은 고딕" panose="020B0503020000020004" pitchFamily="50" charset="-127"/>
+                <a:cs typeface="+mn-cs"/>
+              </a:rPr>
+              <a:t>[6] </a:t>
+            </a:r>
+            <a:r>
+              <a:rPr lang="en-US" altLang="ko-KR" sz="1400" b="1" dirty="0">
+                <a:solidFill>
+                  <a:srgbClr val="0000FF"/>
+                </a:solidFill>
+                <a:effectLst>
+                  <a:outerShdw blurRad="38100" dist="38100" dir="2700000" algn="tl">
+                    <a:srgbClr val="000000">
+                      <a:alpha val="43137"/>
+                    </a:srgbClr>
+                  </a:outerShdw>
+                </a:effectLst>
+                <a:latin typeface="+mj-lt"/>
+                <a:hlinkClick r:id="rId6">
+                  <a:extLst>
+                    <a:ext uri="{A12FA001-AC4F-418D-AE19-62706E023703}">
+                      <ahyp:hlinkClr xmlns:ahyp="http://schemas.microsoft.com/office/drawing/2018/hyperlinkcolor" val="tx"/>
+                    </a:ext>
+                  </a:extLst>
+                </a:hlinkClick>
+              </a:rPr>
+              <a:t>https://laonple.blog.me/220761052425</a:t>
+            </a:r>
+            <a:endParaRPr lang="en-US" altLang="ko-KR" sz="1400" b="1" dirty="0">
+              <a:solidFill>
+                <a:srgbClr val="0000FF"/>
+              </a:solidFill>
+              <a:effectLst>
+                <a:outerShdw blurRad="38100" dist="38100" dir="2700000" algn="tl">
+                  <a:srgbClr val="000000">
+                    <a:alpha val="43137"/>
+                  </a:srgbClr>
+                </a:outerShdw>
+              </a:effectLst>
+              <a:latin typeface="+mj-lt"/>
+            </a:endParaRPr>
+          </a:p>
+          <a:p>
+            <a:pPr marL="0" lvl="0" indent="0">
+              <a:buNone/>
+            </a:pPr>
+            <a:endParaRPr kumimoji="0" lang="en-US" altLang="ko-KR" sz="1400" b="1" i="0" u="none" strike="noStrike" kern="1200" cap="none" spc="0" normalizeH="0" baseline="0" noProof="0" dirty="0">
+              <a:ln>
+                <a:noFill/>
+              </a:ln>
+              <a:solidFill>
+                <a:srgbClr val="0000FF"/>
+              </a:solidFill>
+              <a:effectLst>
+                <a:outerShdw blurRad="38100" dist="38100" dir="2700000" algn="tl">
+                  <a:srgbClr val="000000">
+                    <a:alpha val="43137"/>
+                  </a:srgbClr>
+                </a:outerShdw>
+              </a:effectLst>
+              <a:uLnTx/>
+              <a:uFillTx/>
+              <a:latin typeface="+mj-lt"/>
+              <a:ea typeface="맑은 고딕" panose="020B0503020000020004" pitchFamily="50" charset="-127"/>
+            </a:endParaRPr>
+          </a:p>
+          <a:p>
+            <a:pPr marL="0" lvl="0" indent="0">
+              <a:buNone/>
+            </a:pPr>
+            <a:r>
+              <a:rPr lang="en-US" altLang="ko-KR" sz="1400" b="1" dirty="0">
+                <a:effectLst>
+                  <a:outerShdw blurRad="38100" dist="38100" dir="2700000" algn="tl">
+                    <a:srgbClr val="000000">
+                      <a:alpha val="43137"/>
+                    </a:srgbClr>
+                  </a:outerShdw>
+                </a:effectLst>
+                <a:latin typeface="+mj-lt"/>
+                <a:ea typeface="맑은 고딕" panose="020B0503020000020004" pitchFamily="50" charset="-127"/>
+              </a:rPr>
+              <a:t>[7</a:t>
+            </a:r>
+            <a:r>
+              <a:rPr lang="en-US" altLang="ko-KR" sz="1400" b="1" dirty="0">
+                <a:effectLst>
+                  <a:outerShdw blurRad="38100" dist="38100" dir="2700000" algn="tl">
+                    <a:srgbClr val="000000">
+                      <a:alpha val="43137"/>
+                    </a:srgbClr>
+                  </a:outerShdw>
+                </a:effectLst>
+                <a:latin typeface="+mj-lt"/>
+              </a:rPr>
+              <a:t>] </a:t>
+            </a:r>
+            <a:r>
+              <a:rPr lang="en-US" altLang="ko-KR" sz="1400" b="1" dirty="0" err="1">
+                <a:effectLst>
+                  <a:outerShdw blurRad="38100" dist="38100" dir="2700000" algn="tl">
+                    <a:srgbClr val="000000">
+                      <a:alpha val="43137"/>
+                    </a:srgbClr>
+                  </a:outerShdw>
+                </a:effectLst>
+                <a:latin typeface="+mj-lt"/>
+              </a:rPr>
+              <a:t>Linjie</a:t>
+            </a:r>
+            <a:r>
+              <a:rPr lang="en-US" altLang="ko-KR" sz="1400" b="1" dirty="0">
+                <a:effectLst>
+                  <a:outerShdw blurRad="38100" dist="38100" dir="2700000" algn="tl">
+                    <a:srgbClr val="000000">
+                      <a:alpha val="43137"/>
+                    </a:srgbClr>
+                  </a:outerShdw>
+                </a:effectLst>
+                <a:latin typeface="+mj-lt"/>
+              </a:rPr>
+              <a:t> Yang, Ping Luo, Chen Change Loy, </a:t>
+            </a:r>
+            <a:r>
+              <a:rPr lang="en-US" altLang="ko-KR" sz="1400" b="1" dirty="0" err="1">
+                <a:effectLst>
+                  <a:outerShdw blurRad="38100" dist="38100" dir="2700000" algn="tl">
+                    <a:srgbClr val="000000">
+                      <a:alpha val="43137"/>
+                    </a:srgbClr>
+                  </a:outerShdw>
+                </a:effectLst>
+                <a:latin typeface="+mj-lt"/>
+              </a:rPr>
+              <a:t>Xiaoou</a:t>
+            </a:r>
+            <a:r>
+              <a:rPr lang="en-US" altLang="ko-KR" sz="1400" b="1" dirty="0">
+                <a:effectLst>
+                  <a:outerShdw blurRad="38100" dist="38100" dir="2700000" algn="tl">
+                    <a:srgbClr val="000000">
+                      <a:alpha val="43137"/>
+                    </a:srgbClr>
+                  </a:outerShdw>
+                </a:effectLst>
+                <a:latin typeface="+mj-lt"/>
+              </a:rPr>
+              <a:t> Tang. A Large-Scale Car Dataset for Fine-Grained Categorization and Verification Department of Information Engineering. The Chinese University of Hong Kong Shenzhen Key Lab of CVPR, Shenzhen Institutes of Advanced Technology, Chinese Academy of Sciences, Shenzhen, China (arXiv:1506.08959v2 [cs.CV] 24 Sep 2015).</a:t>
+            </a:r>
+          </a:p>
+          <a:p>
+            <a:pPr marL="0" lvl="0" indent="0">
+              <a:buNone/>
+            </a:pPr>
+            <a:endParaRPr lang="en-US" altLang="ko-KR" sz="1400" b="1" dirty="0">
+              <a:effectLst>
+                <a:outerShdw blurRad="38100" dist="38100" dir="2700000" algn="tl">
+                  <a:srgbClr val="000000">
+                    <a:alpha val="43137"/>
+                  </a:srgbClr>
+                </a:outerShdw>
+              </a:effectLst>
+              <a:latin typeface="+mj-lt"/>
+            </a:endParaRPr>
+          </a:p>
+          <a:p>
+            <a:pPr marL="0" lvl="0" indent="0">
+              <a:buNone/>
+            </a:pPr>
+            <a:r>
+              <a:rPr kumimoji="0" lang="en-US" altLang="ko-KR" sz="1400" b="1" i="0" u="none" strike="noStrike" kern="1200" cap="none" spc="0" normalizeH="0" baseline="0" noProof="0" dirty="0">
+                <a:ln>
+                  <a:noFill/>
+                </a:ln>
+                <a:effectLst>
+                  <a:outerShdw blurRad="38100" dist="38100" dir="2700000" algn="tl">
+                    <a:srgbClr val="000000">
+                      <a:alpha val="43137"/>
+                    </a:srgbClr>
+                  </a:outerShdw>
+                </a:effectLst>
+                <a:uLnTx/>
+                <a:uFillTx/>
+                <a:latin typeface="+mj-lt"/>
+                <a:ea typeface="맑은 고딕" panose="020B0503020000020004" pitchFamily="50" charset="-127"/>
+              </a:rPr>
+              <a:t>[8</a:t>
+            </a:r>
+            <a:r>
+              <a:rPr lang="en-US" altLang="ko-KR" sz="1400" b="1" dirty="0">
+                <a:effectLst>
+                  <a:outerShdw blurRad="38100" dist="38100" dir="2700000" algn="tl">
+                    <a:srgbClr val="000000">
+                      <a:alpha val="43137"/>
+                    </a:srgbClr>
+                  </a:outerShdw>
+                </a:effectLst>
+                <a:latin typeface="+mj-lt"/>
+              </a:rPr>
+              <a:t>] Jong </a:t>
+            </a:r>
+            <a:r>
+              <a:rPr lang="en-US" altLang="ko-KR" sz="1400" b="1" dirty="0" err="1">
+                <a:effectLst>
+                  <a:outerShdw blurRad="38100" dist="38100" dir="2700000" algn="tl">
+                    <a:srgbClr val="000000">
+                      <a:alpha val="43137"/>
+                    </a:srgbClr>
+                  </a:outerShdw>
+                </a:effectLst>
+                <a:latin typeface="+mj-lt"/>
+              </a:rPr>
+              <a:t>Taek</a:t>
+            </a:r>
+            <a:r>
+              <a:rPr lang="en-US" altLang="ko-KR" sz="1400" b="1" dirty="0">
+                <a:effectLst>
+                  <a:outerShdw blurRad="38100" dist="38100" dir="2700000" algn="tl">
+                    <a:srgbClr val="000000">
+                      <a:alpha val="43137"/>
+                    </a:srgbClr>
+                  </a:outerShdw>
+                </a:effectLst>
+                <a:latin typeface="+mj-lt"/>
+              </a:rPr>
+              <a:t> Lee and </a:t>
+            </a:r>
+            <a:r>
+              <a:rPr lang="en-US" altLang="ko-KR" sz="1400" b="1" dirty="0" err="1">
+                <a:effectLst>
+                  <a:outerShdw blurRad="38100" dist="38100" dir="2700000" algn="tl">
+                    <a:srgbClr val="000000">
+                      <a:alpha val="43137"/>
+                    </a:srgbClr>
+                  </a:outerShdw>
+                </a:effectLst>
+                <a:latin typeface="+mj-lt"/>
+              </a:rPr>
+              <a:t>Yunsu</a:t>
+            </a:r>
+            <a:r>
+              <a:rPr lang="en-US" altLang="ko-KR" sz="1400" b="1" dirty="0">
+                <a:effectLst>
+                  <a:outerShdw blurRad="38100" dist="38100" dir="2700000" algn="tl">
+                    <a:srgbClr val="000000">
+                      <a:alpha val="43137"/>
+                    </a:srgbClr>
+                  </a:outerShdw>
+                </a:effectLst>
+                <a:latin typeface="+mj-lt"/>
+              </a:rPr>
+              <a:t> Chung. Deep Learning-based Vehicle Classification using an Ensemble of Local Expert and Global Networks. Electronics and Telecommunications Research Institute (ETRI), Daegu, South Korea. 2017 IEEE Conference on Computer Vision and Pattern Recognition Workshops (CVPRW)</a:t>
+            </a:r>
+            <a:endParaRPr kumimoji="0" lang="en-US" altLang="ko-KR" sz="1400" b="1" i="0" u="none" strike="noStrike" kern="1200" cap="none" spc="0" normalizeH="0" baseline="0" noProof="0" dirty="0">
+              <a:ln>
+                <a:noFill/>
+              </a:ln>
+              <a:effectLst>
+                <a:outerShdw blurRad="38100" dist="38100" dir="2700000" algn="tl">
+                  <a:srgbClr val="000000">
+                    <a:alpha val="43137"/>
+                  </a:srgbClr>
+                </a:outerShdw>
+              </a:effectLst>
+              <a:uLnTx/>
+              <a:uFillTx/>
+              <a:latin typeface="+mj-lt"/>
+              <a:ea typeface="맑은 고딕" panose="020B0503020000020004" pitchFamily="50" charset="-127"/>
+            </a:endParaRPr>
+          </a:p>
+          <a:p>
+            <a:pPr marL="0" marR="0" lvl="0" indent="0" algn="l" defTabSz="914400" rtl="0" eaLnBrk="1" fontAlgn="auto" latinLnBrk="1" hangingPunct="1">
+              <a:lnSpc>
+                <a:spcPct val="100000"/>
+              </a:lnSpc>
+              <a:spcBef>
+                <a:spcPct val="20000"/>
+              </a:spcBef>
+              <a:spcAft>
+                <a:spcPts val="0"/>
+              </a:spcAft>
+              <a:buClrTx/>
+              <a:buSzTx/>
+              <a:buFont typeface="Arial" pitchFamily="34" charset="0"/>
+              <a:buNone/>
+              <a:tabLst/>
+              <a:defRPr/>
+            </a:pPr>
+            <a:endParaRPr kumimoji="0" lang="en-US" altLang="ko-KR" sz="1400" b="1" i="0" u="none" strike="noStrike" kern="1200" cap="none" spc="0" normalizeH="0" baseline="0" noProof="0" dirty="0">
+              <a:ln>
+                <a:noFill/>
+              </a:ln>
+              <a:effectLst>
+                <a:outerShdw blurRad="38100" dist="38100" dir="2700000" algn="tl">
+                  <a:srgbClr val="000000">
+                    <a:alpha val="43137"/>
+                  </a:srgbClr>
+                </a:outerShdw>
+              </a:effectLst>
+              <a:uLnTx/>
+              <a:uFillTx/>
+              <a:latin typeface="맑은 고딕"/>
+              <a:ea typeface="맑은 고딕" panose="020B0503020000020004" pitchFamily="50" charset="-127"/>
+              <a:cs typeface="+mn-cs"/>
+            </a:endParaRPr>
+          </a:p>
+          <a:p>
+            <a:pPr marL="0" marR="0" lvl="0" indent="0" algn="l" defTabSz="914400" rtl="0" eaLnBrk="1" fontAlgn="auto" latinLnBrk="1" hangingPunct="1">
+              <a:lnSpc>
+                <a:spcPct val="100000"/>
+              </a:lnSpc>
+              <a:spcBef>
+                <a:spcPct val="20000"/>
+              </a:spcBef>
+              <a:spcAft>
+                <a:spcPts val="0"/>
+              </a:spcAft>
+              <a:buClrTx/>
+              <a:buSzTx/>
+              <a:buFont typeface="Arial" pitchFamily="34" charset="0"/>
+              <a:buNone/>
+              <a:tabLst/>
+              <a:defRPr/>
+            </a:pPr>
+            <a:endParaRPr kumimoji="0" lang="en-US" altLang="ko-KR" sz="1400" b="1" i="0" u="none" strike="noStrike" kern="1200" cap="none" spc="0" normalizeH="0" baseline="0" noProof="0" dirty="0">
+              <a:ln>
+                <a:noFill/>
+              </a:ln>
+              <a:solidFill>
+                <a:prstClr val="black"/>
+              </a:solidFill>
+              <a:effectLst>
+                <a:outerShdw blurRad="38100" dist="38100" dir="2700000" algn="tl">
+                  <a:srgbClr val="000000">
+                    <a:alpha val="43137"/>
+                  </a:srgbClr>
+                </a:outerShdw>
+              </a:effectLst>
+              <a:uLnTx/>
+              <a:uFillTx/>
+              <a:latin typeface="맑은 고딕"/>
+              <a:ea typeface="맑은 고딕" panose="020B0503020000020004" pitchFamily="50" charset="-127"/>
+              <a:cs typeface="+mn-cs"/>
+            </a:endParaRPr>
+          </a:p>
         </p:txBody>
       </p:sp>
     </p:spTree>
     <p:extLst>
       <p:ext uri="{BB962C8B-B14F-4D97-AF65-F5344CB8AC3E}">
-        <p14:creationId xmlns:p14="http://schemas.microsoft.com/office/powerpoint/2010/main" val="763151173"/>
+        <p14:creationId xmlns:p14="http://schemas.microsoft.com/office/powerpoint/2010/main" val="1849589172"/>
       </p:ext>
     </p:extLst>
   </p:cSld>
@@ -25160,6 +25669,58 @@
           </a:p>
         </p:txBody>
       </p:sp>
+      <p:sp>
+        <p:nvSpPr>
+          <p:cNvPr id="4" name="사각형: 둥근 모서리 3">
+            <a:extLst>
+              <a:ext uri="{FF2B5EF4-FFF2-40B4-BE49-F238E27FC236}">
+                <a16:creationId xmlns:a16="http://schemas.microsoft.com/office/drawing/2014/main" id="{C9E8ACFE-F838-439C-A79B-7CB52966F869}"/>
+              </a:ext>
+            </a:extLst>
+          </p:cNvPr>
+          <p:cNvSpPr/>
+          <p:nvPr/>
+        </p:nvSpPr>
+        <p:spPr>
+          <a:xfrm>
+            <a:off x="2713055" y="1710590"/>
+            <a:ext cx="2009670" cy="439757"/>
+          </a:xfrm>
+          <a:prstGeom prst="roundRect">
+            <a:avLst/>
+          </a:prstGeom>
+          <a:noFill/>
+          <a:ln>
+            <a:solidFill>
+              <a:srgbClr val="FF0000"/>
+            </a:solidFill>
+          </a:ln>
+        </p:spPr>
+        <p:style>
+          <a:lnRef idx="2">
+            <a:schemeClr val="accent1">
+              <a:shade val="50000"/>
+            </a:schemeClr>
+          </a:lnRef>
+          <a:fillRef idx="1">
+            <a:schemeClr val="accent1"/>
+          </a:fillRef>
+          <a:effectRef idx="0">
+            <a:schemeClr val="accent1"/>
+          </a:effectRef>
+          <a:fontRef idx="minor">
+            <a:schemeClr val="lt1"/>
+          </a:fontRef>
+        </p:style>
+        <p:txBody>
+          <a:bodyPr rtlCol="0" anchor="ctr"/>
+          <a:lstStyle/>
+          <a:p>
+            <a:pPr algn="ctr"/>
+            <a:endParaRPr lang="ko-KR" altLang="en-US" dirty="0"/>
+          </a:p>
+        </p:txBody>
+      </p:sp>
     </p:spTree>
     <p:extLst>
       <p:ext uri="{BB962C8B-B14F-4D97-AF65-F5344CB8AC3E}">
@@ -25170,6 +25731,84 @@
   <p:clrMapOvr>
     <a:masterClrMapping/>
   </p:clrMapOvr>
+  <p:timing>
+    <p:tnLst>
+      <p:par>
+        <p:cTn id="1" dur="indefinite" restart="never" nodeType="tmRoot">
+          <p:childTnLst>
+            <p:seq concurrent="1" nextAc="seek">
+              <p:cTn id="2" dur="indefinite" nodeType="mainSeq">
+                <p:childTnLst>
+                  <p:par>
+                    <p:cTn id="3" fill="hold">
+                      <p:stCondLst>
+                        <p:cond delay="indefinite"/>
+                      </p:stCondLst>
+                      <p:childTnLst>
+                        <p:par>
+                          <p:cTn id="4" fill="hold">
+                            <p:stCondLst>
+                              <p:cond delay="0"/>
+                            </p:stCondLst>
+                            <p:childTnLst>
+                              <p:par>
+                                <p:cTn id="5" presetID="1" presetClass="entr" presetSubtype="0" fill="hold" grpId="0" nodeType="clickEffect">
+                                  <p:stCondLst>
+                                    <p:cond delay="0"/>
+                                  </p:stCondLst>
+                                  <p:childTnLst>
+                                    <p:set>
+                                      <p:cBhvr>
+                                        <p:cTn id="6" dur="1" fill="hold">
+                                          <p:stCondLst>
+                                            <p:cond delay="0"/>
+                                          </p:stCondLst>
+                                        </p:cTn>
+                                        <p:tgtEl>
+                                          <p:spTgt spid="4"/>
+                                        </p:tgtEl>
+                                        <p:attrNameLst>
+                                          <p:attrName>style.visibility</p:attrName>
+                                        </p:attrNameLst>
+                                      </p:cBhvr>
+                                      <p:to>
+                                        <p:strVal val="visible"/>
+                                      </p:to>
+                                    </p:set>
+                                  </p:childTnLst>
+                                </p:cTn>
+                              </p:par>
+                            </p:childTnLst>
+                          </p:cTn>
+                        </p:par>
+                      </p:childTnLst>
+                    </p:cTn>
+                  </p:par>
+                </p:childTnLst>
+              </p:cTn>
+              <p:prevCondLst>
+                <p:cond evt="onPrev" delay="0">
+                  <p:tgtEl>
+                    <p:sldTgt/>
+                  </p:tgtEl>
+                </p:cond>
+              </p:prevCondLst>
+              <p:nextCondLst>
+                <p:cond evt="onNext" delay="0">
+                  <p:tgtEl>
+                    <p:sldTgt/>
+                  </p:tgtEl>
+                </p:cond>
+              </p:nextCondLst>
+            </p:seq>
+          </p:childTnLst>
+        </p:cTn>
+      </p:par>
+    </p:tnLst>
+    <p:bldLst>
+      <p:bldP spid="4" grpId="0" animBg="1"/>
+    </p:bldLst>
+  </p:timing>
 </p:sld>
 </file>
 

--- a/Doc/최종 결과 발표_09.06.25/최종발표_임광효_190625.pptx
+++ b/Doc/최종 결과 발표_09.06.25/최종발표_임광효_190625.pptx
@@ -32047,78 +32047,6 @@
           </a:p>
         </p:txBody>
       </p:sp>
-      <p:pic>
-        <p:nvPicPr>
-          <p:cNvPr id="20" name="그림 19">
-            <a:extLst>
-              <a:ext uri="{FF2B5EF4-FFF2-40B4-BE49-F238E27FC236}">
-                <a16:creationId xmlns:a16="http://schemas.microsoft.com/office/drawing/2014/main" id="{4A8E97C7-FB4E-4194-B1CE-3786DA9FBDD5}"/>
-              </a:ext>
-            </a:extLst>
-          </p:cNvPr>
-          <p:cNvPicPr preferRelativeResize="0">
-            <a:picLocks/>
-          </p:cNvPicPr>
-          <p:nvPr/>
-        </p:nvPicPr>
-        <p:blipFill>
-          <a:blip r:embed="rId4">
-            <a:extLst>
-              <a:ext uri="{28A0092B-C50C-407E-A947-70E740481C1C}">
-                <a14:useLocalDpi xmlns:a14="http://schemas.microsoft.com/office/drawing/2010/main" val="0"/>
-              </a:ext>
-            </a:extLst>
-          </a:blip>
-          <a:stretch>
-            <a:fillRect/>
-          </a:stretch>
-        </p:blipFill>
-        <p:spPr>
-          <a:xfrm>
-            <a:off x="9725980" y="891664"/>
-            <a:ext cx="3779912" cy="3371630"/>
-          </a:xfrm>
-          <a:prstGeom prst="rect">
-            <a:avLst/>
-          </a:prstGeom>
-        </p:spPr>
-      </p:pic>
-      <p:pic>
-        <p:nvPicPr>
-          <p:cNvPr id="21" name="그림 20">
-            <a:extLst>
-              <a:ext uri="{FF2B5EF4-FFF2-40B4-BE49-F238E27FC236}">
-                <a16:creationId xmlns:a16="http://schemas.microsoft.com/office/drawing/2014/main" id="{F470BA43-83B7-4834-80C4-569CEF667026}"/>
-              </a:ext>
-            </a:extLst>
-          </p:cNvPr>
-          <p:cNvPicPr preferRelativeResize="0">
-            <a:picLocks/>
-          </p:cNvPicPr>
-          <p:nvPr/>
-        </p:nvPicPr>
-        <p:blipFill>
-          <a:blip r:embed="rId5">
-            <a:extLst>
-              <a:ext uri="{28A0092B-C50C-407E-A947-70E740481C1C}">
-                <a14:useLocalDpi xmlns:a14="http://schemas.microsoft.com/office/drawing/2010/main" val="0"/>
-              </a:ext>
-            </a:extLst>
-          </a:blip>
-          <a:stretch>
-            <a:fillRect/>
-          </a:stretch>
-        </p:blipFill>
-        <p:spPr>
-          <a:xfrm>
-            <a:off x="9725980" y="4280521"/>
-            <a:ext cx="3812490" cy="3371630"/>
-          </a:xfrm>
-          <a:prstGeom prst="rect">
-            <a:avLst/>
-          </a:prstGeom>
-        </p:spPr>
-      </p:pic>
       <p:sp>
         <p:nvSpPr>
           <p:cNvPr id="22" name="TextBox 21">
